--- a/Abbildungen/Pixart.pptx
+++ b/Abbildungen/Pixart.pptx
@@ -206,7 +206,7 @@
           <a:p>
             <a:fld id="{91D67A7C-5EE8-E246-8DB3-90FEFD482A1D}" type="datetimeFigureOut">
               <a:rPr lang="en-GB" smtClean="0"/>
-              <a:t>11/12/2025</a:t>
+              <a:t>23/12/2025</a:t>
             </a:fld>
             <a:endParaRPr lang="en-GB"/>
           </a:p>
@@ -1469,7 +1469,7 @@
           <a:p>
             <a:fld id="{A5C4C0D9-76FE-0B45-8557-3E9D7B7ECFCA}" type="datetimeFigureOut">
               <a:rPr lang="en-GB" smtClean="0"/>
-              <a:t>11/12/2025</a:t>
+              <a:t>23/12/2025</a:t>
             </a:fld>
             <a:endParaRPr lang="en-GB"/>
           </a:p>
@@ -1639,7 +1639,7 @@
           <a:p>
             <a:fld id="{A5C4C0D9-76FE-0B45-8557-3E9D7B7ECFCA}" type="datetimeFigureOut">
               <a:rPr lang="en-GB" smtClean="0"/>
-              <a:t>11/12/2025</a:t>
+              <a:t>23/12/2025</a:t>
             </a:fld>
             <a:endParaRPr lang="en-GB"/>
           </a:p>
@@ -1819,7 +1819,7 @@
           <a:p>
             <a:fld id="{A5C4C0D9-76FE-0B45-8557-3E9D7B7ECFCA}" type="datetimeFigureOut">
               <a:rPr lang="en-GB" smtClean="0"/>
-              <a:t>11/12/2025</a:t>
+              <a:t>23/12/2025</a:t>
             </a:fld>
             <a:endParaRPr lang="en-GB"/>
           </a:p>
@@ -1989,7 +1989,7 @@
           <a:p>
             <a:fld id="{A5C4C0D9-76FE-0B45-8557-3E9D7B7ECFCA}" type="datetimeFigureOut">
               <a:rPr lang="en-GB" smtClean="0"/>
-              <a:t>11/12/2025</a:t>
+              <a:t>23/12/2025</a:t>
             </a:fld>
             <a:endParaRPr lang="en-GB"/>
           </a:p>
@@ -2235,7 +2235,7 @@
           <a:p>
             <a:fld id="{A5C4C0D9-76FE-0B45-8557-3E9D7B7ECFCA}" type="datetimeFigureOut">
               <a:rPr lang="en-GB" smtClean="0"/>
-              <a:t>11/12/2025</a:t>
+              <a:t>23/12/2025</a:t>
             </a:fld>
             <a:endParaRPr lang="en-GB"/>
           </a:p>
@@ -2467,7 +2467,7 @@
           <a:p>
             <a:fld id="{A5C4C0D9-76FE-0B45-8557-3E9D7B7ECFCA}" type="datetimeFigureOut">
               <a:rPr lang="en-GB" smtClean="0"/>
-              <a:t>11/12/2025</a:t>
+              <a:t>23/12/2025</a:t>
             </a:fld>
             <a:endParaRPr lang="en-GB"/>
           </a:p>
@@ -2834,7 +2834,7 @@
           <a:p>
             <a:fld id="{A5C4C0D9-76FE-0B45-8557-3E9D7B7ECFCA}" type="datetimeFigureOut">
               <a:rPr lang="en-GB" smtClean="0"/>
-              <a:t>11/12/2025</a:t>
+              <a:t>23/12/2025</a:t>
             </a:fld>
             <a:endParaRPr lang="en-GB"/>
           </a:p>
@@ -2952,7 +2952,7 @@
           <a:p>
             <a:fld id="{A5C4C0D9-76FE-0B45-8557-3E9D7B7ECFCA}" type="datetimeFigureOut">
               <a:rPr lang="en-GB" smtClean="0"/>
-              <a:t>11/12/2025</a:t>
+              <a:t>23/12/2025</a:t>
             </a:fld>
             <a:endParaRPr lang="en-GB"/>
           </a:p>
@@ -3047,7 +3047,7 @@
           <a:p>
             <a:fld id="{A5C4C0D9-76FE-0B45-8557-3E9D7B7ECFCA}" type="datetimeFigureOut">
               <a:rPr lang="en-GB" smtClean="0"/>
-              <a:t>11/12/2025</a:t>
+              <a:t>23/12/2025</a:t>
             </a:fld>
             <a:endParaRPr lang="en-GB"/>
           </a:p>
@@ -3324,7 +3324,7 @@
           <a:p>
             <a:fld id="{A5C4C0D9-76FE-0B45-8557-3E9D7B7ECFCA}" type="datetimeFigureOut">
               <a:rPr lang="en-GB" smtClean="0"/>
-              <a:t>11/12/2025</a:t>
+              <a:t>23/12/2025</a:t>
             </a:fld>
             <a:endParaRPr lang="en-GB"/>
           </a:p>
@@ -3581,7 +3581,7 @@
           <a:p>
             <a:fld id="{A5C4C0D9-76FE-0B45-8557-3E9D7B7ECFCA}" type="datetimeFigureOut">
               <a:rPr lang="en-GB" smtClean="0"/>
-              <a:t>11/12/2025</a:t>
+              <a:t>23/12/2025</a:t>
             </a:fld>
             <a:endParaRPr lang="en-GB"/>
           </a:p>
@@ -3794,7 +3794,7 @@
           <a:p>
             <a:fld id="{A5C4C0D9-76FE-0B45-8557-3E9D7B7ECFCA}" type="datetimeFigureOut">
               <a:rPr lang="en-GB" smtClean="0"/>
-              <a:t>11/12/2025</a:t>
+              <a:t>23/12/2025</a:t>
             </a:fld>
             <a:endParaRPr lang="en-GB"/>
           </a:p>
@@ -16086,7 +16086,7 @@
         </p:nvSpPr>
         <p:spPr>
           <a:xfrm>
-            <a:off x="262678" y="5120394"/>
+            <a:off x="182714" y="4725067"/>
             <a:ext cx="918841" cy="369332"/>
           </a:xfrm>
           <a:prstGeom prst="rect">
@@ -16162,7 +16162,7 @@
         </p:nvSpPr>
         <p:spPr>
           <a:xfrm rot="16200000">
-            <a:off x="679375" y="4789133"/>
+            <a:off x="723600" y="4789133"/>
             <a:ext cx="2192400" cy="241200"/>
           </a:xfrm>
           <a:prstGeom prst="rect">
@@ -16227,7 +16227,7 @@
         </p:nvCxnSpPr>
         <p:spPr>
           <a:xfrm>
-            <a:off x="2013329" y="4917600"/>
+            <a:off x="2131200" y="4917600"/>
             <a:ext cx="360000" cy="0"/>
           </a:xfrm>
           <a:prstGeom prst="straightConnector1">
@@ -16266,7 +16266,7 @@
         </p:nvSpPr>
         <p:spPr>
           <a:xfrm rot="16200000">
-            <a:off x="1465678" y="4788853"/>
+            <a:off x="1692363" y="4788852"/>
             <a:ext cx="2192400" cy="241762"/>
           </a:xfrm>
           <a:prstGeom prst="rect">
@@ -16412,9 +16412,7 @@
             <a:avLst/>
           </a:prstGeom>
           <a:solidFill>
-            <a:schemeClr val="accent1">
-              <a:alpha val="40000"/>
-            </a:schemeClr>
+            <a:srgbClr val="D97D84"/>
           </a:solidFill>
           <a:ln>
             <a:solidFill>
@@ -16511,7 +16509,7 @@
         </p:nvCxnSpPr>
         <p:spPr>
           <a:xfrm>
-            <a:off x="2132978" y="7760572"/>
+            <a:off x="2131200" y="7760572"/>
             <a:ext cx="360000" cy="0"/>
           </a:xfrm>
           <a:prstGeom prst="straightConnector1">
@@ -16988,9 +16986,9 @@
           <p:nvPr/>
         </p:nvCxnSpPr>
         <p:spPr>
-          <a:xfrm>
-            <a:off x="2891118" y="4917600"/>
-            <a:ext cx="6296712" cy="0"/>
+          <a:xfrm flipV="1">
+            <a:off x="2958996" y="4917600"/>
+            <a:ext cx="6228834" cy="18000"/>
           </a:xfrm>
           <a:prstGeom prst="line">
             <a:avLst/>
@@ -17177,8 +17175,8 @@
         </p:nvCxnSpPr>
         <p:spPr>
           <a:xfrm>
-            <a:off x="2373329" y="2530800"/>
-            <a:ext cx="6958501" cy="0"/>
+            <a:off x="3080084" y="2530800"/>
+            <a:ext cx="6251746" cy="0"/>
           </a:xfrm>
           <a:prstGeom prst="line">
             <a:avLst/>
@@ -17383,7 +17381,7 @@
         </p:nvSpPr>
         <p:spPr>
           <a:xfrm rot="16200000">
-            <a:off x="743560" y="7598621"/>
+            <a:off x="723600" y="7598621"/>
             <a:ext cx="2192400" cy="241200"/>
           </a:xfrm>
           <a:prstGeom prst="rect">
@@ -17719,6 +17717,108 @@
             <a:r>
               <a:rPr lang="en-GB" dirty="0"/>
               <a:t>Prediction</a:t>
+            </a:r>
+          </a:p>
+        </p:txBody>
+      </p:sp>
+      <p:cxnSp>
+        <p:nvCxnSpPr>
+          <p:cNvPr id="18" name="Gerade Verbindung mit Pfeil 17">
+            <a:extLst>
+              <a:ext uri="{FF2B5EF4-FFF2-40B4-BE49-F238E27FC236}">
+                <a16:creationId xmlns:a16="http://schemas.microsoft.com/office/drawing/2014/main" id="{94B66126-C7BF-52CC-A9E5-7F8A47BF77E3}"/>
+              </a:ext>
+            </a:extLst>
+          </p:cNvPr>
+          <p:cNvCxnSpPr>
+            <a:cxnSpLocks/>
+          </p:cNvCxnSpPr>
+          <p:nvPr/>
+        </p:nvCxnSpPr>
+        <p:spPr>
+          <a:xfrm>
+            <a:off x="2131200" y="2530800"/>
+            <a:ext cx="360000" cy="0"/>
+          </a:xfrm>
+          <a:prstGeom prst="straightConnector1">
+            <a:avLst/>
+          </a:prstGeom>
+          <a:ln>
+            <a:tailEnd type="triangle"/>
+          </a:ln>
+        </p:spPr>
+        <p:style>
+          <a:lnRef idx="2">
+            <a:schemeClr val="dk1"/>
+          </a:lnRef>
+          <a:fillRef idx="0">
+            <a:schemeClr val="dk1"/>
+          </a:fillRef>
+          <a:effectRef idx="1">
+            <a:schemeClr val="dk1"/>
+          </a:effectRef>
+          <a:fontRef idx="minor">
+            <a:schemeClr val="tx1"/>
+          </a:fontRef>
+        </p:style>
+      </p:cxnSp>
+      <p:sp>
+        <p:nvSpPr>
+          <p:cNvPr id="19" name="Rechteck 18">
+            <a:extLst>
+              <a:ext uri="{FF2B5EF4-FFF2-40B4-BE49-F238E27FC236}">
+                <a16:creationId xmlns:a16="http://schemas.microsoft.com/office/drawing/2014/main" id="{B2BDBC28-B006-CA04-F95B-91216ECF4BB8}"/>
+              </a:ext>
+            </a:extLst>
+          </p:cNvPr>
+          <p:cNvSpPr/>
+          <p:nvPr/>
+        </p:nvSpPr>
+        <p:spPr>
+          <a:xfrm rot="16200000">
+            <a:off x="1692645" y="2343123"/>
+            <a:ext cx="2192400" cy="241200"/>
+          </a:xfrm>
+          <a:prstGeom prst="rect">
+            <a:avLst/>
+          </a:prstGeom>
+          <a:solidFill>
+            <a:srgbClr val="F2F2A4"/>
+          </a:solidFill>
+          <a:ln>
+            <a:solidFill>
+              <a:schemeClr val="tx1"/>
+            </a:solidFill>
+          </a:ln>
+        </p:spPr>
+        <p:style>
+          <a:lnRef idx="2">
+            <a:schemeClr val="accent1">
+              <a:shade val="15000"/>
+            </a:schemeClr>
+          </a:lnRef>
+          <a:fillRef idx="1">
+            <a:schemeClr val="accent1"/>
+          </a:fillRef>
+          <a:effectRef idx="0">
+            <a:schemeClr val="accent1"/>
+          </a:effectRef>
+          <a:fontRef idx="minor">
+            <a:schemeClr val="lt1"/>
+          </a:fontRef>
+        </p:style>
+        <p:txBody>
+          <a:bodyPr rtlCol="0" anchor="ctr"/>
+          <a:lstStyle/>
+          <a:p>
+            <a:pPr algn="ctr"/>
+            <a:r>
+              <a:rPr lang="en-GB" sz="1600" dirty="0">
+                <a:solidFill>
+                  <a:schemeClr val="tx1"/>
+                </a:solidFill>
+              </a:rPr>
+              <a:t>MLP</a:t>
             </a:r>
           </a:p>
         </p:txBody>
@@ -24118,8 +24218,8 @@
           </a:p>
         </p:txBody>
       </p:sp>
-      <mc:AlternateContent xmlns:mc="http://schemas.openxmlformats.org/markup-compatibility/2006">
-        <mc:Choice xmlns:a14="http://schemas.microsoft.com/office/drawing/2010/main" Requires="a14">
+      <mc:AlternateContent xmlns:mc="http://schemas.openxmlformats.org/markup-compatibility/2006" xmlns:a14="http://schemas.microsoft.com/office/drawing/2010/main">
+        <mc:Choice Requires="a14">
           <p:sp>
             <p:nvSpPr>
               <p:cNvPr id="202" name="Rechteck 201">
@@ -24201,7 +24301,7 @@
             </p:txBody>
           </p:sp>
         </mc:Choice>
-        <mc:Fallback>
+        <mc:Fallback xmlns="">
           <p:sp>
             <p:nvSpPr>
               <p:cNvPr id="202" name="Rechteck 201">

--- a/Abbildungen/Pixart.pptx
+++ b/Abbildungen/Pixart.pptx
@@ -207,7 +207,7 @@
           <a:p>
             <a:fld id="{91D67A7C-5EE8-E246-8DB3-90FEFD482A1D}" type="datetimeFigureOut">
               <a:rPr lang="en-GB" smtClean="0"/>
-              <a:t>29/12/2025</a:t>
+              <a:t>05/01/2026</a:t>
             </a:fld>
             <a:endParaRPr lang="en-GB"/>
           </a:p>
@@ -1470,7 +1470,7 @@
           <a:p>
             <a:fld id="{A5C4C0D9-76FE-0B45-8557-3E9D7B7ECFCA}" type="datetimeFigureOut">
               <a:rPr lang="en-GB" smtClean="0"/>
-              <a:t>29/12/2025</a:t>
+              <a:t>05/01/2026</a:t>
             </a:fld>
             <a:endParaRPr lang="en-GB"/>
           </a:p>
@@ -1640,7 +1640,7 @@
           <a:p>
             <a:fld id="{A5C4C0D9-76FE-0B45-8557-3E9D7B7ECFCA}" type="datetimeFigureOut">
               <a:rPr lang="en-GB" smtClean="0"/>
-              <a:t>29/12/2025</a:t>
+              <a:t>05/01/2026</a:t>
             </a:fld>
             <a:endParaRPr lang="en-GB"/>
           </a:p>
@@ -1820,7 +1820,7 @@
           <a:p>
             <a:fld id="{A5C4C0D9-76FE-0B45-8557-3E9D7B7ECFCA}" type="datetimeFigureOut">
               <a:rPr lang="en-GB" smtClean="0"/>
-              <a:t>29/12/2025</a:t>
+              <a:t>05/01/2026</a:t>
             </a:fld>
             <a:endParaRPr lang="en-GB"/>
           </a:p>
@@ -1990,7 +1990,7 @@
           <a:p>
             <a:fld id="{A5C4C0D9-76FE-0B45-8557-3E9D7B7ECFCA}" type="datetimeFigureOut">
               <a:rPr lang="en-GB" smtClean="0"/>
-              <a:t>29/12/2025</a:t>
+              <a:t>05/01/2026</a:t>
             </a:fld>
             <a:endParaRPr lang="en-GB"/>
           </a:p>
@@ -2236,7 +2236,7 @@
           <a:p>
             <a:fld id="{A5C4C0D9-76FE-0B45-8557-3E9D7B7ECFCA}" type="datetimeFigureOut">
               <a:rPr lang="en-GB" smtClean="0"/>
-              <a:t>29/12/2025</a:t>
+              <a:t>05/01/2026</a:t>
             </a:fld>
             <a:endParaRPr lang="en-GB"/>
           </a:p>
@@ -2468,7 +2468,7 @@
           <a:p>
             <a:fld id="{A5C4C0D9-76FE-0B45-8557-3E9D7B7ECFCA}" type="datetimeFigureOut">
               <a:rPr lang="en-GB" smtClean="0"/>
-              <a:t>29/12/2025</a:t>
+              <a:t>05/01/2026</a:t>
             </a:fld>
             <a:endParaRPr lang="en-GB"/>
           </a:p>
@@ -2835,7 +2835,7 @@
           <a:p>
             <a:fld id="{A5C4C0D9-76FE-0B45-8557-3E9D7B7ECFCA}" type="datetimeFigureOut">
               <a:rPr lang="en-GB" smtClean="0"/>
-              <a:t>29/12/2025</a:t>
+              <a:t>05/01/2026</a:t>
             </a:fld>
             <a:endParaRPr lang="en-GB"/>
           </a:p>
@@ -2953,7 +2953,7 @@
           <a:p>
             <a:fld id="{A5C4C0D9-76FE-0B45-8557-3E9D7B7ECFCA}" type="datetimeFigureOut">
               <a:rPr lang="en-GB" smtClean="0"/>
-              <a:t>29/12/2025</a:t>
+              <a:t>05/01/2026</a:t>
             </a:fld>
             <a:endParaRPr lang="en-GB"/>
           </a:p>
@@ -3048,7 +3048,7 @@
           <a:p>
             <a:fld id="{A5C4C0D9-76FE-0B45-8557-3E9D7B7ECFCA}" type="datetimeFigureOut">
               <a:rPr lang="en-GB" smtClean="0"/>
-              <a:t>29/12/2025</a:t>
+              <a:t>05/01/2026</a:t>
             </a:fld>
             <a:endParaRPr lang="en-GB"/>
           </a:p>
@@ -3325,7 +3325,7 @@
           <a:p>
             <a:fld id="{A5C4C0D9-76FE-0B45-8557-3E9D7B7ECFCA}" type="datetimeFigureOut">
               <a:rPr lang="en-GB" smtClean="0"/>
-              <a:t>29/12/2025</a:t>
+              <a:t>05/01/2026</a:t>
             </a:fld>
             <a:endParaRPr lang="en-GB"/>
           </a:p>
@@ -3582,7 +3582,7 @@
           <a:p>
             <a:fld id="{A5C4C0D9-76FE-0B45-8557-3E9D7B7ECFCA}" type="datetimeFigureOut">
               <a:rPr lang="en-GB" smtClean="0"/>
-              <a:t>29/12/2025</a:t>
+              <a:t>05/01/2026</a:t>
             </a:fld>
             <a:endParaRPr lang="en-GB"/>
           </a:p>
@@ -3795,7 +3795,7 @@
           <a:p>
             <a:fld id="{A5C4C0D9-76FE-0B45-8557-3E9D7B7ECFCA}" type="datetimeFigureOut">
               <a:rPr lang="en-GB" smtClean="0"/>
-              <a:t>29/12/2025</a:t>
+              <a:t>05/01/2026</a:t>
             </a:fld>
             <a:endParaRPr lang="en-GB"/>
           </a:p>
@@ -25561,10 +25561,10 @@
       </p:grpSpPr>
       <p:grpSp>
         <p:nvGrpSpPr>
-          <p:cNvPr id="67" name="Gruppieren 66">
-            <a:extLst>
-              <a:ext uri="{FF2B5EF4-FFF2-40B4-BE49-F238E27FC236}">
-                <a16:creationId xmlns:a16="http://schemas.microsoft.com/office/drawing/2014/main" id="{82883AA9-30A1-723E-783D-857D0233EE7E}"/>
+          <p:cNvPr id="2" name="Gruppieren 1">
+            <a:extLst>
+              <a:ext uri="{FF2B5EF4-FFF2-40B4-BE49-F238E27FC236}">
+                <a16:creationId xmlns:a16="http://schemas.microsoft.com/office/drawing/2014/main" id="{5D737D1F-9B98-6928-C6C2-44F22015CA38}"/>
               </a:ext>
             </a:extLst>
           </p:cNvPr>
@@ -25581,10 +25581,10 @@
         </p:grpSpPr>
         <p:grpSp>
           <p:nvGrpSpPr>
-            <p:cNvPr id="68" name="Gruppieren 67">
+            <p:cNvPr id="3" name="Gruppieren 2">
               <a:extLst>
                 <a:ext uri="{FF2B5EF4-FFF2-40B4-BE49-F238E27FC236}">
-                  <a16:creationId xmlns:a16="http://schemas.microsoft.com/office/drawing/2014/main" id="{E8FE29CC-08E8-030B-C918-DE4D985F6DCD}"/>
+                  <a16:creationId xmlns:a16="http://schemas.microsoft.com/office/drawing/2014/main" id="{3C1308DF-A87A-ABF0-0FBA-F28CA1ABC5A1}"/>
                 </a:ext>
               </a:extLst>
             </p:cNvPr>
@@ -25601,10 +25601,10 @@
           </p:grpSpPr>
           <p:sp>
             <p:nvSpPr>
-              <p:cNvPr id="87" name="Textfeld 86">
+              <p:cNvPr id="22" name="Textfeld 21">
                 <a:extLst>
                   <a:ext uri="{FF2B5EF4-FFF2-40B4-BE49-F238E27FC236}">
-                    <a16:creationId xmlns:a16="http://schemas.microsoft.com/office/drawing/2014/main" id="{84AB4805-7434-8739-8F66-11D0D134AA1C}"/>
+                    <a16:creationId xmlns:a16="http://schemas.microsoft.com/office/drawing/2014/main" id="{A8CAA521-BA90-CF1F-C31E-6DD700D5FDF7}"/>
                   </a:ext>
                 </a:extLst>
               </p:cNvPr>
@@ -25636,10 +25636,10 @@
           </p:sp>
           <p:sp>
             <p:nvSpPr>
-              <p:cNvPr id="88" name="Rechteck 87">
+              <p:cNvPr id="23" name="Rechteck 22">
                 <a:extLst>
                   <a:ext uri="{FF2B5EF4-FFF2-40B4-BE49-F238E27FC236}">
-                    <a16:creationId xmlns:a16="http://schemas.microsoft.com/office/drawing/2014/main" id="{48BE7EFB-9740-6A26-620E-3A19695CAF1C}"/>
+                    <a16:creationId xmlns:a16="http://schemas.microsoft.com/office/drawing/2014/main" id="{8F785553-6E60-C500-B7C1-8AA103BE1D00}"/>
                   </a:ext>
                 </a:extLst>
               </p:cNvPr>
@@ -25694,10 +25694,10 @@
           </p:sp>
           <p:sp>
             <p:nvSpPr>
-              <p:cNvPr id="89" name="Textfeld 88">
+              <p:cNvPr id="24" name="Textfeld 23">
                 <a:extLst>
                   <a:ext uri="{FF2B5EF4-FFF2-40B4-BE49-F238E27FC236}">
-                    <a16:creationId xmlns:a16="http://schemas.microsoft.com/office/drawing/2014/main" id="{4E1663BC-C67D-31EC-ACAD-06043D174040}"/>
+                    <a16:creationId xmlns:a16="http://schemas.microsoft.com/office/drawing/2014/main" id="{A31E66DF-7404-D6E3-9C83-8E9C4F5B9FD8}"/>
                   </a:ext>
                 </a:extLst>
               </p:cNvPr>
@@ -25730,10 +25730,10 @@
           </p:sp>
           <p:sp>
             <p:nvSpPr>
-              <p:cNvPr id="90" name="Textfeld 89">
+              <p:cNvPr id="25" name="Textfeld 24">
                 <a:extLst>
                   <a:ext uri="{FF2B5EF4-FFF2-40B4-BE49-F238E27FC236}">
-                    <a16:creationId xmlns:a16="http://schemas.microsoft.com/office/drawing/2014/main" id="{4C89C99E-B494-86A9-DE50-C27D44D12661}"/>
+                    <a16:creationId xmlns:a16="http://schemas.microsoft.com/office/drawing/2014/main" id="{D20F3764-9A36-F471-87CE-B497B7A7C49B}"/>
                   </a:ext>
                 </a:extLst>
               </p:cNvPr>
@@ -25766,10 +25766,10 @@
           </p:sp>
           <p:sp>
             <p:nvSpPr>
-              <p:cNvPr id="91" name="Textfeld 90">
+              <p:cNvPr id="26" name="Textfeld 25">
                 <a:extLst>
                   <a:ext uri="{FF2B5EF4-FFF2-40B4-BE49-F238E27FC236}">
-                    <a16:creationId xmlns:a16="http://schemas.microsoft.com/office/drawing/2014/main" id="{4693A785-964C-F2EA-4D27-DFDC5FF3F525}"/>
+                    <a16:creationId xmlns:a16="http://schemas.microsoft.com/office/drawing/2014/main" id="{C81ED18C-BD2D-03BD-2562-A8B66E575D2E}"/>
                   </a:ext>
                 </a:extLst>
               </p:cNvPr>
@@ -25801,10 +25801,10 @@
           </p:sp>
           <p:cxnSp>
             <p:nvCxnSpPr>
-              <p:cNvPr id="92" name="Gerade Verbindung mit Pfeil 91">
+              <p:cNvPr id="27" name="Gerade Verbindung mit Pfeil 26">
                 <a:extLst>
                   <a:ext uri="{FF2B5EF4-FFF2-40B4-BE49-F238E27FC236}">
-                    <a16:creationId xmlns:a16="http://schemas.microsoft.com/office/drawing/2014/main" id="{4CC35583-680D-F9C2-5BBD-E0B943C43A23}"/>
+                    <a16:creationId xmlns:a16="http://schemas.microsoft.com/office/drawing/2014/main" id="{1297801B-D16F-9A6F-CA60-466D27AECA01}"/>
                   </a:ext>
                 </a:extLst>
               </p:cNvPr>
@@ -25842,10 +25842,10 @@
           </p:cxnSp>
           <p:sp>
             <p:nvSpPr>
-              <p:cNvPr id="93" name="Rechteck 92">
+              <p:cNvPr id="28" name="Rechteck 27">
                 <a:extLst>
                   <a:ext uri="{FF2B5EF4-FFF2-40B4-BE49-F238E27FC236}">
-                    <a16:creationId xmlns:a16="http://schemas.microsoft.com/office/drawing/2014/main" id="{96429629-E755-F655-EEAF-2D458F818C1F}"/>
+                    <a16:creationId xmlns:a16="http://schemas.microsoft.com/office/drawing/2014/main" id="{797DAA74-DA98-F55A-0C7E-83D83C14AFE4}"/>
                   </a:ext>
                 </a:extLst>
               </p:cNvPr>
@@ -25905,10 +25905,10 @@
           </p:sp>
           <p:cxnSp>
             <p:nvCxnSpPr>
-              <p:cNvPr id="94" name="Gerade Verbindung mit Pfeil 93">
+              <p:cNvPr id="29" name="Gerade Verbindung mit Pfeil 28">
                 <a:extLst>
                   <a:ext uri="{FF2B5EF4-FFF2-40B4-BE49-F238E27FC236}">
-                    <a16:creationId xmlns:a16="http://schemas.microsoft.com/office/drawing/2014/main" id="{F36516D1-F384-0E23-92E9-15F96DE3766A}"/>
+                    <a16:creationId xmlns:a16="http://schemas.microsoft.com/office/drawing/2014/main" id="{BE519074-9989-0190-54BE-18EB5D4BE9A3}"/>
                   </a:ext>
                 </a:extLst>
               </p:cNvPr>
@@ -25946,10 +25946,10 @@
           </p:cxnSp>
           <p:sp>
             <p:nvSpPr>
-              <p:cNvPr id="95" name="Rechteck 94">
+              <p:cNvPr id="30" name="Rechteck 29">
                 <a:extLst>
                   <a:ext uri="{FF2B5EF4-FFF2-40B4-BE49-F238E27FC236}">
-                    <a16:creationId xmlns:a16="http://schemas.microsoft.com/office/drawing/2014/main" id="{341CB40E-D470-3BFB-778F-844DEA7AEB13}"/>
+                    <a16:creationId xmlns:a16="http://schemas.microsoft.com/office/drawing/2014/main" id="{AC46B5B5-868C-BC55-ED35-C81B07DF9B9F}"/>
                   </a:ext>
                 </a:extLst>
               </p:cNvPr>
@@ -26009,10 +26009,10 @@
           </p:sp>
           <p:cxnSp>
             <p:nvCxnSpPr>
-              <p:cNvPr id="96" name="Gerade Verbindung mit Pfeil 95">
+              <p:cNvPr id="31" name="Gerade Verbindung mit Pfeil 30">
                 <a:extLst>
                   <a:ext uri="{FF2B5EF4-FFF2-40B4-BE49-F238E27FC236}">
-                    <a16:creationId xmlns:a16="http://schemas.microsoft.com/office/drawing/2014/main" id="{31F4739F-51E3-57DF-702F-A845D0E2280A}"/>
+                    <a16:creationId xmlns:a16="http://schemas.microsoft.com/office/drawing/2014/main" id="{CE2A9DFB-DCA4-DAD7-D516-16ABCCFBA352}"/>
                   </a:ext>
                 </a:extLst>
               </p:cNvPr>
@@ -26050,10 +26050,10 @@
           </p:cxnSp>
           <p:sp>
             <p:nvSpPr>
-              <p:cNvPr id="97" name="Textfeld 96">
+              <p:cNvPr id="32" name="Textfeld 31">
                 <a:extLst>
                   <a:ext uri="{FF2B5EF4-FFF2-40B4-BE49-F238E27FC236}">
-                    <a16:creationId xmlns:a16="http://schemas.microsoft.com/office/drawing/2014/main" id="{1E6D0F61-8C1A-BDFD-CC73-03B159C5BDA2}"/>
+                    <a16:creationId xmlns:a16="http://schemas.microsoft.com/office/drawing/2014/main" id="{E61FBE6E-6D24-E3DE-817C-88B023B9B2CE}"/>
                   </a:ext>
                 </a:extLst>
               </p:cNvPr>
@@ -26085,10 +26085,10 @@
           </p:sp>
           <p:sp>
             <p:nvSpPr>
-              <p:cNvPr id="98" name="Rechteck 97">
+              <p:cNvPr id="33" name="Rechteck 32">
                 <a:extLst>
                   <a:ext uri="{FF2B5EF4-FFF2-40B4-BE49-F238E27FC236}">
-                    <a16:creationId xmlns:a16="http://schemas.microsoft.com/office/drawing/2014/main" id="{DF9811DB-3945-153D-ACC0-D895F574BCC3}"/>
+                    <a16:creationId xmlns:a16="http://schemas.microsoft.com/office/drawing/2014/main" id="{04AABBFA-E684-8FAC-EEE5-D8167DE17C7C}"/>
                   </a:ext>
                 </a:extLst>
               </p:cNvPr>
@@ -26146,10 +26146,10 @@
           </p:sp>
           <p:cxnSp>
             <p:nvCxnSpPr>
-              <p:cNvPr id="99" name="Gerade Verbindung mit Pfeil 98">
+              <p:cNvPr id="34" name="Gerade Verbindung mit Pfeil 33">
                 <a:extLst>
                   <a:ext uri="{FF2B5EF4-FFF2-40B4-BE49-F238E27FC236}">
-                    <a16:creationId xmlns:a16="http://schemas.microsoft.com/office/drawing/2014/main" id="{92313EAA-DAB7-D643-A84E-896609D42468}"/>
+                    <a16:creationId xmlns:a16="http://schemas.microsoft.com/office/drawing/2014/main" id="{2B244AA8-2E15-A7D3-63EA-AE9048B07837}"/>
                   </a:ext>
                 </a:extLst>
               </p:cNvPr>
@@ -26187,10 +26187,10 @@
           </p:cxnSp>
           <p:cxnSp>
             <p:nvCxnSpPr>
-              <p:cNvPr id="100" name="Gerade Verbindung mit Pfeil 99">
+              <p:cNvPr id="35" name="Gerade Verbindung mit Pfeil 34">
                 <a:extLst>
                   <a:ext uri="{FF2B5EF4-FFF2-40B4-BE49-F238E27FC236}">
-                    <a16:creationId xmlns:a16="http://schemas.microsoft.com/office/drawing/2014/main" id="{A8CD884D-7700-D9AE-DD68-F50EDEB9EE2E}"/>
+                    <a16:creationId xmlns:a16="http://schemas.microsoft.com/office/drawing/2014/main" id="{75D44B87-6396-52EE-F42B-43873C884ABF}"/>
                   </a:ext>
                 </a:extLst>
               </p:cNvPr>
@@ -26228,10 +26228,10 @@
           </p:cxnSp>
           <p:sp>
             <p:nvSpPr>
-              <p:cNvPr id="101" name="Rechteck 100">
+              <p:cNvPr id="36" name="Rechteck 35">
                 <a:extLst>
                   <a:ext uri="{FF2B5EF4-FFF2-40B4-BE49-F238E27FC236}">
-                    <a16:creationId xmlns:a16="http://schemas.microsoft.com/office/drawing/2014/main" id="{0E84034B-94AA-1BE5-6C50-5B946C98D4C9}"/>
+                    <a16:creationId xmlns:a16="http://schemas.microsoft.com/office/drawing/2014/main" id="{71B03B2F-6E77-1D02-42A6-BDEECF57DED6}"/>
                   </a:ext>
                 </a:extLst>
               </p:cNvPr>
@@ -26291,10 +26291,10 @@
           </p:sp>
           <p:cxnSp>
             <p:nvCxnSpPr>
-              <p:cNvPr id="102" name="Gerade Verbindung mit Pfeil 101">
+              <p:cNvPr id="37" name="Gerade Verbindung mit Pfeil 36">
                 <a:extLst>
                   <a:ext uri="{FF2B5EF4-FFF2-40B4-BE49-F238E27FC236}">
-                    <a16:creationId xmlns:a16="http://schemas.microsoft.com/office/drawing/2014/main" id="{861EBC5D-1231-6D35-BDBE-1A032CED30E0}"/>
+                    <a16:creationId xmlns:a16="http://schemas.microsoft.com/office/drawing/2014/main" id="{19D4D332-FBF9-2C74-CFEE-92A50D0C71AB}"/>
                   </a:ext>
                 </a:extLst>
               </p:cNvPr>
@@ -26332,10 +26332,10 @@
           </p:cxnSp>
           <p:sp>
             <p:nvSpPr>
-              <p:cNvPr id="103" name="Rechteck 102">
+              <p:cNvPr id="38" name="Rechteck 37">
                 <a:extLst>
                   <a:ext uri="{FF2B5EF4-FFF2-40B4-BE49-F238E27FC236}">
-                    <a16:creationId xmlns:a16="http://schemas.microsoft.com/office/drawing/2014/main" id="{CF3D09E6-1A46-FA02-D7F1-37E13F015A57}"/>
+                    <a16:creationId xmlns:a16="http://schemas.microsoft.com/office/drawing/2014/main" id="{951412E8-C296-5FEE-E10C-8CEE9AA641B6}"/>
                   </a:ext>
                 </a:extLst>
               </p:cNvPr>
@@ -26395,10 +26395,10 @@
           </p:sp>
           <p:cxnSp>
             <p:nvCxnSpPr>
-              <p:cNvPr id="104" name="Gerade Verbindung mit Pfeil 103">
+              <p:cNvPr id="39" name="Gerade Verbindung mit Pfeil 38">
                 <a:extLst>
                   <a:ext uri="{FF2B5EF4-FFF2-40B4-BE49-F238E27FC236}">
-                    <a16:creationId xmlns:a16="http://schemas.microsoft.com/office/drawing/2014/main" id="{8A52A173-7A83-E6FF-670B-3A4CD2D56DB9}"/>
+                    <a16:creationId xmlns:a16="http://schemas.microsoft.com/office/drawing/2014/main" id="{BECC2685-92DF-D835-C8B9-62908C015AAC}"/>
                   </a:ext>
                 </a:extLst>
               </p:cNvPr>
@@ -26436,10 +26436,10 @@
           </p:cxnSp>
           <p:sp>
             <p:nvSpPr>
-              <p:cNvPr id="105" name="Rechteck 104">
+              <p:cNvPr id="40" name="Rechteck 39">
                 <a:extLst>
                   <a:ext uri="{FF2B5EF4-FFF2-40B4-BE49-F238E27FC236}">
-                    <a16:creationId xmlns:a16="http://schemas.microsoft.com/office/drawing/2014/main" id="{F47B609A-9D40-2E0D-AD75-C1AC39A3C721}"/>
+                    <a16:creationId xmlns:a16="http://schemas.microsoft.com/office/drawing/2014/main" id="{2FF6C04A-DC02-51EA-C8AD-D19CBCF9ADD1}"/>
                   </a:ext>
                 </a:extLst>
               </p:cNvPr>
@@ -26494,10 +26494,10 @@
           </p:sp>
           <p:sp>
             <p:nvSpPr>
-              <p:cNvPr id="106" name="Textfeld 105">
+              <p:cNvPr id="41" name="Textfeld 40">
                 <a:extLst>
                   <a:ext uri="{FF2B5EF4-FFF2-40B4-BE49-F238E27FC236}">
-                    <a16:creationId xmlns:a16="http://schemas.microsoft.com/office/drawing/2014/main" id="{A7266419-3C23-6462-0650-44F30CA3153B}"/>
+                    <a16:creationId xmlns:a16="http://schemas.microsoft.com/office/drawing/2014/main" id="{01722D8C-12E3-DEF8-4EC1-0A534293F24B}"/>
                   </a:ext>
                 </a:extLst>
               </p:cNvPr>
@@ -26530,10 +26530,10 @@
           </p:sp>
           <p:sp>
             <p:nvSpPr>
-              <p:cNvPr id="107" name="Rechteck 106">
+              <p:cNvPr id="42" name="Rechteck 41">
                 <a:extLst>
                   <a:ext uri="{FF2B5EF4-FFF2-40B4-BE49-F238E27FC236}">
-                    <a16:creationId xmlns:a16="http://schemas.microsoft.com/office/drawing/2014/main" id="{0344B820-7FF6-0156-CD20-E1F26BAE1B1A}"/>
+                    <a16:creationId xmlns:a16="http://schemas.microsoft.com/office/drawing/2014/main" id="{C10EA0E0-C36A-6BD8-B5D9-C390AD96193F}"/>
                   </a:ext>
                 </a:extLst>
               </p:cNvPr>
@@ -26588,10 +26588,10 @@
           </p:sp>
           <p:sp>
             <p:nvSpPr>
-              <p:cNvPr id="108" name="Textfeld 107">
+              <p:cNvPr id="43" name="Textfeld 42">
                 <a:extLst>
                   <a:ext uri="{FF2B5EF4-FFF2-40B4-BE49-F238E27FC236}">
-                    <a16:creationId xmlns:a16="http://schemas.microsoft.com/office/drawing/2014/main" id="{74011C70-2944-7577-0C86-B2C0DF877C97}"/>
+                    <a16:creationId xmlns:a16="http://schemas.microsoft.com/office/drawing/2014/main" id="{F9D23013-0911-96B8-2F7D-EA29A6D87447}"/>
                   </a:ext>
                 </a:extLst>
               </p:cNvPr>
@@ -26624,10 +26624,10 @@
           </p:sp>
           <p:cxnSp>
             <p:nvCxnSpPr>
-              <p:cNvPr id="109" name="Gerade Verbindung mit Pfeil 108">
+              <p:cNvPr id="44" name="Gerade Verbindung mit Pfeil 43">
                 <a:extLst>
                   <a:ext uri="{FF2B5EF4-FFF2-40B4-BE49-F238E27FC236}">
-                    <a16:creationId xmlns:a16="http://schemas.microsoft.com/office/drawing/2014/main" id="{7546104B-0E5A-FF13-A77B-A6D7C040E965}"/>
+                    <a16:creationId xmlns:a16="http://schemas.microsoft.com/office/drawing/2014/main" id="{2B445F87-0098-F7B3-979F-524704261B6D}"/>
                   </a:ext>
                 </a:extLst>
               </p:cNvPr>
@@ -26665,10 +26665,10 @@
           </p:cxnSp>
           <p:cxnSp>
             <p:nvCxnSpPr>
-              <p:cNvPr id="110" name="Gerade Verbindung 109">
+              <p:cNvPr id="45" name="Gerade Verbindung 44">
                 <a:extLst>
                   <a:ext uri="{FF2B5EF4-FFF2-40B4-BE49-F238E27FC236}">
-                    <a16:creationId xmlns:a16="http://schemas.microsoft.com/office/drawing/2014/main" id="{C35E5783-F0D5-6CC7-A470-BE4446015A53}"/>
+                    <a16:creationId xmlns:a16="http://schemas.microsoft.com/office/drawing/2014/main" id="{FF85FEED-C636-A42E-FDF8-98CC36033792}"/>
                   </a:ext>
                 </a:extLst>
               </p:cNvPr>
@@ -26712,10 +26712,10 @@
           </p:cxnSp>
           <p:cxnSp>
             <p:nvCxnSpPr>
-              <p:cNvPr id="111" name="Gerade Verbindung mit Pfeil 110">
+              <p:cNvPr id="46" name="Gerade Verbindung mit Pfeil 45">
                 <a:extLst>
                   <a:ext uri="{FF2B5EF4-FFF2-40B4-BE49-F238E27FC236}">
-                    <a16:creationId xmlns:a16="http://schemas.microsoft.com/office/drawing/2014/main" id="{318C9C81-C5F3-F038-2C11-56047721B0CF}"/>
+                    <a16:creationId xmlns:a16="http://schemas.microsoft.com/office/drawing/2014/main" id="{DF32A886-AE94-316B-C05B-C4E11D8517D7}"/>
                   </a:ext>
                 </a:extLst>
               </p:cNvPr>
@@ -26759,10 +26759,10 @@
           </p:cxnSp>
           <p:cxnSp>
             <p:nvCxnSpPr>
-              <p:cNvPr id="112" name="Gerade Verbindung mit Pfeil 111">
+              <p:cNvPr id="47" name="Gerade Verbindung mit Pfeil 46">
                 <a:extLst>
                   <a:ext uri="{FF2B5EF4-FFF2-40B4-BE49-F238E27FC236}">
-                    <a16:creationId xmlns:a16="http://schemas.microsoft.com/office/drawing/2014/main" id="{CB4A730D-ECE9-C48A-AD13-F13CEFDF86CE}"/>
+                    <a16:creationId xmlns:a16="http://schemas.microsoft.com/office/drawing/2014/main" id="{A628DF9E-31AF-C94D-00D2-4BA326AFCD63}"/>
                   </a:ext>
                 </a:extLst>
               </p:cNvPr>
@@ -26806,10 +26806,10 @@
           </p:cxnSp>
           <p:cxnSp>
             <p:nvCxnSpPr>
-              <p:cNvPr id="113" name="Gerade Verbindung mit Pfeil 112">
+              <p:cNvPr id="48" name="Gerade Verbindung mit Pfeil 47">
                 <a:extLst>
                   <a:ext uri="{FF2B5EF4-FFF2-40B4-BE49-F238E27FC236}">
-                    <a16:creationId xmlns:a16="http://schemas.microsoft.com/office/drawing/2014/main" id="{2DD9D0C1-7A65-5B61-3244-F362904B4DAD}"/>
+                    <a16:creationId xmlns:a16="http://schemas.microsoft.com/office/drawing/2014/main" id="{C171C9DA-C9B9-22A8-C728-B698A293375B}"/>
                   </a:ext>
                 </a:extLst>
               </p:cNvPr>
@@ -26853,10 +26853,10 @@
           </p:cxnSp>
           <p:cxnSp>
             <p:nvCxnSpPr>
-              <p:cNvPr id="114" name="Gerade Verbindung 113">
+              <p:cNvPr id="49" name="Gerade Verbindung 48">
                 <a:extLst>
                   <a:ext uri="{FF2B5EF4-FFF2-40B4-BE49-F238E27FC236}">
-                    <a16:creationId xmlns:a16="http://schemas.microsoft.com/office/drawing/2014/main" id="{BAB08675-105E-0C3A-8602-B940D14DBB30}"/>
+                    <a16:creationId xmlns:a16="http://schemas.microsoft.com/office/drawing/2014/main" id="{B50DE02A-2EC6-FCF6-243A-24A1F713906F}"/>
                   </a:ext>
                 </a:extLst>
               </p:cNvPr>
@@ -26894,10 +26894,10 @@
           </p:cxnSp>
           <p:cxnSp>
             <p:nvCxnSpPr>
-              <p:cNvPr id="115" name="Gerade Verbindung mit Pfeil 114">
+              <p:cNvPr id="50" name="Gerade Verbindung mit Pfeil 49">
                 <a:extLst>
                   <a:ext uri="{FF2B5EF4-FFF2-40B4-BE49-F238E27FC236}">
-                    <a16:creationId xmlns:a16="http://schemas.microsoft.com/office/drawing/2014/main" id="{B32C96A3-8D54-0F6A-91F7-8374BA842060}"/>
+                    <a16:creationId xmlns:a16="http://schemas.microsoft.com/office/drawing/2014/main" id="{FE88ECCA-8728-6AF0-BF6D-65993AB2222B}"/>
                   </a:ext>
                 </a:extLst>
               </p:cNvPr>
@@ -26936,10 +26936,10 @@
           </p:cxnSp>
           <p:cxnSp>
             <p:nvCxnSpPr>
-              <p:cNvPr id="116" name="Gerade Verbindung mit Pfeil 115">
+              <p:cNvPr id="51" name="Gerade Verbindung mit Pfeil 50">
                 <a:extLst>
                   <a:ext uri="{FF2B5EF4-FFF2-40B4-BE49-F238E27FC236}">
-                    <a16:creationId xmlns:a16="http://schemas.microsoft.com/office/drawing/2014/main" id="{28079B43-050C-A101-1AF0-F1EF4CD139AD}"/>
+                    <a16:creationId xmlns:a16="http://schemas.microsoft.com/office/drawing/2014/main" id="{C5D58D1E-2627-A010-7CCC-D72F6D5F6826}"/>
                   </a:ext>
                 </a:extLst>
               </p:cNvPr>
@@ -26978,10 +26978,10 @@
           </p:cxnSp>
           <p:cxnSp>
             <p:nvCxnSpPr>
-              <p:cNvPr id="117" name="Gerade Verbindung mit Pfeil 116">
+              <p:cNvPr id="52" name="Gerade Verbindung mit Pfeil 51">
                 <a:extLst>
                   <a:ext uri="{FF2B5EF4-FFF2-40B4-BE49-F238E27FC236}">
-                    <a16:creationId xmlns:a16="http://schemas.microsoft.com/office/drawing/2014/main" id="{D4376C6E-F0CE-0A3A-3DB7-00630DB40B39}"/>
+                    <a16:creationId xmlns:a16="http://schemas.microsoft.com/office/drawing/2014/main" id="{502FE8FF-659C-5501-3900-2CACFA556169}"/>
                   </a:ext>
                 </a:extLst>
               </p:cNvPr>
@@ -27020,10 +27020,10 @@
           </p:cxnSp>
           <p:cxnSp>
             <p:nvCxnSpPr>
-              <p:cNvPr id="118" name="Gerade Verbindung mit Pfeil 117">
+              <p:cNvPr id="53" name="Gerade Verbindung mit Pfeil 52">
                 <a:extLst>
                   <a:ext uri="{FF2B5EF4-FFF2-40B4-BE49-F238E27FC236}">
-                    <a16:creationId xmlns:a16="http://schemas.microsoft.com/office/drawing/2014/main" id="{798FF3EF-B7E9-B33D-1B3B-497649FF039D}"/>
+                    <a16:creationId xmlns:a16="http://schemas.microsoft.com/office/drawing/2014/main" id="{6413E00C-9883-3183-2AAF-688146771BB5}"/>
                   </a:ext>
                 </a:extLst>
               </p:cNvPr>
@@ -27061,10 +27061,10 @@
           </p:cxnSp>
           <p:sp>
             <p:nvSpPr>
-              <p:cNvPr id="119" name="Rechteck 118">
+              <p:cNvPr id="54" name="Rechteck 53">
                 <a:extLst>
                   <a:ext uri="{FF2B5EF4-FFF2-40B4-BE49-F238E27FC236}">
-                    <a16:creationId xmlns:a16="http://schemas.microsoft.com/office/drawing/2014/main" id="{6C46583B-F3D3-7FAB-A1DA-EE85A19246C2}"/>
+                    <a16:creationId xmlns:a16="http://schemas.microsoft.com/office/drawing/2014/main" id="{3078BB28-FD75-7131-7A67-EB1F4BD4BF23}"/>
                   </a:ext>
                 </a:extLst>
               </p:cNvPr>
@@ -27124,10 +27124,10 @@
           </p:sp>
           <p:cxnSp>
             <p:nvCxnSpPr>
-              <p:cNvPr id="120" name="Gerade Verbindung mit Pfeil 119">
+              <p:cNvPr id="55" name="Gerade Verbindung mit Pfeil 54">
                 <a:extLst>
                   <a:ext uri="{FF2B5EF4-FFF2-40B4-BE49-F238E27FC236}">
-                    <a16:creationId xmlns:a16="http://schemas.microsoft.com/office/drawing/2014/main" id="{2CF6573B-0DC9-8DB2-5318-65E5BF6A34DC}"/>
+                    <a16:creationId xmlns:a16="http://schemas.microsoft.com/office/drawing/2014/main" id="{E9A442BB-95ED-C293-F9E2-BA2FC4515BAC}"/>
                   </a:ext>
                 </a:extLst>
               </p:cNvPr>
@@ -27165,10 +27165,10 @@
           </p:cxnSp>
           <p:sp>
             <p:nvSpPr>
-              <p:cNvPr id="121" name="Rechteck 120">
+              <p:cNvPr id="56" name="Rechteck 55">
                 <a:extLst>
                   <a:ext uri="{FF2B5EF4-FFF2-40B4-BE49-F238E27FC236}">
-                    <a16:creationId xmlns:a16="http://schemas.microsoft.com/office/drawing/2014/main" id="{75BBAF4A-95CD-A5C6-C548-48D38C4FC7D8}"/>
+                    <a16:creationId xmlns:a16="http://schemas.microsoft.com/office/drawing/2014/main" id="{3D0434D5-B96D-D82F-713A-1E3F4CF5129A}"/>
                   </a:ext>
                 </a:extLst>
               </p:cNvPr>
@@ -27229,10 +27229,10 @@
           </p:sp>
           <p:sp>
             <p:nvSpPr>
-              <p:cNvPr id="122" name="Rechteck 121">
+              <p:cNvPr id="57" name="Rechteck 56">
                 <a:extLst>
                   <a:ext uri="{FF2B5EF4-FFF2-40B4-BE49-F238E27FC236}">
-                    <a16:creationId xmlns:a16="http://schemas.microsoft.com/office/drawing/2014/main" id="{303A7A2A-2F0D-D8AF-06D6-B8598B5E5C4D}"/>
+                    <a16:creationId xmlns:a16="http://schemas.microsoft.com/office/drawing/2014/main" id="{E24BDF69-6468-CF9D-956A-D346B8C55DCC}"/>
                   </a:ext>
                 </a:extLst>
               </p:cNvPr>
@@ -27292,10 +27292,10 @@
           </p:sp>
           <p:cxnSp>
             <p:nvCxnSpPr>
-              <p:cNvPr id="123" name="Gerade Verbindung mit Pfeil 122">
+              <p:cNvPr id="58" name="Gerade Verbindung mit Pfeil 57">
                 <a:extLst>
                   <a:ext uri="{FF2B5EF4-FFF2-40B4-BE49-F238E27FC236}">
-                    <a16:creationId xmlns:a16="http://schemas.microsoft.com/office/drawing/2014/main" id="{E07549C5-8C48-4AEA-2ABB-958F92E1A5B9}"/>
+                    <a16:creationId xmlns:a16="http://schemas.microsoft.com/office/drawing/2014/main" id="{9AB1000C-90EA-D946-7D64-C8C955C8E397}"/>
                   </a:ext>
                 </a:extLst>
               </p:cNvPr>
@@ -27333,10 +27333,10 @@
           </p:cxnSp>
           <p:cxnSp>
             <p:nvCxnSpPr>
-              <p:cNvPr id="124" name="Gerade Verbindung mit Pfeil 123">
+              <p:cNvPr id="59" name="Gerade Verbindung mit Pfeil 58">
                 <a:extLst>
                   <a:ext uri="{FF2B5EF4-FFF2-40B4-BE49-F238E27FC236}">
-                    <a16:creationId xmlns:a16="http://schemas.microsoft.com/office/drawing/2014/main" id="{579529AB-17EA-E2D5-443B-93AF801D3B66}"/>
+                    <a16:creationId xmlns:a16="http://schemas.microsoft.com/office/drawing/2014/main" id="{38B39393-16F0-94DC-F85A-2C6BA23895FC}"/>
                   </a:ext>
                 </a:extLst>
               </p:cNvPr>
@@ -27374,10 +27374,10 @@
           </p:cxnSp>
           <p:sp>
             <p:nvSpPr>
-              <p:cNvPr id="125" name="Textfeld 124">
+              <p:cNvPr id="60" name="Textfeld 59">
                 <a:extLst>
                   <a:ext uri="{FF2B5EF4-FFF2-40B4-BE49-F238E27FC236}">
-                    <a16:creationId xmlns:a16="http://schemas.microsoft.com/office/drawing/2014/main" id="{D5AC5911-1FB1-B0F4-7692-FFC493FC25D4}"/>
+                    <a16:creationId xmlns:a16="http://schemas.microsoft.com/office/drawing/2014/main" id="{B51509F7-6DB9-8529-BC01-245A9F23F657}"/>
                   </a:ext>
                 </a:extLst>
               </p:cNvPr>
@@ -27415,10 +27415,10 @@
           </p:sp>
           <p:cxnSp>
             <p:nvCxnSpPr>
-              <p:cNvPr id="126" name="Gerade Verbindung mit Pfeil 125">
+              <p:cNvPr id="61" name="Gerade Verbindung mit Pfeil 60">
                 <a:extLst>
                   <a:ext uri="{FF2B5EF4-FFF2-40B4-BE49-F238E27FC236}">
-                    <a16:creationId xmlns:a16="http://schemas.microsoft.com/office/drawing/2014/main" id="{FB0F0823-8FF7-3409-DFCA-821DAE6CB609}"/>
+                    <a16:creationId xmlns:a16="http://schemas.microsoft.com/office/drawing/2014/main" id="{1EF62333-7F49-0535-A3BD-15593E91AAA8}"/>
                   </a:ext>
                 </a:extLst>
               </p:cNvPr>
@@ -27456,10 +27456,10 @@
           </p:cxnSp>
           <p:sp>
             <p:nvSpPr>
-              <p:cNvPr id="127" name="Rechteck 126">
+              <p:cNvPr id="62" name="Rechteck 61">
                 <a:extLst>
                   <a:ext uri="{FF2B5EF4-FFF2-40B4-BE49-F238E27FC236}">
-                    <a16:creationId xmlns:a16="http://schemas.microsoft.com/office/drawing/2014/main" id="{C77C9C34-6470-4707-52D4-1E2EDFA00941}"/>
+                    <a16:creationId xmlns:a16="http://schemas.microsoft.com/office/drawing/2014/main" id="{76C63F4A-7A21-4EE8-09A7-F49A77A36C28}"/>
                   </a:ext>
                 </a:extLst>
               </p:cNvPr>
@@ -27517,10 +27517,10 @@
           </p:sp>
           <p:cxnSp>
             <p:nvCxnSpPr>
-              <p:cNvPr id="128" name="Gerade Verbindung mit Pfeil 127">
+              <p:cNvPr id="63" name="Gerade Verbindung mit Pfeil 62">
                 <a:extLst>
                   <a:ext uri="{FF2B5EF4-FFF2-40B4-BE49-F238E27FC236}">
-                    <a16:creationId xmlns:a16="http://schemas.microsoft.com/office/drawing/2014/main" id="{0D401F23-7AC0-6BA8-5C9A-0E9AD4DE9CB6}"/>
+                    <a16:creationId xmlns:a16="http://schemas.microsoft.com/office/drawing/2014/main" id="{5CB75EFB-E054-DD7C-E073-29E10C23FBD6}"/>
                   </a:ext>
                 </a:extLst>
               </p:cNvPr>
@@ -27558,10 +27558,10 @@
           </p:cxnSp>
           <p:sp>
             <p:nvSpPr>
-              <p:cNvPr id="129" name="Rechteck 128">
+              <p:cNvPr id="64" name="Rechteck 63">
                 <a:extLst>
                   <a:ext uri="{FF2B5EF4-FFF2-40B4-BE49-F238E27FC236}">
-                    <a16:creationId xmlns:a16="http://schemas.microsoft.com/office/drawing/2014/main" id="{C6E995C1-FECC-F6EB-B1C0-5D64F00177FB}"/>
+                    <a16:creationId xmlns:a16="http://schemas.microsoft.com/office/drawing/2014/main" id="{C060D1CD-973C-4665-94BD-4506560C5E41}"/>
                   </a:ext>
                 </a:extLst>
               </p:cNvPr>
@@ -27622,10 +27622,10 @@
         </p:grpSp>
         <p:sp>
           <p:nvSpPr>
-            <p:cNvPr id="69" name="Textfeld 68">
+            <p:cNvPr id="4" name="Textfeld 3">
               <a:extLst>
                 <a:ext uri="{FF2B5EF4-FFF2-40B4-BE49-F238E27FC236}">
-                  <a16:creationId xmlns:a16="http://schemas.microsoft.com/office/drawing/2014/main" id="{5D7E22D7-B722-E14F-DBB5-B5EDD5914DF0}"/>
+                  <a16:creationId xmlns:a16="http://schemas.microsoft.com/office/drawing/2014/main" id="{2DA03599-8F03-9254-5911-E4AC1A8A7CDA}"/>
                 </a:ext>
               </a:extLst>
             </p:cNvPr>
@@ -27657,10 +27657,10 @@
         </p:sp>
         <p:sp>
           <p:nvSpPr>
-            <p:cNvPr id="70" name="Textfeld 69">
+            <p:cNvPr id="5" name="Textfeld 4">
               <a:extLst>
                 <a:ext uri="{FF2B5EF4-FFF2-40B4-BE49-F238E27FC236}">
-                  <a16:creationId xmlns:a16="http://schemas.microsoft.com/office/drawing/2014/main" id="{F36066C7-61BB-89BB-C51C-A83388B84DB7}"/>
+                  <a16:creationId xmlns:a16="http://schemas.microsoft.com/office/drawing/2014/main" id="{B262640A-DFA9-7052-F5C9-4F8EDEE230B1}"/>
                 </a:ext>
               </a:extLst>
             </p:cNvPr>
@@ -27669,8 +27669,8 @@
           </p:nvSpPr>
           <p:spPr>
             <a:xfrm rot="16200000">
-              <a:off x="2369201" y="3639600"/>
-              <a:ext cx="1141200" cy="276999"/>
+              <a:off x="2432200" y="3639600"/>
+              <a:ext cx="1015200" cy="276999"/>
             </a:xfrm>
             <a:prstGeom prst="rect">
               <a:avLst/>
@@ -27685,17 +27685,17 @@
             <a:p>
               <a:r>
                 <a:rPr lang="en-GB" sz="1200" dirty="0"/>
-                <a:t>(1,1,300,4096)</a:t>
+                <a:t>(1,300,4096)</a:t>
               </a:r>
             </a:p>
           </p:txBody>
         </p:sp>
         <p:sp>
           <p:nvSpPr>
-            <p:cNvPr id="71" name="Textfeld 70">
+            <p:cNvPr id="6" name="Textfeld 5">
               <a:extLst>
                 <a:ext uri="{FF2B5EF4-FFF2-40B4-BE49-F238E27FC236}">
-                  <a16:creationId xmlns:a16="http://schemas.microsoft.com/office/drawing/2014/main" id="{728531C9-09DC-A5E1-D99B-F7DBD958414B}"/>
+                  <a16:creationId xmlns:a16="http://schemas.microsoft.com/office/drawing/2014/main" id="{03BCEFA6-FF74-8A83-BC9F-CA47B25CC386}"/>
                 </a:ext>
               </a:extLst>
             </p:cNvPr>
@@ -27704,8 +27704,8 @@
           </p:nvSpPr>
           <p:spPr>
             <a:xfrm rot="16200000">
-              <a:off x="3350187" y="3639600"/>
-              <a:ext cx="1140056" cy="276999"/>
+              <a:off x="3412704" y="3639600"/>
+              <a:ext cx="1015021" cy="276999"/>
             </a:xfrm>
             <a:prstGeom prst="rect">
               <a:avLst/>
@@ -27719,18 +27719,22 @@
             <a:lstStyle/>
             <a:p>
               <a:r>
+                <a:rPr lang="en-GB" sz="1200"/>
+                <a:t>(1,300,1152</a:t>
+              </a:r>
+              <a:r>
                 <a:rPr lang="en-GB" sz="1200" dirty="0"/>
-                <a:t>(1,1,300,1152)</a:t>
+                <a:t>)</a:t>
               </a:r>
             </a:p>
           </p:txBody>
         </p:sp>
         <p:sp>
           <p:nvSpPr>
-            <p:cNvPr id="72" name="Textfeld 71">
+            <p:cNvPr id="7" name="Textfeld 6">
               <a:extLst>
                 <a:ext uri="{FF2B5EF4-FFF2-40B4-BE49-F238E27FC236}">
-                  <a16:creationId xmlns:a16="http://schemas.microsoft.com/office/drawing/2014/main" id="{A3121579-4557-025C-4A10-FDB380BE962D}"/>
+                  <a16:creationId xmlns:a16="http://schemas.microsoft.com/office/drawing/2014/main" id="{50E5E155-F0B3-F199-3C89-A2827BA738B2}"/>
                 </a:ext>
               </a:extLst>
             </p:cNvPr>
@@ -27762,10 +27766,10 @@
         </p:sp>
         <p:sp>
           <p:nvSpPr>
-            <p:cNvPr id="73" name="Textfeld 72">
+            <p:cNvPr id="8" name="Textfeld 7">
               <a:extLst>
                 <a:ext uri="{FF2B5EF4-FFF2-40B4-BE49-F238E27FC236}">
-                  <a16:creationId xmlns:a16="http://schemas.microsoft.com/office/drawing/2014/main" id="{F88E2B28-C722-0997-6535-96584A4EDEEC}"/>
+                  <a16:creationId xmlns:a16="http://schemas.microsoft.com/office/drawing/2014/main" id="{1992BF07-1571-C459-6ADA-124E7CFB8EA1}"/>
                 </a:ext>
               </a:extLst>
             </p:cNvPr>
@@ -27797,10 +27801,10 @@
         </p:sp>
         <p:sp>
           <p:nvSpPr>
-            <p:cNvPr id="74" name="Textfeld 73">
+            <p:cNvPr id="9" name="Textfeld 8">
               <a:extLst>
                 <a:ext uri="{FF2B5EF4-FFF2-40B4-BE49-F238E27FC236}">
-                  <a16:creationId xmlns:a16="http://schemas.microsoft.com/office/drawing/2014/main" id="{4B292247-54B9-77D4-2DDD-A7C21742C50E}"/>
+                  <a16:creationId xmlns:a16="http://schemas.microsoft.com/office/drawing/2014/main" id="{813AF530-08D3-535C-21F0-F31EEAF0116B}"/>
                 </a:ext>
               </a:extLst>
             </p:cNvPr>
@@ -27832,10 +27836,10 @@
         </p:sp>
         <p:sp>
           <p:nvSpPr>
-            <p:cNvPr id="75" name="Textfeld 74">
+            <p:cNvPr id="10" name="Textfeld 9">
               <a:extLst>
                 <a:ext uri="{FF2B5EF4-FFF2-40B4-BE49-F238E27FC236}">
-                  <a16:creationId xmlns:a16="http://schemas.microsoft.com/office/drawing/2014/main" id="{CF27AC79-89E0-C0A9-A09C-05F049340F64}"/>
+                  <a16:creationId xmlns:a16="http://schemas.microsoft.com/office/drawing/2014/main" id="{C79F9F2C-4ABB-850E-E868-D3793F0B3DEB}"/>
                 </a:ext>
               </a:extLst>
             </p:cNvPr>
@@ -27867,10 +27871,10 @@
         </p:sp>
         <p:sp>
           <p:nvSpPr>
-            <p:cNvPr id="76" name="Textfeld 75">
+            <p:cNvPr id="11" name="Textfeld 10">
               <a:extLst>
                 <a:ext uri="{FF2B5EF4-FFF2-40B4-BE49-F238E27FC236}">
-                  <a16:creationId xmlns:a16="http://schemas.microsoft.com/office/drawing/2014/main" id="{B656EC52-8307-CDB3-6064-398FA3B7E0E5}"/>
+                  <a16:creationId xmlns:a16="http://schemas.microsoft.com/office/drawing/2014/main" id="{40DE219A-EF0B-B330-261C-8E889ADE99E4}"/>
                 </a:ext>
               </a:extLst>
             </p:cNvPr>
@@ -27902,10 +27906,10 @@
         </p:sp>
         <p:sp>
           <p:nvSpPr>
-            <p:cNvPr id="77" name="Textfeld 76">
+            <p:cNvPr id="12" name="Textfeld 11">
               <a:extLst>
                 <a:ext uri="{FF2B5EF4-FFF2-40B4-BE49-F238E27FC236}">
-                  <a16:creationId xmlns:a16="http://schemas.microsoft.com/office/drawing/2014/main" id="{48E11227-3B51-0B2E-64FD-AD522D2BA7F2}"/>
+                  <a16:creationId xmlns:a16="http://schemas.microsoft.com/office/drawing/2014/main" id="{98FAE366-0594-19F1-4700-D50C74CD72F9}"/>
                 </a:ext>
               </a:extLst>
             </p:cNvPr>
@@ -27937,10 +27941,10 @@
         </p:sp>
         <p:sp>
           <p:nvSpPr>
-            <p:cNvPr id="78" name="Textfeld 77">
+            <p:cNvPr id="13" name="Textfeld 12">
               <a:extLst>
                 <a:ext uri="{FF2B5EF4-FFF2-40B4-BE49-F238E27FC236}">
-                  <a16:creationId xmlns:a16="http://schemas.microsoft.com/office/drawing/2014/main" id="{43103BD9-A58B-4ABD-5602-16BCBB30FD4E}"/>
+                  <a16:creationId xmlns:a16="http://schemas.microsoft.com/office/drawing/2014/main" id="{3B004927-A9C8-9B07-2EE7-46F8FDE19EF7}"/>
                 </a:ext>
               </a:extLst>
             </p:cNvPr>
@@ -27972,10 +27976,10 @@
         </p:sp>
         <p:sp>
           <p:nvSpPr>
-            <p:cNvPr id="79" name="Textfeld 78">
+            <p:cNvPr id="14" name="Textfeld 13">
               <a:extLst>
                 <a:ext uri="{FF2B5EF4-FFF2-40B4-BE49-F238E27FC236}">
-                  <a16:creationId xmlns:a16="http://schemas.microsoft.com/office/drawing/2014/main" id="{62159B72-AE43-F4AD-BA21-9EE03B3B95C0}"/>
+                  <a16:creationId xmlns:a16="http://schemas.microsoft.com/office/drawing/2014/main" id="{057EE8BD-5D43-E7AE-E2B7-FFB49201EC98}"/>
                 </a:ext>
               </a:extLst>
             </p:cNvPr>
@@ -28007,10 +28011,10 @@
         </p:sp>
         <p:sp>
           <p:nvSpPr>
-            <p:cNvPr id="80" name="Rechteck 79">
+            <p:cNvPr id="15" name="Rechteck 14">
               <a:extLst>
                 <a:ext uri="{FF2B5EF4-FFF2-40B4-BE49-F238E27FC236}">
-                  <a16:creationId xmlns:a16="http://schemas.microsoft.com/office/drawing/2014/main" id="{97435266-421F-3D36-684A-E26ED9BE5824}"/>
+                  <a16:creationId xmlns:a16="http://schemas.microsoft.com/office/drawing/2014/main" id="{EB37F8CF-9783-D067-E417-CEB0A8365E89}"/>
                 </a:ext>
               </a:extLst>
             </p:cNvPr>
@@ -28075,10 +28079,10 @@
         </p:sp>
         <p:cxnSp>
           <p:nvCxnSpPr>
-            <p:cNvPr id="81" name="Gerade Verbindung mit Pfeil 80">
+            <p:cNvPr id="16" name="Gerade Verbindung mit Pfeil 15">
               <a:extLst>
                 <a:ext uri="{FF2B5EF4-FFF2-40B4-BE49-F238E27FC236}">
-                  <a16:creationId xmlns:a16="http://schemas.microsoft.com/office/drawing/2014/main" id="{5540AD5E-3EC3-BEA4-C9B9-E85D1976B826}"/>
+                  <a16:creationId xmlns:a16="http://schemas.microsoft.com/office/drawing/2014/main" id="{B796221B-B13A-4504-0E19-4B703956FB9B}"/>
                 </a:ext>
               </a:extLst>
             </p:cNvPr>
@@ -28116,10 +28120,10 @@
         </p:cxnSp>
         <p:sp>
           <p:nvSpPr>
-            <p:cNvPr id="82" name="Textfeld 81">
+            <p:cNvPr id="17" name="Textfeld 16">
               <a:extLst>
                 <a:ext uri="{FF2B5EF4-FFF2-40B4-BE49-F238E27FC236}">
-                  <a16:creationId xmlns:a16="http://schemas.microsoft.com/office/drawing/2014/main" id="{8F873251-AC4F-616B-E8D6-9D50CA5B78A2}"/>
+                  <a16:creationId xmlns:a16="http://schemas.microsoft.com/office/drawing/2014/main" id="{75BE0CCA-61BC-2341-3F9F-5B2C6FFF210B}"/>
                 </a:ext>
               </a:extLst>
             </p:cNvPr>
@@ -28151,10 +28155,10 @@
         </p:sp>
         <p:sp>
           <p:nvSpPr>
-            <p:cNvPr id="83" name="Textfeld 82">
+            <p:cNvPr id="18" name="Textfeld 17">
               <a:extLst>
                 <a:ext uri="{FF2B5EF4-FFF2-40B4-BE49-F238E27FC236}">
-                  <a16:creationId xmlns:a16="http://schemas.microsoft.com/office/drawing/2014/main" id="{9371CA12-5A7B-92BB-6527-75074148256E}"/>
+                  <a16:creationId xmlns:a16="http://schemas.microsoft.com/office/drawing/2014/main" id="{7CEFFF49-EBC3-DD35-2730-DD4DAB2C575F}"/>
                 </a:ext>
               </a:extLst>
             </p:cNvPr>
@@ -28186,10 +28190,10 @@
         </p:sp>
         <p:sp>
           <p:nvSpPr>
-            <p:cNvPr id="84" name="Textfeld 83">
+            <p:cNvPr id="19" name="Textfeld 18">
               <a:extLst>
                 <a:ext uri="{FF2B5EF4-FFF2-40B4-BE49-F238E27FC236}">
-                  <a16:creationId xmlns:a16="http://schemas.microsoft.com/office/drawing/2014/main" id="{B1B13E5F-1939-E80F-6FAE-575203175E4A}"/>
+                  <a16:creationId xmlns:a16="http://schemas.microsoft.com/office/drawing/2014/main" id="{78F62451-8B1F-9B15-1698-CAA2A2FF04A9}"/>
                 </a:ext>
               </a:extLst>
             </p:cNvPr>
@@ -28198,8 +28202,8 @@
           </p:nvSpPr>
           <p:spPr>
             <a:xfrm rot="16200000">
-              <a:off x="1687588" y="1464857"/>
-              <a:ext cx="726481" cy="276999"/>
+              <a:off x="1687228" y="1465200"/>
+              <a:ext cx="727200" cy="276999"/>
             </a:xfrm>
             <a:prstGeom prst="rect">
               <a:avLst/>
@@ -28221,10 +28225,10 @@
         </p:sp>
         <p:sp>
           <p:nvSpPr>
-            <p:cNvPr id="85" name="Textfeld 84">
+            <p:cNvPr id="20" name="Textfeld 19">
               <a:extLst>
                 <a:ext uri="{FF2B5EF4-FFF2-40B4-BE49-F238E27FC236}">
-                  <a16:creationId xmlns:a16="http://schemas.microsoft.com/office/drawing/2014/main" id="{9EA77F2E-CC18-619B-1DDD-F78E4E10B2B5}"/>
+                  <a16:creationId xmlns:a16="http://schemas.microsoft.com/office/drawing/2014/main" id="{A89F2256-9C2E-E9F7-4B2B-A98CE7AC5518}"/>
                 </a:ext>
               </a:extLst>
             </p:cNvPr>
@@ -28233,8 +28237,8 @@
           </p:nvSpPr>
           <p:spPr>
             <a:xfrm rot="16200000">
-              <a:off x="976084" y="1589618"/>
-              <a:ext cx="356188" cy="276999"/>
+              <a:off x="790578" y="1465200"/>
+              <a:ext cx="727200" cy="276999"/>
             </a:xfrm>
             <a:prstGeom prst="rect">
               <a:avLst/>
@@ -28256,10 +28260,10 @@
         </p:sp>
         <p:sp>
           <p:nvSpPr>
-            <p:cNvPr id="86" name="Textfeld 85">
+            <p:cNvPr id="21" name="Textfeld 20">
               <a:extLst>
                 <a:ext uri="{FF2B5EF4-FFF2-40B4-BE49-F238E27FC236}">
-                  <a16:creationId xmlns:a16="http://schemas.microsoft.com/office/drawing/2014/main" id="{603C5392-A082-3D38-E966-349940981A63}"/>
+                  <a16:creationId xmlns:a16="http://schemas.microsoft.com/office/drawing/2014/main" id="{E14AD33B-C187-5325-3DD7-38F8D87444B7}"/>
                 </a:ext>
               </a:extLst>
             </p:cNvPr>
@@ -28268,8 +28272,8 @@
           </p:nvSpPr>
           <p:spPr>
             <a:xfrm rot="16200000">
-              <a:off x="1411634" y="3639600"/>
-              <a:ext cx="1141200" cy="276999"/>
+              <a:off x="1474633" y="3639600"/>
+              <a:ext cx="1015200" cy="276999"/>
             </a:xfrm>
             <a:prstGeom prst="rect">
               <a:avLst/>
@@ -28284,7 +28288,7 @@
             <a:p>
               <a:r>
                 <a:rPr lang="en-GB" sz="1200" dirty="0"/>
-                <a:t>(1,1,300)</a:t>
+                <a:t>(1,300)</a:t>
               </a:r>
             </a:p>
           </p:txBody>

--- a/Abbildungen/Pixart.pptx
+++ b/Abbildungen/Pixart.pptx
@@ -5,7 +5,7 @@
     <p:sldMasterId id="2147483660" r:id="rId1"/>
   </p:sldMasterIdLst>
   <p:notesMasterIdLst>
-    <p:notesMasterId r:id="rId13"/>
+    <p:notesMasterId r:id="rId14"/>
   </p:notesMasterIdLst>
   <p:sldIdLst>
     <p:sldId id="256" r:id="rId2"/>
@@ -19,6 +19,7 @@
     <p:sldId id="260" r:id="rId10"/>
     <p:sldId id="261" r:id="rId11"/>
     <p:sldId id="262" r:id="rId12"/>
+    <p:sldId id="267" r:id="rId13"/>
   </p:sldIdLst>
   <p:sldSz cx="14400213" cy="14400213"/>
   <p:notesSz cx="6858000" cy="9144000"/>
@@ -207,7 +208,7 @@
           <a:p>
             <a:fld id="{91D67A7C-5EE8-E246-8DB3-90FEFD482A1D}" type="datetimeFigureOut">
               <a:rPr lang="en-GB" smtClean="0"/>
-              <a:t>05/01/2026</a:t>
+              <a:t>26/01/2026</a:t>
             </a:fld>
             <a:endParaRPr lang="en-GB"/>
           </a:p>
@@ -1339,6 +1340,90 @@
 </p:notes>
 </file>
 
+<file path=ppt/notesSlides/notesSlide9.xml><?xml version="1.0" encoding="utf-8"?>
+<p:notes xmlns:a="http://schemas.openxmlformats.org/drawingml/2006/main" xmlns:r="http://schemas.openxmlformats.org/officeDocument/2006/relationships" xmlns:p="http://schemas.openxmlformats.org/presentationml/2006/main">
+  <p:cSld>
+    <p:spTree>
+      <p:nvGrpSpPr>
+        <p:cNvPr id="1" name=""/>
+        <p:cNvGrpSpPr/>
+        <p:nvPr/>
+      </p:nvGrpSpPr>
+      <p:grpSpPr>
+        <a:xfrm>
+          <a:off x="0" y="0"/>
+          <a:ext cx="0" cy="0"/>
+          <a:chOff x="0" y="0"/>
+          <a:chExt cx="0" cy="0"/>
+        </a:xfrm>
+      </p:grpSpPr>
+      <p:sp>
+        <p:nvSpPr>
+          <p:cNvPr id="2" name="Folienbildplatzhalter 1"/>
+          <p:cNvSpPr>
+            <a:spLocks noGrp="1" noRot="1" noChangeAspect="1"/>
+          </p:cNvSpPr>
+          <p:nvPr>
+            <p:ph type="sldImg"/>
+          </p:nvPr>
+        </p:nvSpPr>
+        <p:spPr/>
+      </p:sp>
+      <p:sp>
+        <p:nvSpPr>
+          <p:cNvPr id="3" name="Notizenplatzhalter 2"/>
+          <p:cNvSpPr>
+            <a:spLocks noGrp="1"/>
+          </p:cNvSpPr>
+          <p:nvPr>
+            <p:ph type="body" idx="1"/>
+          </p:nvPr>
+        </p:nvSpPr>
+        <p:spPr/>
+        <p:txBody>
+          <a:bodyPr/>
+          <a:lstStyle/>
+          <a:p>
+            <a:endParaRPr lang="en-GB" dirty="0"/>
+          </a:p>
+        </p:txBody>
+      </p:sp>
+      <p:sp>
+        <p:nvSpPr>
+          <p:cNvPr id="4" name="Foliennummernplatzhalter 3"/>
+          <p:cNvSpPr>
+            <a:spLocks noGrp="1"/>
+          </p:cNvSpPr>
+          <p:nvPr>
+            <p:ph type="sldNum" sz="quarter" idx="5"/>
+          </p:nvPr>
+        </p:nvSpPr>
+        <p:spPr/>
+        <p:txBody>
+          <a:bodyPr/>
+          <a:lstStyle/>
+          <a:p>
+            <a:fld id="{DE52076A-CD67-1C4F-A4BF-8CD2BB01EED6}" type="slidenum">
+              <a:rPr lang="en-GB" smtClean="0"/>
+              <a:t>12</a:t>
+            </a:fld>
+            <a:endParaRPr lang="en-GB"/>
+          </a:p>
+        </p:txBody>
+      </p:sp>
+    </p:spTree>
+    <p:extLst>
+      <p:ext uri="{BB962C8B-B14F-4D97-AF65-F5344CB8AC3E}">
+        <p14:creationId xmlns:p14="http://schemas.microsoft.com/office/powerpoint/2010/main" val="3327246805"/>
+      </p:ext>
+    </p:extLst>
+  </p:cSld>
+  <p:clrMapOvr>
+    <a:masterClrMapping/>
+  </p:clrMapOvr>
+</p:notes>
+</file>
+
 <file path=ppt/slideLayouts/slideLayout1.xml><?xml version="1.0" encoding="utf-8"?>
 <p:sldLayout xmlns:a="http://schemas.openxmlformats.org/drawingml/2006/main" xmlns:r="http://schemas.openxmlformats.org/officeDocument/2006/relationships" xmlns:p="http://schemas.openxmlformats.org/presentationml/2006/main" type="title" preserve="1">
   <p:cSld name="Titelfolie">
@@ -1470,7 +1555,7 @@
           <a:p>
             <a:fld id="{A5C4C0D9-76FE-0B45-8557-3E9D7B7ECFCA}" type="datetimeFigureOut">
               <a:rPr lang="en-GB" smtClean="0"/>
-              <a:t>05/01/2026</a:t>
+              <a:t>26/01/2026</a:t>
             </a:fld>
             <a:endParaRPr lang="en-GB"/>
           </a:p>
@@ -1640,7 +1725,7 @@
           <a:p>
             <a:fld id="{A5C4C0D9-76FE-0B45-8557-3E9D7B7ECFCA}" type="datetimeFigureOut">
               <a:rPr lang="en-GB" smtClean="0"/>
-              <a:t>05/01/2026</a:t>
+              <a:t>26/01/2026</a:t>
             </a:fld>
             <a:endParaRPr lang="en-GB"/>
           </a:p>
@@ -1820,7 +1905,7 @@
           <a:p>
             <a:fld id="{A5C4C0D9-76FE-0B45-8557-3E9D7B7ECFCA}" type="datetimeFigureOut">
               <a:rPr lang="en-GB" smtClean="0"/>
-              <a:t>05/01/2026</a:t>
+              <a:t>26/01/2026</a:t>
             </a:fld>
             <a:endParaRPr lang="en-GB"/>
           </a:p>
@@ -1990,7 +2075,7 @@
           <a:p>
             <a:fld id="{A5C4C0D9-76FE-0B45-8557-3E9D7B7ECFCA}" type="datetimeFigureOut">
               <a:rPr lang="en-GB" smtClean="0"/>
-              <a:t>05/01/2026</a:t>
+              <a:t>26/01/2026</a:t>
             </a:fld>
             <a:endParaRPr lang="en-GB"/>
           </a:p>
@@ -2236,7 +2321,7 @@
           <a:p>
             <a:fld id="{A5C4C0D9-76FE-0B45-8557-3E9D7B7ECFCA}" type="datetimeFigureOut">
               <a:rPr lang="en-GB" smtClean="0"/>
-              <a:t>05/01/2026</a:t>
+              <a:t>26/01/2026</a:t>
             </a:fld>
             <a:endParaRPr lang="en-GB"/>
           </a:p>
@@ -2468,7 +2553,7 @@
           <a:p>
             <a:fld id="{A5C4C0D9-76FE-0B45-8557-3E9D7B7ECFCA}" type="datetimeFigureOut">
               <a:rPr lang="en-GB" smtClean="0"/>
-              <a:t>05/01/2026</a:t>
+              <a:t>26/01/2026</a:t>
             </a:fld>
             <a:endParaRPr lang="en-GB"/>
           </a:p>
@@ -2835,7 +2920,7 @@
           <a:p>
             <a:fld id="{A5C4C0D9-76FE-0B45-8557-3E9D7B7ECFCA}" type="datetimeFigureOut">
               <a:rPr lang="en-GB" smtClean="0"/>
-              <a:t>05/01/2026</a:t>
+              <a:t>26/01/2026</a:t>
             </a:fld>
             <a:endParaRPr lang="en-GB"/>
           </a:p>
@@ -2953,7 +3038,7 @@
           <a:p>
             <a:fld id="{A5C4C0D9-76FE-0B45-8557-3E9D7B7ECFCA}" type="datetimeFigureOut">
               <a:rPr lang="en-GB" smtClean="0"/>
-              <a:t>05/01/2026</a:t>
+              <a:t>26/01/2026</a:t>
             </a:fld>
             <a:endParaRPr lang="en-GB"/>
           </a:p>
@@ -3048,7 +3133,7 @@
           <a:p>
             <a:fld id="{A5C4C0D9-76FE-0B45-8557-3E9D7B7ECFCA}" type="datetimeFigureOut">
               <a:rPr lang="en-GB" smtClean="0"/>
-              <a:t>05/01/2026</a:t>
+              <a:t>26/01/2026</a:t>
             </a:fld>
             <a:endParaRPr lang="en-GB"/>
           </a:p>
@@ -3325,7 +3410,7 @@
           <a:p>
             <a:fld id="{A5C4C0D9-76FE-0B45-8557-3E9D7B7ECFCA}" type="datetimeFigureOut">
               <a:rPr lang="en-GB" smtClean="0"/>
-              <a:t>05/01/2026</a:t>
+              <a:t>26/01/2026</a:t>
             </a:fld>
             <a:endParaRPr lang="en-GB"/>
           </a:p>
@@ -3582,7 +3667,7 @@
           <a:p>
             <a:fld id="{A5C4C0D9-76FE-0B45-8557-3E9D7B7ECFCA}" type="datetimeFigureOut">
               <a:rPr lang="en-GB" smtClean="0"/>
-              <a:t>05/01/2026</a:t>
+              <a:t>26/01/2026</a:t>
             </a:fld>
             <a:endParaRPr lang="en-GB"/>
           </a:p>
@@ -3795,7 +3880,7 @@
           <a:p>
             <a:fld id="{A5C4C0D9-76FE-0B45-8557-3E9D7B7ECFCA}" type="datetimeFigureOut">
               <a:rPr lang="en-GB" smtClean="0"/>
-              <a:t>05/01/2026</a:t>
+              <a:t>26/01/2026</a:t>
             </a:fld>
             <a:endParaRPr lang="en-GB"/>
           </a:p>
@@ -18837,6 +18922,6402 @@
     <p:extLst>
       <p:ext uri="{BB962C8B-B14F-4D97-AF65-F5344CB8AC3E}">
         <p14:creationId xmlns:p14="http://schemas.microsoft.com/office/powerpoint/2010/main" val="896489742"/>
+      </p:ext>
+    </p:extLst>
+  </p:cSld>
+  <p:clrMapOvr>
+    <a:masterClrMapping/>
+  </p:clrMapOvr>
+</p:sld>
+</file>
+
+<file path=ppt/slides/slide12.xml><?xml version="1.0" encoding="utf-8"?>
+<p:sld xmlns:a="http://schemas.openxmlformats.org/drawingml/2006/main" xmlns:r="http://schemas.openxmlformats.org/officeDocument/2006/relationships" xmlns:p="http://schemas.openxmlformats.org/presentationml/2006/main">
+  <p:cSld>
+    <p:spTree>
+      <p:nvGrpSpPr>
+        <p:cNvPr id="1" name=""/>
+        <p:cNvGrpSpPr/>
+        <p:nvPr/>
+      </p:nvGrpSpPr>
+      <p:grpSpPr>
+        <a:xfrm>
+          <a:off x="0" y="0"/>
+          <a:ext cx="0" cy="0"/>
+          <a:chOff x="0" y="0"/>
+          <a:chExt cx="0" cy="0"/>
+        </a:xfrm>
+      </p:grpSpPr>
+      <p:sp>
+        <p:nvSpPr>
+          <p:cNvPr id="4" name="Abgerundetes Rechteck 3">
+            <a:extLst>
+              <a:ext uri="{FF2B5EF4-FFF2-40B4-BE49-F238E27FC236}">
+                <a16:creationId xmlns:a16="http://schemas.microsoft.com/office/drawing/2014/main" id="{49A7A9B8-E271-D76F-540A-161AF0EDE986}"/>
+              </a:ext>
+            </a:extLst>
+          </p:cNvPr>
+          <p:cNvSpPr/>
+          <p:nvPr/>
+        </p:nvSpPr>
+        <p:spPr>
+          <a:xfrm>
+            <a:off x="2636523" y="4812363"/>
+            <a:ext cx="9622972" cy="1723264"/>
+          </a:xfrm>
+          <a:prstGeom prst="roundRect">
+            <a:avLst/>
+          </a:prstGeom>
+          <a:solidFill>
+            <a:schemeClr val="bg2"/>
+          </a:solidFill>
+        </p:spPr>
+        <p:style>
+          <a:lnRef idx="2">
+            <a:schemeClr val="accent1">
+              <a:shade val="15000"/>
+            </a:schemeClr>
+          </a:lnRef>
+          <a:fillRef idx="1">
+            <a:schemeClr val="accent1"/>
+          </a:fillRef>
+          <a:effectRef idx="0">
+            <a:schemeClr val="accent1"/>
+          </a:effectRef>
+          <a:fontRef idx="minor">
+            <a:schemeClr val="lt1"/>
+          </a:fontRef>
+        </p:style>
+        <p:txBody>
+          <a:bodyPr rtlCol="0" anchor="ctr"/>
+          <a:lstStyle/>
+          <a:p>
+            <a:pPr algn="ctr"/>
+            <a:endParaRPr lang="en-GB"/>
+          </a:p>
+        </p:txBody>
+      </p:sp>
+      <p:sp>
+        <p:nvSpPr>
+          <p:cNvPr id="5" name="Rechteck 4">
+            <a:extLst>
+              <a:ext uri="{FF2B5EF4-FFF2-40B4-BE49-F238E27FC236}">
+                <a16:creationId xmlns:a16="http://schemas.microsoft.com/office/drawing/2014/main" id="{F8825C85-08C3-2708-31DA-1126ADE502C9}"/>
+              </a:ext>
+            </a:extLst>
+          </p:cNvPr>
+          <p:cNvSpPr/>
+          <p:nvPr/>
+        </p:nvSpPr>
+        <p:spPr>
+          <a:xfrm>
+            <a:off x="4050614" y="5144929"/>
+            <a:ext cx="162838" cy="977030"/>
+          </a:xfrm>
+          <a:prstGeom prst="rect">
+            <a:avLst/>
+          </a:prstGeom>
+          <a:solidFill>
+            <a:schemeClr val="bg2">
+              <a:lumMod val="90000"/>
+            </a:schemeClr>
+          </a:solidFill>
+          <a:ln>
+            <a:solidFill>
+              <a:schemeClr val="bg2">
+                <a:lumMod val="50000"/>
+              </a:schemeClr>
+            </a:solidFill>
+          </a:ln>
+        </p:spPr>
+        <p:style>
+          <a:lnRef idx="2">
+            <a:schemeClr val="accent1">
+              <a:shade val="15000"/>
+            </a:schemeClr>
+          </a:lnRef>
+          <a:fillRef idx="1">
+            <a:schemeClr val="accent1"/>
+          </a:fillRef>
+          <a:effectRef idx="0">
+            <a:schemeClr val="accent1"/>
+          </a:effectRef>
+          <a:fontRef idx="minor">
+            <a:schemeClr val="lt1"/>
+          </a:fontRef>
+        </p:style>
+        <p:txBody>
+          <a:bodyPr rtlCol="0" anchor="ctr"/>
+          <a:lstStyle/>
+          <a:p>
+            <a:pPr algn="ctr"/>
+            <a:r>
+              <a:rPr lang="en-GB" dirty="0">
+                <a:solidFill>
+                  <a:schemeClr val="tx1"/>
+                </a:solidFill>
+              </a:rPr>
+              <a:t>4</a:t>
+            </a:r>
+          </a:p>
+        </p:txBody>
+      </p:sp>
+      <p:sp>
+        <p:nvSpPr>
+          <p:cNvPr id="6" name="Rechteck 5">
+            <a:extLst>
+              <a:ext uri="{FF2B5EF4-FFF2-40B4-BE49-F238E27FC236}">
+                <a16:creationId xmlns:a16="http://schemas.microsoft.com/office/drawing/2014/main" id="{DA0EF511-4308-1DB6-4CB6-99EC82CE33B1}"/>
+              </a:ext>
+            </a:extLst>
+          </p:cNvPr>
+          <p:cNvSpPr/>
+          <p:nvPr/>
+        </p:nvSpPr>
+        <p:spPr>
+          <a:xfrm>
+            <a:off x="4362965" y="5144929"/>
+            <a:ext cx="162838" cy="977030"/>
+          </a:xfrm>
+          <a:prstGeom prst="rect">
+            <a:avLst/>
+          </a:prstGeom>
+          <a:solidFill>
+            <a:schemeClr val="bg2">
+              <a:lumMod val="90000"/>
+            </a:schemeClr>
+          </a:solidFill>
+          <a:ln>
+            <a:solidFill>
+              <a:schemeClr val="bg2">
+                <a:lumMod val="50000"/>
+              </a:schemeClr>
+            </a:solidFill>
+          </a:ln>
+        </p:spPr>
+        <p:style>
+          <a:lnRef idx="2">
+            <a:schemeClr val="accent1">
+              <a:shade val="15000"/>
+            </a:schemeClr>
+          </a:lnRef>
+          <a:fillRef idx="1">
+            <a:schemeClr val="accent1"/>
+          </a:fillRef>
+          <a:effectRef idx="0">
+            <a:schemeClr val="accent1"/>
+          </a:effectRef>
+          <a:fontRef idx="minor">
+            <a:schemeClr val="lt1"/>
+          </a:fontRef>
+        </p:style>
+        <p:txBody>
+          <a:bodyPr rtlCol="0" anchor="ctr"/>
+          <a:lstStyle/>
+          <a:p>
+            <a:pPr algn="ctr"/>
+            <a:r>
+              <a:rPr lang="en-GB" dirty="0">
+                <a:solidFill>
+                  <a:schemeClr val="tx1"/>
+                </a:solidFill>
+              </a:rPr>
+              <a:t>5</a:t>
+            </a:r>
+          </a:p>
+        </p:txBody>
+      </p:sp>
+      <p:sp>
+        <p:nvSpPr>
+          <p:cNvPr id="7" name="Rechteck 6">
+            <a:extLst>
+              <a:ext uri="{FF2B5EF4-FFF2-40B4-BE49-F238E27FC236}">
+                <a16:creationId xmlns:a16="http://schemas.microsoft.com/office/drawing/2014/main" id="{4EA1447D-DDE4-26E6-2368-8A5E1DF98C93}"/>
+              </a:ext>
+            </a:extLst>
+          </p:cNvPr>
+          <p:cNvSpPr/>
+          <p:nvPr/>
+        </p:nvSpPr>
+        <p:spPr>
+          <a:xfrm>
+            <a:off x="4675316" y="5144929"/>
+            <a:ext cx="162838" cy="977030"/>
+          </a:xfrm>
+          <a:prstGeom prst="rect">
+            <a:avLst/>
+          </a:prstGeom>
+          <a:solidFill>
+            <a:schemeClr val="bg2">
+              <a:lumMod val="90000"/>
+            </a:schemeClr>
+          </a:solidFill>
+          <a:ln>
+            <a:solidFill>
+              <a:schemeClr val="bg2">
+                <a:lumMod val="50000"/>
+              </a:schemeClr>
+            </a:solidFill>
+          </a:ln>
+        </p:spPr>
+        <p:style>
+          <a:lnRef idx="2">
+            <a:schemeClr val="accent1">
+              <a:shade val="15000"/>
+            </a:schemeClr>
+          </a:lnRef>
+          <a:fillRef idx="1">
+            <a:schemeClr val="accent1"/>
+          </a:fillRef>
+          <a:effectRef idx="0">
+            <a:schemeClr val="accent1"/>
+          </a:effectRef>
+          <a:fontRef idx="minor">
+            <a:schemeClr val="lt1"/>
+          </a:fontRef>
+        </p:style>
+        <p:txBody>
+          <a:bodyPr rtlCol="0" anchor="ctr"/>
+          <a:lstStyle/>
+          <a:p>
+            <a:pPr algn="ctr"/>
+            <a:r>
+              <a:rPr lang="en-GB" dirty="0">
+                <a:solidFill>
+                  <a:schemeClr val="tx1"/>
+                </a:solidFill>
+              </a:rPr>
+              <a:t>6</a:t>
+            </a:r>
+          </a:p>
+        </p:txBody>
+      </p:sp>
+      <p:sp>
+        <p:nvSpPr>
+          <p:cNvPr id="8" name="Rechteck 7">
+            <a:extLst>
+              <a:ext uri="{FF2B5EF4-FFF2-40B4-BE49-F238E27FC236}">
+                <a16:creationId xmlns:a16="http://schemas.microsoft.com/office/drawing/2014/main" id="{C4151760-423D-0452-71CB-1111F1F018A3}"/>
+              </a:ext>
+            </a:extLst>
+          </p:cNvPr>
+          <p:cNvSpPr/>
+          <p:nvPr/>
+        </p:nvSpPr>
+        <p:spPr>
+          <a:xfrm>
+            <a:off x="4987667" y="5144929"/>
+            <a:ext cx="162838" cy="977030"/>
+          </a:xfrm>
+          <a:prstGeom prst="rect">
+            <a:avLst/>
+          </a:prstGeom>
+          <a:solidFill>
+            <a:schemeClr val="bg2">
+              <a:lumMod val="90000"/>
+            </a:schemeClr>
+          </a:solidFill>
+          <a:ln>
+            <a:solidFill>
+              <a:schemeClr val="bg2">
+                <a:lumMod val="50000"/>
+              </a:schemeClr>
+            </a:solidFill>
+          </a:ln>
+        </p:spPr>
+        <p:style>
+          <a:lnRef idx="2">
+            <a:schemeClr val="accent1">
+              <a:shade val="15000"/>
+            </a:schemeClr>
+          </a:lnRef>
+          <a:fillRef idx="1">
+            <a:schemeClr val="accent1"/>
+          </a:fillRef>
+          <a:effectRef idx="0">
+            <a:schemeClr val="accent1"/>
+          </a:effectRef>
+          <a:fontRef idx="minor">
+            <a:schemeClr val="lt1"/>
+          </a:fontRef>
+        </p:style>
+        <p:txBody>
+          <a:bodyPr rtlCol="0" anchor="ctr"/>
+          <a:lstStyle/>
+          <a:p>
+            <a:pPr algn="ctr"/>
+            <a:r>
+              <a:rPr lang="en-GB" dirty="0">
+                <a:solidFill>
+                  <a:schemeClr val="tx1"/>
+                </a:solidFill>
+              </a:rPr>
+              <a:t>7</a:t>
+            </a:r>
+          </a:p>
+        </p:txBody>
+      </p:sp>
+      <p:sp>
+        <p:nvSpPr>
+          <p:cNvPr id="9" name="Rechteck 8">
+            <a:extLst>
+              <a:ext uri="{FF2B5EF4-FFF2-40B4-BE49-F238E27FC236}">
+                <a16:creationId xmlns:a16="http://schemas.microsoft.com/office/drawing/2014/main" id="{13147B94-747F-87A5-4B24-132C950A343D}"/>
+              </a:ext>
+            </a:extLst>
+          </p:cNvPr>
+          <p:cNvSpPr/>
+          <p:nvPr/>
+        </p:nvSpPr>
+        <p:spPr>
+          <a:xfrm>
+            <a:off x="5300018" y="5144929"/>
+            <a:ext cx="162838" cy="977030"/>
+          </a:xfrm>
+          <a:prstGeom prst="rect">
+            <a:avLst/>
+          </a:prstGeom>
+          <a:solidFill>
+            <a:schemeClr val="bg2">
+              <a:lumMod val="90000"/>
+              <a:alpha val="20000"/>
+            </a:schemeClr>
+          </a:solidFill>
+          <a:ln>
+            <a:solidFill>
+              <a:schemeClr val="bg2">
+                <a:lumMod val="50000"/>
+                <a:alpha val="20000"/>
+              </a:schemeClr>
+            </a:solidFill>
+          </a:ln>
+        </p:spPr>
+        <p:style>
+          <a:lnRef idx="2">
+            <a:schemeClr val="accent1">
+              <a:shade val="15000"/>
+            </a:schemeClr>
+          </a:lnRef>
+          <a:fillRef idx="1">
+            <a:schemeClr val="accent1"/>
+          </a:fillRef>
+          <a:effectRef idx="0">
+            <a:schemeClr val="accent1"/>
+          </a:effectRef>
+          <a:fontRef idx="minor">
+            <a:schemeClr val="lt1"/>
+          </a:fontRef>
+        </p:style>
+        <p:txBody>
+          <a:bodyPr rtlCol="0" anchor="ctr"/>
+          <a:lstStyle/>
+          <a:p>
+            <a:pPr algn="ctr"/>
+            <a:r>
+              <a:rPr lang="en-GB" dirty="0">
+                <a:solidFill>
+                  <a:schemeClr val="tx1">
+                    <a:alpha val="20000"/>
+                  </a:schemeClr>
+                </a:solidFill>
+              </a:rPr>
+              <a:t>8</a:t>
+            </a:r>
+          </a:p>
+        </p:txBody>
+      </p:sp>
+      <p:sp>
+        <p:nvSpPr>
+          <p:cNvPr id="10" name="Rechteck 9">
+            <a:extLst>
+              <a:ext uri="{FF2B5EF4-FFF2-40B4-BE49-F238E27FC236}">
+                <a16:creationId xmlns:a16="http://schemas.microsoft.com/office/drawing/2014/main" id="{35F35EED-EF02-F2A4-6020-A84DDCEC3E2A}"/>
+              </a:ext>
+            </a:extLst>
+          </p:cNvPr>
+          <p:cNvSpPr/>
+          <p:nvPr/>
+        </p:nvSpPr>
+        <p:spPr>
+          <a:xfrm>
+            <a:off x="5612369" y="5144929"/>
+            <a:ext cx="162838" cy="977030"/>
+          </a:xfrm>
+          <a:prstGeom prst="rect">
+            <a:avLst/>
+          </a:prstGeom>
+          <a:solidFill>
+            <a:schemeClr val="bg2">
+              <a:lumMod val="90000"/>
+            </a:schemeClr>
+          </a:solidFill>
+          <a:ln>
+            <a:solidFill>
+              <a:schemeClr val="bg2">
+                <a:lumMod val="50000"/>
+              </a:schemeClr>
+            </a:solidFill>
+          </a:ln>
+        </p:spPr>
+        <p:style>
+          <a:lnRef idx="2">
+            <a:schemeClr val="accent1">
+              <a:shade val="15000"/>
+            </a:schemeClr>
+          </a:lnRef>
+          <a:fillRef idx="1">
+            <a:schemeClr val="accent1"/>
+          </a:fillRef>
+          <a:effectRef idx="0">
+            <a:schemeClr val="accent1"/>
+          </a:effectRef>
+          <a:fontRef idx="minor">
+            <a:schemeClr val="lt1"/>
+          </a:fontRef>
+        </p:style>
+        <p:txBody>
+          <a:bodyPr rtlCol="0" anchor="ctr"/>
+          <a:lstStyle/>
+          <a:p>
+            <a:pPr algn="ctr"/>
+            <a:r>
+              <a:rPr lang="en-GB" dirty="0">
+                <a:solidFill>
+                  <a:schemeClr val="tx1"/>
+                </a:solidFill>
+              </a:rPr>
+              <a:t>9</a:t>
+            </a:r>
+          </a:p>
+        </p:txBody>
+      </p:sp>
+      <p:sp>
+        <p:nvSpPr>
+          <p:cNvPr id="11" name="Rechteck 10">
+            <a:extLst>
+              <a:ext uri="{FF2B5EF4-FFF2-40B4-BE49-F238E27FC236}">
+                <a16:creationId xmlns:a16="http://schemas.microsoft.com/office/drawing/2014/main" id="{B7BF8CE0-3FCF-F15F-E641-FF113FC982F4}"/>
+              </a:ext>
+            </a:extLst>
+          </p:cNvPr>
+          <p:cNvSpPr/>
+          <p:nvPr/>
+        </p:nvSpPr>
+        <p:spPr>
+          <a:xfrm>
+            <a:off x="5924720" y="5144929"/>
+            <a:ext cx="162838" cy="977030"/>
+          </a:xfrm>
+          <a:prstGeom prst="rect">
+            <a:avLst/>
+          </a:prstGeom>
+          <a:solidFill>
+            <a:schemeClr val="bg2">
+              <a:lumMod val="90000"/>
+            </a:schemeClr>
+          </a:solidFill>
+          <a:ln>
+            <a:solidFill>
+              <a:schemeClr val="bg2">
+                <a:lumMod val="50000"/>
+              </a:schemeClr>
+            </a:solidFill>
+          </a:ln>
+        </p:spPr>
+        <p:style>
+          <a:lnRef idx="2">
+            <a:schemeClr val="accent1">
+              <a:shade val="15000"/>
+            </a:schemeClr>
+          </a:lnRef>
+          <a:fillRef idx="1">
+            <a:schemeClr val="accent1"/>
+          </a:fillRef>
+          <a:effectRef idx="0">
+            <a:schemeClr val="accent1"/>
+          </a:effectRef>
+          <a:fontRef idx="minor">
+            <a:schemeClr val="lt1"/>
+          </a:fontRef>
+        </p:style>
+        <p:txBody>
+          <a:bodyPr rtlCol="0" anchor="ctr"/>
+          <a:lstStyle/>
+          <a:p>
+            <a:pPr algn="ctr"/>
+            <a:r>
+              <a:rPr lang="en-GB" dirty="0">
+                <a:solidFill>
+                  <a:schemeClr val="tx1"/>
+                </a:solidFill>
+              </a:rPr>
+              <a:t>10</a:t>
+            </a:r>
+          </a:p>
+        </p:txBody>
+      </p:sp>
+      <p:sp>
+        <p:nvSpPr>
+          <p:cNvPr id="12" name="Rechteck 11">
+            <a:extLst>
+              <a:ext uri="{FF2B5EF4-FFF2-40B4-BE49-F238E27FC236}">
+                <a16:creationId xmlns:a16="http://schemas.microsoft.com/office/drawing/2014/main" id="{A769C3E4-2398-BEFA-DA4D-6F193D62BC08}"/>
+              </a:ext>
+            </a:extLst>
+          </p:cNvPr>
+          <p:cNvSpPr/>
+          <p:nvPr/>
+        </p:nvSpPr>
+        <p:spPr>
+          <a:xfrm>
+            <a:off x="6237071" y="5144929"/>
+            <a:ext cx="162838" cy="977030"/>
+          </a:xfrm>
+          <a:prstGeom prst="rect">
+            <a:avLst/>
+          </a:prstGeom>
+          <a:solidFill>
+            <a:schemeClr val="bg2">
+              <a:lumMod val="90000"/>
+              <a:alpha val="20000"/>
+            </a:schemeClr>
+          </a:solidFill>
+          <a:ln>
+            <a:solidFill>
+              <a:schemeClr val="bg2">
+                <a:lumMod val="50000"/>
+                <a:alpha val="20000"/>
+              </a:schemeClr>
+            </a:solidFill>
+          </a:ln>
+        </p:spPr>
+        <p:style>
+          <a:lnRef idx="2">
+            <a:schemeClr val="accent1">
+              <a:shade val="15000"/>
+            </a:schemeClr>
+          </a:lnRef>
+          <a:fillRef idx="1">
+            <a:schemeClr val="accent1"/>
+          </a:fillRef>
+          <a:effectRef idx="0">
+            <a:schemeClr val="accent1"/>
+          </a:effectRef>
+          <a:fontRef idx="minor">
+            <a:schemeClr val="lt1"/>
+          </a:fontRef>
+        </p:style>
+        <p:txBody>
+          <a:bodyPr rtlCol="0" anchor="ctr"/>
+          <a:lstStyle/>
+          <a:p>
+            <a:pPr algn="ctr"/>
+            <a:r>
+              <a:rPr lang="en-GB" dirty="0">
+                <a:solidFill>
+                  <a:schemeClr val="tx1">
+                    <a:alpha val="19000"/>
+                  </a:schemeClr>
+                </a:solidFill>
+              </a:rPr>
+              <a:t>11</a:t>
+            </a:r>
+          </a:p>
+        </p:txBody>
+      </p:sp>
+      <p:sp>
+        <p:nvSpPr>
+          <p:cNvPr id="13" name="Rechteck 12">
+            <a:extLst>
+              <a:ext uri="{FF2B5EF4-FFF2-40B4-BE49-F238E27FC236}">
+                <a16:creationId xmlns:a16="http://schemas.microsoft.com/office/drawing/2014/main" id="{40AF21DA-E304-493E-DE0D-63AF39D79BFF}"/>
+              </a:ext>
+            </a:extLst>
+          </p:cNvPr>
+          <p:cNvSpPr/>
+          <p:nvPr/>
+        </p:nvSpPr>
+        <p:spPr>
+          <a:xfrm>
+            <a:off x="6549422" y="5144929"/>
+            <a:ext cx="162838" cy="977030"/>
+          </a:xfrm>
+          <a:prstGeom prst="rect">
+            <a:avLst/>
+          </a:prstGeom>
+          <a:solidFill>
+            <a:schemeClr val="bg2">
+              <a:lumMod val="90000"/>
+            </a:schemeClr>
+          </a:solidFill>
+          <a:ln>
+            <a:solidFill>
+              <a:schemeClr val="bg2">
+                <a:lumMod val="50000"/>
+              </a:schemeClr>
+            </a:solidFill>
+          </a:ln>
+        </p:spPr>
+        <p:style>
+          <a:lnRef idx="2">
+            <a:schemeClr val="accent1">
+              <a:shade val="15000"/>
+            </a:schemeClr>
+          </a:lnRef>
+          <a:fillRef idx="1">
+            <a:schemeClr val="accent1"/>
+          </a:fillRef>
+          <a:effectRef idx="0">
+            <a:schemeClr val="accent1"/>
+          </a:effectRef>
+          <a:fontRef idx="minor">
+            <a:schemeClr val="lt1"/>
+          </a:fontRef>
+        </p:style>
+        <p:txBody>
+          <a:bodyPr rtlCol="0" anchor="ctr"/>
+          <a:lstStyle/>
+          <a:p>
+            <a:pPr algn="ctr"/>
+            <a:r>
+              <a:rPr lang="en-GB" dirty="0">
+                <a:solidFill>
+                  <a:schemeClr val="tx1"/>
+                </a:solidFill>
+              </a:rPr>
+              <a:t>12</a:t>
+            </a:r>
+          </a:p>
+        </p:txBody>
+      </p:sp>
+      <p:sp>
+        <p:nvSpPr>
+          <p:cNvPr id="14" name="Rechteck 13">
+            <a:extLst>
+              <a:ext uri="{FF2B5EF4-FFF2-40B4-BE49-F238E27FC236}">
+                <a16:creationId xmlns:a16="http://schemas.microsoft.com/office/drawing/2014/main" id="{DB33C536-FB8B-C5CB-D2C2-E921F8467087}"/>
+              </a:ext>
+            </a:extLst>
+          </p:cNvPr>
+          <p:cNvSpPr/>
+          <p:nvPr/>
+        </p:nvSpPr>
+        <p:spPr>
+          <a:xfrm>
+            <a:off x="6861773" y="5144929"/>
+            <a:ext cx="162838" cy="977030"/>
+          </a:xfrm>
+          <a:prstGeom prst="rect">
+            <a:avLst/>
+          </a:prstGeom>
+          <a:solidFill>
+            <a:schemeClr val="bg2">
+              <a:lumMod val="90000"/>
+            </a:schemeClr>
+          </a:solidFill>
+          <a:ln>
+            <a:solidFill>
+              <a:schemeClr val="bg2">
+                <a:lumMod val="50000"/>
+              </a:schemeClr>
+            </a:solidFill>
+          </a:ln>
+        </p:spPr>
+        <p:style>
+          <a:lnRef idx="2">
+            <a:schemeClr val="accent1">
+              <a:shade val="15000"/>
+            </a:schemeClr>
+          </a:lnRef>
+          <a:fillRef idx="1">
+            <a:schemeClr val="accent1"/>
+          </a:fillRef>
+          <a:effectRef idx="0">
+            <a:schemeClr val="accent1"/>
+          </a:effectRef>
+          <a:fontRef idx="minor">
+            <a:schemeClr val="lt1"/>
+          </a:fontRef>
+        </p:style>
+        <p:txBody>
+          <a:bodyPr rtlCol="0" anchor="ctr"/>
+          <a:lstStyle/>
+          <a:p>
+            <a:pPr algn="ctr"/>
+            <a:r>
+              <a:rPr lang="en-GB" dirty="0">
+                <a:solidFill>
+                  <a:schemeClr val="tx1"/>
+                </a:solidFill>
+              </a:rPr>
+              <a:t>13</a:t>
+            </a:r>
+          </a:p>
+        </p:txBody>
+      </p:sp>
+      <p:sp>
+        <p:nvSpPr>
+          <p:cNvPr id="15" name="Rechteck 14">
+            <a:extLst>
+              <a:ext uri="{FF2B5EF4-FFF2-40B4-BE49-F238E27FC236}">
+                <a16:creationId xmlns:a16="http://schemas.microsoft.com/office/drawing/2014/main" id="{79388C28-38D7-89C6-E19B-90682897CAF9}"/>
+              </a:ext>
+            </a:extLst>
+          </p:cNvPr>
+          <p:cNvSpPr/>
+          <p:nvPr/>
+        </p:nvSpPr>
+        <p:spPr>
+          <a:xfrm>
+            <a:off x="7174124" y="5144929"/>
+            <a:ext cx="162838" cy="977030"/>
+          </a:xfrm>
+          <a:prstGeom prst="rect">
+            <a:avLst/>
+          </a:prstGeom>
+          <a:solidFill>
+            <a:schemeClr val="bg2">
+              <a:lumMod val="90000"/>
+            </a:schemeClr>
+          </a:solidFill>
+          <a:ln>
+            <a:solidFill>
+              <a:schemeClr val="bg2">
+                <a:lumMod val="50000"/>
+              </a:schemeClr>
+            </a:solidFill>
+          </a:ln>
+        </p:spPr>
+        <p:style>
+          <a:lnRef idx="2">
+            <a:schemeClr val="accent1">
+              <a:shade val="15000"/>
+            </a:schemeClr>
+          </a:lnRef>
+          <a:fillRef idx="1">
+            <a:schemeClr val="accent1"/>
+          </a:fillRef>
+          <a:effectRef idx="0">
+            <a:schemeClr val="accent1"/>
+          </a:effectRef>
+          <a:fontRef idx="minor">
+            <a:schemeClr val="lt1"/>
+          </a:fontRef>
+        </p:style>
+        <p:txBody>
+          <a:bodyPr rtlCol="0" anchor="ctr"/>
+          <a:lstStyle/>
+          <a:p>
+            <a:pPr algn="ctr"/>
+            <a:r>
+              <a:rPr lang="en-GB" dirty="0">
+                <a:solidFill>
+                  <a:schemeClr val="tx1"/>
+                </a:solidFill>
+              </a:rPr>
+              <a:t>14</a:t>
+            </a:r>
+          </a:p>
+        </p:txBody>
+      </p:sp>
+      <p:sp>
+        <p:nvSpPr>
+          <p:cNvPr id="16" name="Rechteck 15">
+            <a:extLst>
+              <a:ext uri="{FF2B5EF4-FFF2-40B4-BE49-F238E27FC236}">
+                <a16:creationId xmlns:a16="http://schemas.microsoft.com/office/drawing/2014/main" id="{949A9407-2495-023C-EFE4-BE60ACE2C1F8}"/>
+              </a:ext>
+            </a:extLst>
+          </p:cNvPr>
+          <p:cNvSpPr/>
+          <p:nvPr/>
+        </p:nvSpPr>
+        <p:spPr>
+          <a:xfrm>
+            <a:off x="7486475" y="5144929"/>
+            <a:ext cx="162838" cy="977030"/>
+          </a:xfrm>
+          <a:prstGeom prst="rect">
+            <a:avLst/>
+          </a:prstGeom>
+          <a:solidFill>
+            <a:schemeClr val="bg2">
+              <a:lumMod val="90000"/>
+              <a:alpha val="20000"/>
+            </a:schemeClr>
+          </a:solidFill>
+          <a:ln>
+            <a:solidFill>
+              <a:schemeClr val="bg2">
+                <a:lumMod val="50000"/>
+                <a:alpha val="20000"/>
+              </a:schemeClr>
+            </a:solidFill>
+          </a:ln>
+        </p:spPr>
+        <p:style>
+          <a:lnRef idx="2">
+            <a:schemeClr val="accent1">
+              <a:shade val="15000"/>
+            </a:schemeClr>
+          </a:lnRef>
+          <a:fillRef idx="1">
+            <a:schemeClr val="accent1"/>
+          </a:fillRef>
+          <a:effectRef idx="0">
+            <a:schemeClr val="accent1"/>
+          </a:effectRef>
+          <a:fontRef idx="minor">
+            <a:schemeClr val="lt1"/>
+          </a:fontRef>
+        </p:style>
+        <p:txBody>
+          <a:bodyPr rtlCol="0" anchor="ctr"/>
+          <a:lstStyle/>
+          <a:p>
+            <a:pPr algn="ctr"/>
+            <a:r>
+              <a:rPr lang="en-GB" dirty="0">
+                <a:solidFill>
+                  <a:schemeClr val="tx1">
+                    <a:alpha val="20000"/>
+                  </a:schemeClr>
+                </a:solidFill>
+              </a:rPr>
+              <a:t>15</a:t>
+            </a:r>
+          </a:p>
+        </p:txBody>
+      </p:sp>
+      <p:sp>
+        <p:nvSpPr>
+          <p:cNvPr id="17" name="Rechteck 16">
+            <a:extLst>
+              <a:ext uri="{FF2B5EF4-FFF2-40B4-BE49-F238E27FC236}">
+                <a16:creationId xmlns:a16="http://schemas.microsoft.com/office/drawing/2014/main" id="{5DBEE869-32DB-6F52-AC2E-9A499AAC3243}"/>
+              </a:ext>
+            </a:extLst>
+          </p:cNvPr>
+          <p:cNvSpPr/>
+          <p:nvPr/>
+        </p:nvSpPr>
+        <p:spPr>
+          <a:xfrm>
+            <a:off x="7798826" y="5144929"/>
+            <a:ext cx="162838" cy="977030"/>
+          </a:xfrm>
+          <a:prstGeom prst="rect">
+            <a:avLst/>
+          </a:prstGeom>
+          <a:solidFill>
+            <a:schemeClr val="bg2">
+              <a:lumMod val="90000"/>
+            </a:schemeClr>
+          </a:solidFill>
+          <a:ln>
+            <a:solidFill>
+              <a:schemeClr val="bg2">
+                <a:lumMod val="50000"/>
+              </a:schemeClr>
+            </a:solidFill>
+          </a:ln>
+        </p:spPr>
+        <p:style>
+          <a:lnRef idx="2">
+            <a:schemeClr val="accent1">
+              <a:shade val="15000"/>
+            </a:schemeClr>
+          </a:lnRef>
+          <a:fillRef idx="1">
+            <a:schemeClr val="accent1"/>
+          </a:fillRef>
+          <a:effectRef idx="0">
+            <a:schemeClr val="accent1"/>
+          </a:effectRef>
+          <a:fontRef idx="minor">
+            <a:schemeClr val="lt1"/>
+          </a:fontRef>
+        </p:style>
+        <p:txBody>
+          <a:bodyPr rtlCol="0" anchor="ctr"/>
+          <a:lstStyle/>
+          <a:p>
+            <a:pPr algn="ctr"/>
+            <a:r>
+              <a:rPr lang="en-GB" dirty="0">
+                <a:solidFill>
+                  <a:schemeClr val="tx1">
+                    <a:alpha val="60000"/>
+                  </a:schemeClr>
+                </a:solidFill>
+              </a:rPr>
+              <a:t>16</a:t>
+            </a:r>
+          </a:p>
+        </p:txBody>
+      </p:sp>
+      <p:sp>
+        <p:nvSpPr>
+          <p:cNvPr id="18" name="Rechteck 17">
+            <a:extLst>
+              <a:ext uri="{FF2B5EF4-FFF2-40B4-BE49-F238E27FC236}">
+                <a16:creationId xmlns:a16="http://schemas.microsoft.com/office/drawing/2014/main" id="{902B3622-E2AE-9477-BFB1-E418F87AA3AF}"/>
+              </a:ext>
+            </a:extLst>
+          </p:cNvPr>
+          <p:cNvSpPr/>
+          <p:nvPr/>
+        </p:nvSpPr>
+        <p:spPr>
+          <a:xfrm>
+            <a:off x="8111177" y="5144929"/>
+            <a:ext cx="162838" cy="977030"/>
+          </a:xfrm>
+          <a:prstGeom prst="rect">
+            <a:avLst/>
+          </a:prstGeom>
+          <a:solidFill>
+            <a:schemeClr val="bg2">
+              <a:lumMod val="90000"/>
+              <a:alpha val="20000"/>
+            </a:schemeClr>
+          </a:solidFill>
+          <a:ln>
+            <a:solidFill>
+              <a:schemeClr val="bg2">
+                <a:lumMod val="50000"/>
+                <a:alpha val="20000"/>
+              </a:schemeClr>
+            </a:solidFill>
+          </a:ln>
+        </p:spPr>
+        <p:style>
+          <a:lnRef idx="2">
+            <a:schemeClr val="accent1">
+              <a:shade val="15000"/>
+            </a:schemeClr>
+          </a:lnRef>
+          <a:fillRef idx="1">
+            <a:schemeClr val="accent1"/>
+          </a:fillRef>
+          <a:effectRef idx="0">
+            <a:schemeClr val="accent1"/>
+          </a:effectRef>
+          <a:fontRef idx="minor">
+            <a:schemeClr val="lt1"/>
+          </a:fontRef>
+        </p:style>
+        <p:txBody>
+          <a:bodyPr rtlCol="0" anchor="ctr"/>
+          <a:lstStyle/>
+          <a:p>
+            <a:pPr algn="ctr"/>
+            <a:r>
+              <a:rPr lang="en-GB" dirty="0">
+                <a:solidFill>
+                  <a:schemeClr val="tx1">
+                    <a:alpha val="20000"/>
+                  </a:schemeClr>
+                </a:solidFill>
+              </a:rPr>
+              <a:t>17</a:t>
+            </a:r>
+          </a:p>
+        </p:txBody>
+      </p:sp>
+      <p:sp>
+        <p:nvSpPr>
+          <p:cNvPr id="19" name="Rechteck 18">
+            <a:extLst>
+              <a:ext uri="{FF2B5EF4-FFF2-40B4-BE49-F238E27FC236}">
+                <a16:creationId xmlns:a16="http://schemas.microsoft.com/office/drawing/2014/main" id="{8E5902BB-F3E9-07C9-EBBA-FB51B813599E}"/>
+              </a:ext>
+            </a:extLst>
+          </p:cNvPr>
+          <p:cNvSpPr/>
+          <p:nvPr/>
+        </p:nvSpPr>
+        <p:spPr>
+          <a:xfrm>
+            <a:off x="8423528" y="5144929"/>
+            <a:ext cx="162838" cy="977030"/>
+          </a:xfrm>
+          <a:prstGeom prst="rect">
+            <a:avLst/>
+          </a:prstGeom>
+          <a:solidFill>
+            <a:schemeClr val="bg2">
+              <a:lumMod val="90000"/>
+            </a:schemeClr>
+          </a:solidFill>
+          <a:ln>
+            <a:solidFill>
+              <a:schemeClr val="bg2">
+                <a:lumMod val="50000"/>
+              </a:schemeClr>
+            </a:solidFill>
+          </a:ln>
+        </p:spPr>
+        <p:style>
+          <a:lnRef idx="2">
+            <a:schemeClr val="accent1">
+              <a:shade val="15000"/>
+            </a:schemeClr>
+          </a:lnRef>
+          <a:fillRef idx="1">
+            <a:schemeClr val="accent1"/>
+          </a:fillRef>
+          <a:effectRef idx="0">
+            <a:schemeClr val="accent1"/>
+          </a:effectRef>
+          <a:fontRef idx="minor">
+            <a:schemeClr val="lt1"/>
+          </a:fontRef>
+        </p:style>
+        <p:txBody>
+          <a:bodyPr rtlCol="0" anchor="ctr"/>
+          <a:lstStyle/>
+          <a:p>
+            <a:pPr algn="ctr"/>
+            <a:r>
+              <a:rPr lang="en-GB" dirty="0">
+                <a:solidFill>
+                  <a:schemeClr val="tx1"/>
+                </a:solidFill>
+              </a:rPr>
+              <a:t>18</a:t>
+            </a:r>
+          </a:p>
+        </p:txBody>
+      </p:sp>
+      <p:sp>
+        <p:nvSpPr>
+          <p:cNvPr id="20" name="Rechteck 19">
+            <a:extLst>
+              <a:ext uri="{FF2B5EF4-FFF2-40B4-BE49-F238E27FC236}">
+                <a16:creationId xmlns:a16="http://schemas.microsoft.com/office/drawing/2014/main" id="{B69C9F40-F79C-B692-DE1A-FAAF81115095}"/>
+              </a:ext>
+            </a:extLst>
+          </p:cNvPr>
+          <p:cNvSpPr/>
+          <p:nvPr/>
+        </p:nvSpPr>
+        <p:spPr>
+          <a:xfrm>
+            <a:off x="8735879" y="5144929"/>
+            <a:ext cx="162838" cy="977030"/>
+          </a:xfrm>
+          <a:prstGeom prst="rect">
+            <a:avLst/>
+          </a:prstGeom>
+          <a:solidFill>
+            <a:schemeClr val="bg2">
+              <a:lumMod val="90000"/>
+            </a:schemeClr>
+          </a:solidFill>
+          <a:ln>
+            <a:solidFill>
+              <a:schemeClr val="bg2">
+                <a:lumMod val="50000"/>
+              </a:schemeClr>
+            </a:solidFill>
+          </a:ln>
+        </p:spPr>
+        <p:style>
+          <a:lnRef idx="2">
+            <a:schemeClr val="accent1">
+              <a:shade val="15000"/>
+            </a:schemeClr>
+          </a:lnRef>
+          <a:fillRef idx="1">
+            <a:schemeClr val="accent1"/>
+          </a:fillRef>
+          <a:effectRef idx="0">
+            <a:schemeClr val="accent1"/>
+          </a:effectRef>
+          <a:fontRef idx="minor">
+            <a:schemeClr val="lt1"/>
+          </a:fontRef>
+        </p:style>
+        <p:txBody>
+          <a:bodyPr rtlCol="0" anchor="ctr"/>
+          <a:lstStyle/>
+          <a:p>
+            <a:pPr algn="ctr"/>
+            <a:r>
+              <a:rPr lang="en-GB" dirty="0">
+                <a:solidFill>
+                  <a:schemeClr val="tx1"/>
+                </a:solidFill>
+              </a:rPr>
+              <a:t>19</a:t>
+            </a:r>
+          </a:p>
+        </p:txBody>
+      </p:sp>
+      <p:sp>
+        <p:nvSpPr>
+          <p:cNvPr id="21" name="Rechteck 20">
+            <a:extLst>
+              <a:ext uri="{FF2B5EF4-FFF2-40B4-BE49-F238E27FC236}">
+                <a16:creationId xmlns:a16="http://schemas.microsoft.com/office/drawing/2014/main" id="{8D236AED-D02C-5947-E866-70664B75C92D}"/>
+              </a:ext>
+            </a:extLst>
+          </p:cNvPr>
+          <p:cNvSpPr/>
+          <p:nvPr/>
+        </p:nvSpPr>
+        <p:spPr>
+          <a:xfrm>
+            <a:off x="9048230" y="5144929"/>
+            <a:ext cx="162838" cy="977030"/>
+          </a:xfrm>
+          <a:prstGeom prst="rect">
+            <a:avLst/>
+          </a:prstGeom>
+          <a:solidFill>
+            <a:schemeClr val="bg2">
+              <a:lumMod val="90000"/>
+              <a:alpha val="20000"/>
+            </a:schemeClr>
+          </a:solidFill>
+          <a:ln>
+            <a:solidFill>
+              <a:schemeClr val="bg2">
+                <a:lumMod val="50000"/>
+                <a:alpha val="20000"/>
+              </a:schemeClr>
+            </a:solidFill>
+          </a:ln>
+        </p:spPr>
+        <p:style>
+          <a:lnRef idx="2">
+            <a:schemeClr val="accent1">
+              <a:shade val="15000"/>
+            </a:schemeClr>
+          </a:lnRef>
+          <a:fillRef idx="1">
+            <a:schemeClr val="accent1"/>
+          </a:fillRef>
+          <a:effectRef idx="0">
+            <a:schemeClr val="accent1"/>
+          </a:effectRef>
+          <a:fontRef idx="minor">
+            <a:schemeClr val="lt1"/>
+          </a:fontRef>
+        </p:style>
+        <p:txBody>
+          <a:bodyPr rtlCol="0" anchor="ctr"/>
+          <a:lstStyle/>
+          <a:p>
+            <a:pPr algn="ctr"/>
+            <a:r>
+              <a:rPr lang="en-GB" dirty="0">
+                <a:solidFill>
+                  <a:schemeClr val="tx1">
+                    <a:alpha val="20000"/>
+                  </a:schemeClr>
+                </a:solidFill>
+              </a:rPr>
+              <a:t>20</a:t>
+            </a:r>
+          </a:p>
+        </p:txBody>
+      </p:sp>
+      <p:sp>
+        <p:nvSpPr>
+          <p:cNvPr id="22" name="Rechteck 21">
+            <a:extLst>
+              <a:ext uri="{FF2B5EF4-FFF2-40B4-BE49-F238E27FC236}">
+                <a16:creationId xmlns:a16="http://schemas.microsoft.com/office/drawing/2014/main" id="{53FAA31E-C676-E029-6A15-A988B927F6EE}"/>
+              </a:ext>
+            </a:extLst>
+          </p:cNvPr>
+          <p:cNvSpPr/>
+          <p:nvPr/>
+        </p:nvSpPr>
+        <p:spPr>
+          <a:xfrm>
+            <a:off x="9360581" y="5144929"/>
+            <a:ext cx="162838" cy="977030"/>
+          </a:xfrm>
+          <a:prstGeom prst="rect">
+            <a:avLst/>
+          </a:prstGeom>
+          <a:solidFill>
+            <a:schemeClr val="bg2">
+              <a:lumMod val="90000"/>
+            </a:schemeClr>
+          </a:solidFill>
+          <a:ln>
+            <a:solidFill>
+              <a:schemeClr val="bg2">
+                <a:lumMod val="50000"/>
+              </a:schemeClr>
+            </a:solidFill>
+          </a:ln>
+        </p:spPr>
+        <p:style>
+          <a:lnRef idx="2">
+            <a:schemeClr val="accent1">
+              <a:shade val="15000"/>
+            </a:schemeClr>
+          </a:lnRef>
+          <a:fillRef idx="1">
+            <a:schemeClr val="accent1"/>
+          </a:fillRef>
+          <a:effectRef idx="0">
+            <a:schemeClr val="accent1"/>
+          </a:effectRef>
+          <a:fontRef idx="minor">
+            <a:schemeClr val="lt1"/>
+          </a:fontRef>
+        </p:style>
+        <p:txBody>
+          <a:bodyPr rtlCol="0" anchor="ctr"/>
+          <a:lstStyle/>
+          <a:p>
+            <a:pPr algn="ctr"/>
+            <a:r>
+              <a:rPr lang="en-GB" dirty="0">
+                <a:solidFill>
+                  <a:schemeClr val="tx1"/>
+                </a:solidFill>
+              </a:rPr>
+              <a:t>21</a:t>
+            </a:r>
+          </a:p>
+        </p:txBody>
+      </p:sp>
+      <p:sp>
+        <p:nvSpPr>
+          <p:cNvPr id="23" name="Rechteck 22">
+            <a:extLst>
+              <a:ext uri="{FF2B5EF4-FFF2-40B4-BE49-F238E27FC236}">
+                <a16:creationId xmlns:a16="http://schemas.microsoft.com/office/drawing/2014/main" id="{7A3BE752-287E-D560-2514-B62E1DC1810E}"/>
+              </a:ext>
+            </a:extLst>
+          </p:cNvPr>
+          <p:cNvSpPr/>
+          <p:nvPr/>
+        </p:nvSpPr>
+        <p:spPr>
+          <a:xfrm>
+            <a:off x="9672932" y="5144929"/>
+            <a:ext cx="162838" cy="977030"/>
+          </a:xfrm>
+          <a:prstGeom prst="rect">
+            <a:avLst/>
+          </a:prstGeom>
+          <a:solidFill>
+            <a:schemeClr val="bg2">
+              <a:lumMod val="90000"/>
+            </a:schemeClr>
+          </a:solidFill>
+          <a:ln>
+            <a:solidFill>
+              <a:schemeClr val="bg2">
+                <a:lumMod val="50000"/>
+              </a:schemeClr>
+            </a:solidFill>
+          </a:ln>
+        </p:spPr>
+        <p:style>
+          <a:lnRef idx="2">
+            <a:schemeClr val="accent1">
+              <a:shade val="15000"/>
+            </a:schemeClr>
+          </a:lnRef>
+          <a:fillRef idx="1">
+            <a:schemeClr val="accent1"/>
+          </a:fillRef>
+          <a:effectRef idx="0">
+            <a:schemeClr val="accent1"/>
+          </a:effectRef>
+          <a:fontRef idx="minor">
+            <a:schemeClr val="lt1"/>
+          </a:fontRef>
+        </p:style>
+        <p:txBody>
+          <a:bodyPr rtlCol="0" anchor="ctr"/>
+          <a:lstStyle/>
+          <a:p>
+            <a:pPr algn="ctr"/>
+            <a:r>
+              <a:rPr lang="en-GB" dirty="0">
+                <a:solidFill>
+                  <a:schemeClr val="tx1"/>
+                </a:solidFill>
+              </a:rPr>
+              <a:t>22</a:t>
+            </a:r>
+          </a:p>
+        </p:txBody>
+      </p:sp>
+      <p:sp>
+        <p:nvSpPr>
+          <p:cNvPr id="24" name="Rechteck 23">
+            <a:extLst>
+              <a:ext uri="{FF2B5EF4-FFF2-40B4-BE49-F238E27FC236}">
+                <a16:creationId xmlns:a16="http://schemas.microsoft.com/office/drawing/2014/main" id="{BBA71D67-31EE-A051-374B-D4068EAF4F31}"/>
+              </a:ext>
+            </a:extLst>
+          </p:cNvPr>
+          <p:cNvSpPr/>
+          <p:nvPr/>
+        </p:nvSpPr>
+        <p:spPr>
+          <a:xfrm>
+            <a:off x="9985283" y="5144929"/>
+            <a:ext cx="162838" cy="977030"/>
+          </a:xfrm>
+          <a:prstGeom prst="rect">
+            <a:avLst/>
+          </a:prstGeom>
+          <a:solidFill>
+            <a:schemeClr val="bg2">
+              <a:lumMod val="90000"/>
+            </a:schemeClr>
+          </a:solidFill>
+          <a:ln>
+            <a:solidFill>
+              <a:schemeClr val="bg2">
+                <a:lumMod val="50000"/>
+              </a:schemeClr>
+            </a:solidFill>
+          </a:ln>
+        </p:spPr>
+        <p:style>
+          <a:lnRef idx="2">
+            <a:schemeClr val="accent1">
+              <a:shade val="15000"/>
+            </a:schemeClr>
+          </a:lnRef>
+          <a:fillRef idx="1">
+            <a:schemeClr val="accent1"/>
+          </a:fillRef>
+          <a:effectRef idx="0">
+            <a:schemeClr val="accent1"/>
+          </a:effectRef>
+          <a:fontRef idx="minor">
+            <a:schemeClr val="lt1"/>
+          </a:fontRef>
+        </p:style>
+        <p:txBody>
+          <a:bodyPr rtlCol="0" anchor="ctr"/>
+          <a:lstStyle/>
+          <a:p>
+            <a:pPr algn="ctr"/>
+            <a:r>
+              <a:rPr lang="en-GB" dirty="0">
+                <a:solidFill>
+                  <a:schemeClr val="tx1"/>
+                </a:solidFill>
+              </a:rPr>
+              <a:t>23</a:t>
+            </a:r>
+          </a:p>
+        </p:txBody>
+      </p:sp>
+      <p:sp>
+        <p:nvSpPr>
+          <p:cNvPr id="25" name="Rechteck 24">
+            <a:extLst>
+              <a:ext uri="{FF2B5EF4-FFF2-40B4-BE49-F238E27FC236}">
+                <a16:creationId xmlns:a16="http://schemas.microsoft.com/office/drawing/2014/main" id="{47009485-4B21-4530-21DB-EC65884DD6A3}"/>
+              </a:ext>
+            </a:extLst>
+          </p:cNvPr>
+          <p:cNvSpPr/>
+          <p:nvPr/>
+        </p:nvSpPr>
+        <p:spPr>
+          <a:xfrm>
+            <a:off x="10297634" y="5144929"/>
+            <a:ext cx="162838" cy="977030"/>
+          </a:xfrm>
+          <a:prstGeom prst="rect">
+            <a:avLst/>
+          </a:prstGeom>
+          <a:solidFill>
+            <a:schemeClr val="bg2">
+              <a:lumMod val="90000"/>
+            </a:schemeClr>
+          </a:solidFill>
+          <a:ln>
+            <a:solidFill>
+              <a:schemeClr val="bg2">
+                <a:lumMod val="50000"/>
+              </a:schemeClr>
+            </a:solidFill>
+          </a:ln>
+        </p:spPr>
+        <p:style>
+          <a:lnRef idx="2">
+            <a:schemeClr val="accent1">
+              <a:shade val="15000"/>
+            </a:schemeClr>
+          </a:lnRef>
+          <a:fillRef idx="1">
+            <a:schemeClr val="accent1"/>
+          </a:fillRef>
+          <a:effectRef idx="0">
+            <a:schemeClr val="accent1"/>
+          </a:effectRef>
+          <a:fontRef idx="minor">
+            <a:schemeClr val="lt1"/>
+          </a:fontRef>
+        </p:style>
+        <p:txBody>
+          <a:bodyPr rtlCol="0" anchor="ctr"/>
+          <a:lstStyle/>
+          <a:p>
+            <a:pPr algn="ctr"/>
+            <a:r>
+              <a:rPr lang="en-GB" dirty="0">
+                <a:solidFill>
+                  <a:schemeClr val="tx1"/>
+                </a:solidFill>
+              </a:rPr>
+              <a:t>24</a:t>
+            </a:r>
+          </a:p>
+        </p:txBody>
+      </p:sp>
+      <p:sp>
+        <p:nvSpPr>
+          <p:cNvPr id="26" name="Rechteck 25">
+            <a:extLst>
+              <a:ext uri="{FF2B5EF4-FFF2-40B4-BE49-F238E27FC236}">
+                <a16:creationId xmlns:a16="http://schemas.microsoft.com/office/drawing/2014/main" id="{9237CAF2-4CA4-CAB7-2F7A-5515F603C7C2}"/>
+              </a:ext>
+            </a:extLst>
+          </p:cNvPr>
+          <p:cNvSpPr/>
+          <p:nvPr/>
+        </p:nvSpPr>
+        <p:spPr>
+          <a:xfrm>
+            <a:off x="10609985" y="5144929"/>
+            <a:ext cx="162838" cy="977030"/>
+          </a:xfrm>
+          <a:prstGeom prst="rect">
+            <a:avLst/>
+          </a:prstGeom>
+          <a:solidFill>
+            <a:schemeClr val="bg2">
+              <a:lumMod val="90000"/>
+            </a:schemeClr>
+          </a:solidFill>
+          <a:ln>
+            <a:solidFill>
+              <a:schemeClr val="bg2">
+                <a:lumMod val="50000"/>
+              </a:schemeClr>
+            </a:solidFill>
+          </a:ln>
+        </p:spPr>
+        <p:style>
+          <a:lnRef idx="2">
+            <a:schemeClr val="accent1">
+              <a:shade val="15000"/>
+            </a:schemeClr>
+          </a:lnRef>
+          <a:fillRef idx="1">
+            <a:schemeClr val="accent1"/>
+          </a:fillRef>
+          <a:effectRef idx="0">
+            <a:schemeClr val="accent1"/>
+          </a:effectRef>
+          <a:fontRef idx="minor">
+            <a:schemeClr val="lt1"/>
+          </a:fontRef>
+        </p:style>
+        <p:txBody>
+          <a:bodyPr rtlCol="0" anchor="ctr"/>
+          <a:lstStyle/>
+          <a:p>
+            <a:pPr algn="ctr"/>
+            <a:r>
+              <a:rPr lang="en-GB" dirty="0">
+                <a:solidFill>
+                  <a:schemeClr val="tx1"/>
+                </a:solidFill>
+              </a:rPr>
+              <a:t>25</a:t>
+            </a:r>
+          </a:p>
+        </p:txBody>
+      </p:sp>
+      <p:sp>
+        <p:nvSpPr>
+          <p:cNvPr id="27" name="Rechteck 26">
+            <a:extLst>
+              <a:ext uri="{FF2B5EF4-FFF2-40B4-BE49-F238E27FC236}">
+                <a16:creationId xmlns:a16="http://schemas.microsoft.com/office/drawing/2014/main" id="{E719BC76-E4CD-2ED7-751C-E36E41A53706}"/>
+              </a:ext>
+            </a:extLst>
+          </p:cNvPr>
+          <p:cNvSpPr/>
+          <p:nvPr/>
+        </p:nvSpPr>
+        <p:spPr>
+          <a:xfrm>
+            <a:off x="3113561" y="5144929"/>
+            <a:ext cx="162838" cy="977030"/>
+          </a:xfrm>
+          <a:prstGeom prst="rect">
+            <a:avLst/>
+          </a:prstGeom>
+          <a:solidFill>
+            <a:schemeClr val="bg2">
+              <a:lumMod val="90000"/>
+            </a:schemeClr>
+          </a:solidFill>
+          <a:ln>
+            <a:solidFill>
+              <a:schemeClr val="bg2">
+                <a:lumMod val="50000"/>
+              </a:schemeClr>
+            </a:solidFill>
+          </a:ln>
+        </p:spPr>
+        <p:style>
+          <a:lnRef idx="2">
+            <a:schemeClr val="accent1">
+              <a:shade val="15000"/>
+            </a:schemeClr>
+          </a:lnRef>
+          <a:fillRef idx="1">
+            <a:schemeClr val="accent1"/>
+          </a:fillRef>
+          <a:effectRef idx="0">
+            <a:schemeClr val="accent1"/>
+          </a:effectRef>
+          <a:fontRef idx="minor">
+            <a:schemeClr val="lt1"/>
+          </a:fontRef>
+        </p:style>
+        <p:txBody>
+          <a:bodyPr rtlCol="0" anchor="ctr"/>
+          <a:lstStyle/>
+          <a:p>
+            <a:pPr algn="ctr"/>
+            <a:r>
+              <a:rPr lang="en-GB" dirty="0">
+                <a:solidFill>
+                  <a:schemeClr val="tx1"/>
+                </a:solidFill>
+              </a:rPr>
+              <a:t>1</a:t>
+            </a:r>
+          </a:p>
+        </p:txBody>
+      </p:sp>
+      <p:sp>
+        <p:nvSpPr>
+          <p:cNvPr id="28" name="Rechteck 27">
+            <a:extLst>
+              <a:ext uri="{FF2B5EF4-FFF2-40B4-BE49-F238E27FC236}">
+                <a16:creationId xmlns:a16="http://schemas.microsoft.com/office/drawing/2014/main" id="{CA63DBE4-BD16-D80D-DB49-80C89319DFB7}"/>
+              </a:ext>
+            </a:extLst>
+          </p:cNvPr>
+          <p:cNvSpPr/>
+          <p:nvPr/>
+        </p:nvSpPr>
+        <p:spPr>
+          <a:xfrm>
+            <a:off x="3425912" y="5144929"/>
+            <a:ext cx="162838" cy="977030"/>
+          </a:xfrm>
+          <a:prstGeom prst="rect">
+            <a:avLst/>
+          </a:prstGeom>
+          <a:solidFill>
+            <a:schemeClr val="bg2">
+              <a:lumMod val="90000"/>
+            </a:schemeClr>
+          </a:solidFill>
+          <a:ln>
+            <a:solidFill>
+              <a:schemeClr val="bg2">
+                <a:lumMod val="50000"/>
+              </a:schemeClr>
+            </a:solidFill>
+          </a:ln>
+        </p:spPr>
+        <p:style>
+          <a:lnRef idx="2">
+            <a:schemeClr val="accent1">
+              <a:shade val="15000"/>
+            </a:schemeClr>
+          </a:lnRef>
+          <a:fillRef idx="1">
+            <a:schemeClr val="accent1"/>
+          </a:fillRef>
+          <a:effectRef idx="0">
+            <a:schemeClr val="accent1"/>
+          </a:effectRef>
+          <a:fontRef idx="minor">
+            <a:schemeClr val="lt1"/>
+          </a:fontRef>
+        </p:style>
+        <p:txBody>
+          <a:bodyPr rtlCol="0" anchor="ctr"/>
+          <a:lstStyle/>
+          <a:p>
+            <a:pPr algn="ctr"/>
+            <a:r>
+              <a:rPr lang="en-GB" dirty="0">
+                <a:solidFill>
+                  <a:schemeClr val="tx1"/>
+                </a:solidFill>
+              </a:rPr>
+              <a:t>2</a:t>
+            </a:r>
+          </a:p>
+        </p:txBody>
+      </p:sp>
+      <p:sp>
+        <p:nvSpPr>
+          <p:cNvPr id="29" name="Rechteck 28">
+            <a:extLst>
+              <a:ext uri="{FF2B5EF4-FFF2-40B4-BE49-F238E27FC236}">
+                <a16:creationId xmlns:a16="http://schemas.microsoft.com/office/drawing/2014/main" id="{B7DA99EF-6E32-875D-4FD5-82E56B2E2D9B}"/>
+              </a:ext>
+            </a:extLst>
+          </p:cNvPr>
+          <p:cNvSpPr/>
+          <p:nvPr/>
+        </p:nvSpPr>
+        <p:spPr>
+          <a:xfrm>
+            <a:off x="3738263" y="5144929"/>
+            <a:ext cx="162838" cy="977030"/>
+          </a:xfrm>
+          <a:prstGeom prst="rect">
+            <a:avLst/>
+          </a:prstGeom>
+          <a:solidFill>
+            <a:schemeClr val="bg2">
+              <a:lumMod val="90000"/>
+            </a:schemeClr>
+          </a:solidFill>
+          <a:ln>
+            <a:solidFill>
+              <a:schemeClr val="bg2">
+                <a:lumMod val="50000"/>
+              </a:schemeClr>
+            </a:solidFill>
+          </a:ln>
+        </p:spPr>
+        <p:style>
+          <a:lnRef idx="2">
+            <a:schemeClr val="accent1">
+              <a:shade val="15000"/>
+            </a:schemeClr>
+          </a:lnRef>
+          <a:fillRef idx="1">
+            <a:schemeClr val="accent1"/>
+          </a:fillRef>
+          <a:effectRef idx="0">
+            <a:schemeClr val="accent1"/>
+          </a:effectRef>
+          <a:fontRef idx="minor">
+            <a:schemeClr val="lt1"/>
+          </a:fontRef>
+        </p:style>
+        <p:txBody>
+          <a:bodyPr rtlCol="0" anchor="ctr"/>
+          <a:lstStyle/>
+          <a:p>
+            <a:pPr algn="ctr"/>
+            <a:r>
+              <a:rPr lang="en-GB" dirty="0">
+                <a:solidFill>
+                  <a:schemeClr val="tx1"/>
+                </a:solidFill>
+              </a:rPr>
+              <a:t>3</a:t>
+            </a:r>
+          </a:p>
+        </p:txBody>
+      </p:sp>
+      <p:sp>
+        <p:nvSpPr>
+          <p:cNvPr id="30" name="Rechteck 29">
+            <a:extLst>
+              <a:ext uri="{FF2B5EF4-FFF2-40B4-BE49-F238E27FC236}">
+                <a16:creationId xmlns:a16="http://schemas.microsoft.com/office/drawing/2014/main" id="{4B9CE500-B84E-78FA-7E92-6C463AE2AB72}"/>
+              </a:ext>
+            </a:extLst>
+          </p:cNvPr>
+          <p:cNvSpPr/>
+          <p:nvPr/>
+        </p:nvSpPr>
+        <p:spPr>
+          <a:xfrm>
+            <a:off x="10922336" y="5144929"/>
+            <a:ext cx="162838" cy="977030"/>
+          </a:xfrm>
+          <a:prstGeom prst="rect">
+            <a:avLst/>
+          </a:prstGeom>
+          <a:solidFill>
+            <a:schemeClr val="bg2">
+              <a:lumMod val="90000"/>
+            </a:schemeClr>
+          </a:solidFill>
+          <a:ln>
+            <a:solidFill>
+              <a:schemeClr val="bg2">
+                <a:lumMod val="50000"/>
+              </a:schemeClr>
+            </a:solidFill>
+          </a:ln>
+        </p:spPr>
+        <p:style>
+          <a:lnRef idx="2">
+            <a:schemeClr val="accent1">
+              <a:shade val="15000"/>
+            </a:schemeClr>
+          </a:lnRef>
+          <a:fillRef idx="1">
+            <a:schemeClr val="accent1"/>
+          </a:fillRef>
+          <a:effectRef idx="0">
+            <a:schemeClr val="accent1"/>
+          </a:effectRef>
+          <a:fontRef idx="minor">
+            <a:schemeClr val="lt1"/>
+          </a:fontRef>
+        </p:style>
+        <p:txBody>
+          <a:bodyPr rtlCol="0" anchor="ctr"/>
+          <a:lstStyle/>
+          <a:p>
+            <a:pPr algn="ctr"/>
+            <a:r>
+              <a:rPr lang="en-GB" dirty="0">
+                <a:solidFill>
+                  <a:schemeClr val="tx1"/>
+                </a:solidFill>
+              </a:rPr>
+              <a:t>26</a:t>
+            </a:r>
+          </a:p>
+        </p:txBody>
+      </p:sp>
+      <p:sp>
+        <p:nvSpPr>
+          <p:cNvPr id="31" name="Rechteck 30">
+            <a:extLst>
+              <a:ext uri="{FF2B5EF4-FFF2-40B4-BE49-F238E27FC236}">
+                <a16:creationId xmlns:a16="http://schemas.microsoft.com/office/drawing/2014/main" id="{7CFE8E3B-55F8-2E66-D13C-7081EB0E9B74}"/>
+              </a:ext>
+            </a:extLst>
+          </p:cNvPr>
+          <p:cNvSpPr/>
+          <p:nvPr/>
+        </p:nvSpPr>
+        <p:spPr>
+          <a:xfrm>
+            <a:off x="11234687" y="5144929"/>
+            <a:ext cx="162838" cy="977030"/>
+          </a:xfrm>
+          <a:prstGeom prst="rect">
+            <a:avLst/>
+          </a:prstGeom>
+          <a:solidFill>
+            <a:schemeClr val="bg2">
+              <a:lumMod val="90000"/>
+            </a:schemeClr>
+          </a:solidFill>
+          <a:ln>
+            <a:solidFill>
+              <a:schemeClr val="bg2">
+                <a:lumMod val="50000"/>
+              </a:schemeClr>
+            </a:solidFill>
+          </a:ln>
+        </p:spPr>
+        <p:style>
+          <a:lnRef idx="2">
+            <a:schemeClr val="accent1">
+              <a:shade val="15000"/>
+            </a:schemeClr>
+          </a:lnRef>
+          <a:fillRef idx="1">
+            <a:schemeClr val="accent1"/>
+          </a:fillRef>
+          <a:effectRef idx="0">
+            <a:schemeClr val="accent1"/>
+          </a:effectRef>
+          <a:fontRef idx="minor">
+            <a:schemeClr val="lt1"/>
+          </a:fontRef>
+        </p:style>
+        <p:txBody>
+          <a:bodyPr rtlCol="0" anchor="ctr"/>
+          <a:lstStyle/>
+          <a:p>
+            <a:pPr algn="ctr"/>
+            <a:r>
+              <a:rPr lang="en-GB" dirty="0">
+                <a:solidFill>
+                  <a:schemeClr val="tx1"/>
+                </a:solidFill>
+              </a:rPr>
+              <a:t>27</a:t>
+            </a:r>
+          </a:p>
+        </p:txBody>
+      </p:sp>
+      <p:sp>
+        <p:nvSpPr>
+          <p:cNvPr id="32" name="Rechteck 31">
+            <a:extLst>
+              <a:ext uri="{FF2B5EF4-FFF2-40B4-BE49-F238E27FC236}">
+                <a16:creationId xmlns:a16="http://schemas.microsoft.com/office/drawing/2014/main" id="{8D9F884C-5442-DBED-0A3F-CC565C8494D5}"/>
+              </a:ext>
+            </a:extLst>
+          </p:cNvPr>
+          <p:cNvSpPr/>
+          <p:nvPr/>
+        </p:nvSpPr>
+        <p:spPr>
+          <a:xfrm>
+            <a:off x="11547043" y="5144929"/>
+            <a:ext cx="162838" cy="977030"/>
+          </a:xfrm>
+          <a:prstGeom prst="rect">
+            <a:avLst/>
+          </a:prstGeom>
+          <a:solidFill>
+            <a:schemeClr val="bg2">
+              <a:lumMod val="90000"/>
+            </a:schemeClr>
+          </a:solidFill>
+          <a:ln>
+            <a:solidFill>
+              <a:schemeClr val="bg2">
+                <a:lumMod val="50000"/>
+              </a:schemeClr>
+            </a:solidFill>
+          </a:ln>
+        </p:spPr>
+        <p:style>
+          <a:lnRef idx="2">
+            <a:schemeClr val="accent1">
+              <a:shade val="15000"/>
+            </a:schemeClr>
+          </a:lnRef>
+          <a:fillRef idx="1">
+            <a:schemeClr val="accent1"/>
+          </a:fillRef>
+          <a:effectRef idx="0">
+            <a:schemeClr val="accent1"/>
+          </a:effectRef>
+          <a:fontRef idx="minor">
+            <a:schemeClr val="lt1"/>
+          </a:fontRef>
+        </p:style>
+        <p:txBody>
+          <a:bodyPr rtlCol="0" anchor="ctr"/>
+          <a:lstStyle/>
+          <a:p>
+            <a:pPr algn="ctr"/>
+            <a:r>
+              <a:rPr lang="en-GB" dirty="0">
+                <a:solidFill>
+                  <a:schemeClr val="tx1"/>
+                </a:solidFill>
+              </a:rPr>
+              <a:t>28</a:t>
+            </a:r>
+          </a:p>
+        </p:txBody>
+      </p:sp>
+      <p:cxnSp>
+        <p:nvCxnSpPr>
+          <p:cNvPr id="33" name="Gerade Verbindung mit Pfeil 32">
+            <a:extLst>
+              <a:ext uri="{FF2B5EF4-FFF2-40B4-BE49-F238E27FC236}">
+                <a16:creationId xmlns:a16="http://schemas.microsoft.com/office/drawing/2014/main" id="{65CA03C1-FE44-0008-6B8B-35F69AA7415B}"/>
+              </a:ext>
+            </a:extLst>
+          </p:cNvPr>
+          <p:cNvCxnSpPr>
+            <a:cxnSpLocks/>
+            <a:endCxn id="27" idx="1"/>
+          </p:cNvCxnSpPr>
+          <p:nvPr/>
+        </p:nvCxnSpPr>
+        <p:spPr>
+          <a:xfrm>
+            <a:off x="2217650" y="5633444"/>
+            <a:ext cx="895911" cy="0"/>
+          </a:xfrm>
+          <a:prstGeom prst="straightConnector1">
+            <a:avLst/>
+          </a:prstGeom>
+          <a:ln>
+            <a:tailEnd type="triangle"/>
+          </a:ln>
+        </p:spPr>
+        <p:style>
+          <a:lnRef idx="2">
+            <a:schemeClr val="accent1"/>
+          </a:lnRef>
+          <a:fillRef idx="0">
+            <a:schemeClr val="accent1"/>
+          </a:fillRef>
+          <a:effectRef idx="1">
+            <a:schemeClr val="accent1"/>
+          </a:effectRef>
+          <a:fontRef idx="minor">
+            <a:schemeClr val="tx1"/>
+          </a:fontRef>
+        </p:style>
+      </p:cxnSp>
+      <p:cxnSp>
+        <p:nvCxnSpPr>
+          <p:cNvPr id="34" name="Gerade Verbindung mit Pfeil 33">
+            <a:extLst>
+              <a:ext uri="{FF2B5EF4-FFF2-40B4-BE49-F238E27FC236}">
+                <a16:creationId xmlns:a16="http://schemas.microsoft.com/office/drawing/2014/main" id="{69E0405D-E2B3-2AEF-E71A-1C95DFCFA2E6}"/>
+              </a:ext>
+            </a:extLst>
+          </p:cNvPr>
+          <p:cNvCxnSpPr>
+            <a:endCxn id="28" idx="1"/>
+          </p:cNvCxnSpPr>
+          <p:nvPr/>
+        </p:nvCxnSpPr>
+        <p:spPr>
+          <a:xfrm>
+            <a:off x="3292639" y="5633444"/>
+            <a:ext cx="133273" cy="0"/>
+          </a:xfrm>
+          <a:prstGeom prst="straightConnector1">
+            <a:avLst/>
+          </a:prstGeom>
+          <a:ln>
+            <a:tailEnd type="triangle"/>
+          </a:ln>
+        </p:spPr>
+        <p:style>
+          <a:lnRef idx="2">
+            <a:schemeClr val="accent1"/>
+          </a:lnRef>
+          <a:fillRef idx="0">
+            <a:schemeClr val="accent1"/>
+          </a:fillRef>
+          <a:effectRef idx="1">
+            <a:schemeClr val="accent1"/>
+          </a:effectRef>
+          <a:fontRef idx="minor">
+            <a:schemeClr val="tx1"/>
+          </a:fontRef>
+        </p:style>
+      </p:cxnSp>
+      <p:cxnSp>
+        <p:nvCxnSpPr>
+          <p:cNvPr id="35" name="Gerade Verbindung mit Pfeil 34">
+            <a:extLst>
+              <a:ext uri="{FF2B5EF4-FFF2-40B4-BE49-F238E27FC236}">
+                <a16:creationId xmlns:a16="http://schemas.microsoft.com/office/drawing/2014/main" id="{E21E535C-8D9A-D5EF-0E48-C0957C58A9F3}"/>
+              </a:ext>
+            </a:extLst>
+          </p:cNvPr>
+          <p:cNvCxnSpPr>
+            <a:stCxn id="28" idx="3"/>
+            <a:endCxn id="29" idx="1"/>
+          </p:cNvCxnSpPr>
+          <p:nvPr/>
+        </p:nvCxnSpPr>
+        <p:spPr>
+          <a:xfrm>
+            <a:off x="3588750" y="5633444"/>
+            <a:ext cx="149513" cy="0"/>
+          </a:xfrm>
+          <a:prstGeom prst="straightConnector1">
+            <a:avLst/>
+          </a:prstGeom>
+          <a:ln>
+            <a:tailEnd type="triangle"/>
+          </a:ln>
+        </p:spPr>
+        <p:style>
+          <a:lnRef idx="2">
+            <a:schemeClr val="accent1"/>
+          </a:lnRef>
+          <a:fillRef idx="0">
+            <a:schemeClr val="accent1"/>
+          </a:fillRef>
+          <a:effectRef idx="1">
+            <a:schemeClr val="accent1"/>
+          </a:effectRef>
+          <a:fontRef idx="minor">
+            <a:schemeClr val="tx1"/>
+          </a:fontRef>
+        </p:style>
+      </p:cxnSp>
+      <p:cxnSp>
+        <p:nvCxnSpPr>
+          <p:cNvPr id="36" name="Gerade Verbindung mit Pfeil 35">
+            <a:extLst>
+              <a:ext uri="{FF2B5EF4-FFF2-40B4-BE49-F238E27FC236}">
+                <a16:creationId xmlns:a16="http://schemas.microsoft.com/office/drawing/2014/main" id="{8C3D707E-B348-1A66-1DAE-F6487F2732C8}"/>
+              </a:ext>
+            </a:extLst>
+          </p:cNvPr>
+          <p:cNvCxnSpPr>
+            <a:endCxn id="5" idx="1"/>
+          </p:cNvCxnSpPr>
+          <p:nvPr/>
+        </p:nvCxnSpPr>
+        <p:spPr>
+          <a:xfrm>
+            <a:off x="3901101" y="5633444"/>
+            <a:ext cx="149513" cy="0"/>
+          </a:xfrm>
+          <a:prstGeom prst="straightConnector1">
+            <a:avLst/>
+          </a:prstGeom>
+          <a:ln>
+            <a:tailEnd type="triangle"/>
+          </a:ln>
+        </p:spPr>
+        <p:style>
+          <a:lnRef idx="2">
+            <a:schemeClr val="accent1"/>
+          </a:lnRef>
+          <a:fillRef idx="0">
+            <a:schemeClr val="accent1"/>
+          </a:fillRef>
+          <a:effectRef idx="1">
+            <a:schemeClr val="accent1"/>
+          </a:effectRef>
+          <a:fontRef idx="minor">
+            <a:schemeClr val="tx1"/>
+          </a:fontRef>
+        </p:style>
+      </p:cxnSp>
+      <p:cxnSp>
+        <p:nvCxnSpPr>
+          <p:cNvPr id="37" name="Gerade Verbindung mit Pfeil 36">
+            <a:extLst>
+              <a:ext uri="{FF2B5EF4-FFF2-40B4-BE49-F238E27FC236}">
+                <a16:creationId xmlns:a16="http://schemas.microsoft.com/office/drawing/2014/main" id="{3721A9F3-316B-E702-D30D-D89C2C5EBC2E}"/>
+              </a:ext>
+            </a:extLst>
+          </p:cNvPr>
+          <p:cNvCxnSpPr>
+            <a:endCxn id="6" idx="1"/>
+          </p:cNvCxnSpPr>
+          <p:nvPr/>
+        </p:nvCxnSpPr>
+        <p:spPr>
+          <a:xfrm>
+            <a:off x="4213452" y="5633444"/>
+            <a:ext cx="149513" cy="0"/>
+          </a:xfrm>
+          <a:prstGeom prst="straightConnector1">
+            <a:avLst/>
+          </a:prstGeom>
+          <a:ln>
+            <a:tailEnd type="triangle"/>
+          </a:ln>
+        </p:spPr>
+        <p:style>
+          <a:lnRef idx="2">
+            <a:schemeClr val="accent1"/>
+          </a:lnRef>
+          <a:fillRef idx="0">
+            <a:schemeClr val="accent1"/>
+          </a:fillRef>
+          <a:effectRef idx="1">
+            <a:schemeClr val="accent1"/>
+          </a:effectRef>
+          <a:fontRef idx="minor">
+            <a:schemeClr val="tx1"/>
+          </a:fontRef>
+        </p:style>
+      </p:cxnSp>
+      <p:cxnSp>
+        <p:nvCxnSpPr>
+          <p:cNvPr id="38" name="Gerade Verbindung mit Pfeil 37">
+            <a:extLst>
+              <a:ext uri="{FF2B5EF4-FFF2-40B4-BE49-F238E27FC236}">
+                <a16:creationId xmlns:a16="http://schemas.microsoft.com/office/drawing/2014/main" id="{C90883F2-C327-A422-3086-503347491CB1}"/>
+              </a:ext>
+            </a:extLst>
+          </p:cNvPr>
+          <p:cNvCxnSpPr>
+            <a:stCxn id="6" idx="3"/>
+            <a:endCxn id="7" idx="1"/>
+          </p:cNvCxnSpPr>
+          <p:nvPr/>
+        </p:nvCxnSpPr>
+        <p:spPr>
+          <a:xfrm>
+            <a:off x="4525803" y="5633444"/>
+            <a:ext cx="149513" cy="0"/>
+          </a:xfrm>
+          <a:prstGeom prst="straightConnector1">
+            <a:avLst/>
+          </a:prstGeom>
+          <a:ln>
+            <a:tailEnd type="triangle"/>
+          </a:ln>
+        </p:spPr>
+        <p:style>
+          <a:lnRef idx="2">
+            <a:schemeClr val="accent1"/>
+          </a:lnRef>
+          <a:fillRef idx="0">
+            <a:schemeClr val="accent1"/>
+          </a:fillRef>
+          <a:effectRef idx="1">
+            <a:schemeClr val="accent1"/>
+          </a:effectRef>
+          <a:fontRef idx="minor">
+            <a:schemeClr val="tx1"/>
+          </a:fontRef>
+        </p:style>
+      </p:cxnSp>
+      <p:cxnSp>
+        <p:nvCxnSpPr>
+          <p:cNvPr id="39" name="Gerade Verbindung mit Pfeil 38">
+            <a:extLst>
+              <a:ext uri="{FF2B5EF4-FFF2-40B4-BE49-F238E27FC236}">
+                <a16:creationId xmlns:a16="http://schemas.microsoft.com/office/drawing/2014/main" id="{4631A447-0BF0-BF89-1BE9-BC0866670367}"/>
+              </a:ext>
+            </a:extLst>
+          </p:cNvPr>
+          <p:cNvCxnSpPr>
+            <a:cxnSpLocks/>
+            <a:endCxn id="8" idx="1"/>
+          </p:cNvCxnSpPr>
+          <p:nvPr/>
+        </p:nvCxnSpPr>
+        <p:spPr>
+          <a:xfrm>
+            <a:off x="4850040" y="5633444"/>
+            <a:ext cx="137627" cy="0"/>
+          </a:xfrm>
+          <a:prstGeom prst="straightConnector1">
+            <a:avLst/>
+          </a:prstGeom>
+          <a:ln>
+            <a:tailEnd type="triangle"/>
+          </a:ln>
+        </p:spPr>
+        <p:style>
+          <a:lnRef idx="2">
+            <a:schemeClr val="accent1"/>
+          </a:lnRef>
+          <a:fillRef idx="0">
+            <a:schemeClr val="accent1"/>
+          </a:fillRef>
+          <a:effectRef idx="1">
+            <a:schemeClr val="accent1"/>
+          </a:effectRef>
+          <a:fontRef idx="minor">
+            <a:schemeClr val="tx1"/>
+          </a:fontRef>
+        </p:style>
+      </p:cxnSp>
+      <p:cxnSp>
+        <p:nvCxnSpPr>
+          <p:cNvPr id="40" name="Gerade Verbindung mit Pfeil 39">
+            <a:extLst>
+              <a:ext uri="{FF2B5EF4-FFF2-40B4-BE49-F238E27FC236}">
+                <a16:creationId xmlns:a16="http://schemas.microsoft.com/office/drawing/2014/main" id="{B0DB3B39-9E04-00EC-E4DA-FB6218C2F908}"/>
+              </a:ext>
+            </a:extLst>
+          </p:cNvPr>
+          <p:cNvCxnSpPr>
+            <a:cxnSpLocks/>
+            <a:stCxn id="8" idx="3"/>
+            <a:endCxn id="10" idx="1"/>
+          </p:cNvCxnSpPr>
+          <p:nvPr/>
+        </p:nvCxnSpPr>
+        <p:spPr>
+          <a:xfrm>
+            <a:off x="5150505" y="5633444"/>
+            <a:ext cx="461864" cy="0"/>
+          </a:xfrm>
+          <a:prstGeom prst="straightConnector1">
+            <a:avLst/>
+          </a:prstGeom>
+          <a:ln>
+            <a:tailEnd type="triangle"/>
+          </a:ln>
+        </p:spPr>
+        <p:style>
+          <a:lnRef idx="2">
+            <a:schemeClr val="accent1"/>
+          </a:lnRef>
+          <a:fillRef idx="0">
+            <a:schemeClr val="accent1"/>
+          </a:fillRef>
+          <a:effectRef idx="1">
+            <a:schemeClr val="accent1"/>
+          </a:effectRef>
+          <a:fontRef idx="minor">
+            <a:schemeClr val="tx1"/>
+          </a:fontRef>
+        </p:style>
+      </p:cxnSp>
+      <p:cxnSp>
+        <p:nvCxnSpPr>
+          <p:cNvPr id="41" name="Gerade Verbindung mit Pfeil 40">
+            <a:extLst>
+              <a:ext uri="{FF2B5EF4-FFF2-40B4-BE49-F238E27FC236}">
+                <a16:creationId xmlns:a16="http://schemas.microsoft.com/office/drawing/2014/main" id="{BDA832EF-C8A1-53D6-0C1D-1075432BA442}"/>
+              </a:ext>
+            </a:extLst>
+          </p:cNvPr>
+          <p:cNvCxnSpPr>
+            <a:stCxn id="10" idx="3"/>
+            <a:endCxn id="11" idx="1"/>
+          </p:cNvCxnSpPr>
+          <p:nvPr/>
+        </p:nvCxnSpPr>
+        <p:spPr>
+          <a:xfrm>
+            <a:off x="5775207" y="5633444"/>
+            <a:ext cx="149513" cy="0"/>
+          </a:xfrm>
+          <a:prstGeom prst="straightConnector1">
+            <a:avLst/>
+          </a:prstGeom>
+          <a:ln>
+            <a:tailEnd type="triangle"/>
+          </a:ln>
+        </p:spPr>
+        <p:style>
+          <a:lnRef idx="2">
+            <a:schemeClr val="accent1"/>
+          </a:lnRef>
+          <a:fillRef idx="0">
+            <a:schemeClr val="accent1"/>
+          </a:fillRef>
+          <a:effectRef idx="1">
+            <a:schemeClr val="accent1"/>
+          </a:effectRef>
+          <a:fontRef idx="minor">
+            <a:schemeClr val="tx1"/>
+          </a:fontRef>
+        </p:style>
+      </p:cxnSp>
+      <p:cxnSp>
+        <p:nvCxnSpPr>
+          <p:cNvPr id="42" name="Gerade Verbindung mit Pfeil 41">
+            <a:extLst>
+              <a:ext uri="{FF2B5EF4-FFF2-40B4-BE49-F238E27FC236}">
+                <a16:creationId xmlns:a16="http://schemas.microsoft.com/office/drawing/2014/main" id="{1ADD69F3-C3B4-3FAD-B259-822FF2BB3DC8}"/>
+              </a:ext>
+            </a:extLst>
+          </p:cNvPr>
+          <p:cNvCxnSpPr>
+            <a:cxnSpLocks/>
+            <a:stCxn id="11" idx="3"/>
+            <a:endCxn id="13" idx="1"/>
+          </p:cNvCxnSpPr>
+          <p:nvPr/>
+        </p:nvCxnSpPr>
+        <p:spPr>
+          <a:xfrm>
+            <a:off x="6087558" y="5633444"/>
+            <a:ext cx="461864" cy="0"/>
+          </a:xfrm>
+          <a:prstGeom prst="straightConnector1">
+            <a:avLst/>
+          </a:prstGeom>
+          <a:ln>
+            <a:tailEnd type="triangle"/>
+          </a:ln>
+        </p:spPr>
+        <p:style>
+          <a:lnRef idx="2">
+            <a:schemeClr val="accent1"/>
+          </a:lnRef>
+          <a:fillRef idx="0">
+            <a:schemeClr val="accent1"/>
+          </a:fillRef>
+          <a:effectRef idx="1">
+            <a:schemeClr val="accent1"/>
+          </a:effectRef>
+          <a:fontRef idx="minor">
+            <a:schemeClr val="tx1"/>
+          </a:fontRef>
+        </p:style>
+      </p:cxnSp>
+      <p:cxnSp>
+        <p:nvCxnSpPr>
+          <p:cNvPr id="43" name="Gerade Verbindung mit Pfeil 42">
+            <a:extLst>
+              <a:ext uri="{FF2B5EF4-FFF2-40B4-BE49-F238E27FC236}">
+                <a16:creationId xmlns:a16="http://schemas.microsoft.com/office/drawing/2014/main" id="{57FBB3E9-552E-2146-F416-935AF36AFCEF}"/>
+              </a:ext>
+            </a:extLst>
+          </p:cNvPr>
+          <p:cNvCxnSpPr>
+            <a:stCxn id="13" idx="3"/>
+            <a:endCxn id="14" idx="1"/>
+          </p:cNvCxnSpPr>
+          <p:nvPr/>
+        </p:nvCxnSpPr>
+        <p:spPr>
+          <a:xfrm>
+            <a:off x="6712260" y="5633444"/>
+            <a:ext cx="149513" cy="0"/>
+          </a:xfrm>
+          <a:prstGeom prst="straightConnector1">
+            <a:avLst/>
+          </a:prstGeom>
+          <a:ln>
+            <a:tailEnd type="triangle"/>
+          </a:ln>
+        </p:spPr>
+        <p:style>
+          <a:lnRef idx="2">
+            <a:schemeClr val="accent1"/>
+          </a:lnRef>
+          <a:fillRef idx="0">
+            <a:schemeClr val="accent1"/>
+          </a:fillRef>
+          <a:effectRef idx="1">
+            <a:schemeClr val="accent1"/>
+          </a:effectRef>
+          <a:fontRef idx="minor">
+            <a:schemeClr val="tx1"/>
+          </a:fontRef>
+        </p:style>
+      </p:cxnSp>
+      <p:cxnSp>
+        <p:nvCxnSpPr>
+          <p:cNvPr id="44" name="Gerade Verbindung mit Pfeil 43">
+            <a:extLst>
+              <a:ext uri="{FF2B5EF4-FFF2-40B4-BE49-F238E27FC236}">
+                <a16:creationId xmlns:a16="http://schemas.microsoft.com/office/drawing/2014/main" id="{49A777A1-509F-E4A8-A32D-C2573BD09C07}"/>
+              </a:ext>
+            </a:extLst>
+          </p:cNvPr>
+          <p:cNvCxnSpPr>
+            <a:stCxn id="14" idx="3"/>
+            <a:endCxn id="15" idx="1"/>
+          </p:cNvCxnSpPr>
+          <p:nvPr/>
+        </p:nvCxnSpPr>
+        <p:spPr>
+          <a:xfrm>
+            <a:off x="7024611" y="5633444"/>
+            <a:ext cx="149513" cy="0"/>
+          </a:xfrm>
+          <a:prstGeom prst="straightConnector1">
+            <a:avLst/>
+          </a:prstGeom>
+          <a:ln>
+            <a:tailEnd type="triangle"/>
+          </a:ln>
+        </p:spPr>
+        <p:style>
+          <a:lnRef idx="2">
+            <a:schemeClr val="accent1"/>
+          </a:lnRef>
+          <a:fillRef idx="0">
+            <a:schemeClr val="accent1"/>
+          </a:fillRef>
+          <a:effectRef idx="1">
+            <a:schemeClr val="accent1"/>
+          </a:effectRef>
+          <a:fontRef idx="minor">
+            <a:schemeClr val="tx1"/>
+          </a:fontRef>
+        </p:style>
+      </p:cxnSp>
+      <p:cxnSp>
+        <p:nvCxnSpPr>
+          <p:cNvPr id="45" name="Gerade Verbindung mit Pfeil 44">
+            <a:extLst>
+              <a:ext uri="{FF2B5EF4-FFF2-40B4-BE49-F238E27FC236}">
+                <a16:creationId xmlns:a16="http://schemas.microsoft.com/office/drawing/2014/main" id="{FFE6D7A7-0234-C88C-9B98-5464A2F71699}"/>
+              </a:ext>
+            </a:extLst>
+          </p:cNvPr>
+          <p:cNvCxnSpPr>
+            <a:cxnSpLocks/>
+            <a:stCxn id="15" idx="3"/>
+            <a:endCxn id="17" idx="1"/>
+          </p:cNvCxnSpPr>
+          <p:nvPr/>
+        </p:nvCxnSpPr>
+        <p:spPr>
+          <a:xfrm>
+            <a:off x="7336962" y="5633444"/>
+            <a:ext cx="461864" cy="0"/>
+          </a:xfrm>
+          <a:prstGeom prst="straightConnector1">
+            <a:avLst/>
+          </a:prstGeom>
+          <a:ln>
+            <a:tailEnd type="triangle"/>
+          </a:ln>
+        </p:spPr>
+        <p:style>
+          <a:lnRef idx="2">
+            <a:schemeClr val="accent1"/>
+          </a:lnRef>
+          <a:fillRef idx="0">
+            <a:schemeClr val="accent1"/>
+          </a:fillRef>
+          <a:effectRef idx="1">
+            <a:schemeClr val="accent1"/>
+          </a:effectRef>
+          <a:fontRef idx="minor">
+            <a:schemeClr val="tx1"/>
+          </a:fontRef>
+        </p:style>
+      </p:cxnSp>
+      <p:cxnSp>
+        <p:nvCxnSpPr>
+          <p:cNvPr id="46" name="Gerade Verbindung mit Pfeil 45">
+            <a:extLst>
+              <a:ext uri="{FF2B5EF4-FFF2-40B4-BE49-F238E27FC236}">
+                <a16:creationId xmlns:a16="http://schemas.microsoft.com/office/drawing/2014/main" id="{6EA433D1-CE53-1A0F-4AB3-996A4EFE5C09}"/>
+              </a:ext>
+            </a:extLst>
+          </p:cNvPr>
+          <p:cNvCxnSpPr>
+            <a:stCxn id="19" idx="3"/>
+            <a:endCxn id="20" idx="1"/>
+          </p:cNvCxnSpPr>
+          <p:nvPr/>
+        </p:nvCxnSpPr>
+        <p:spPr>
+          <a:xfrm>
+            <a:off x="8586366" y="5633444"/>
+            <a:ext cx="149513" cy="0"/>
+          </a:xfrm>
+          <a:prstGeom prst="straightConnector1">
+            <a:avLst/>
+          </a:prstGeom>
+          <a:ln>
+            <a:tailEnd type="triangle"/>
+          </a:ln>
+        </p:spPr>
+        <p:style>
+          <a:lnRef idx="2">
+            <a:schemeClr val="accent1"/>
+          </a:lnRef>
+          <a:fillRef idx="0">
+            <a:schemeClr val="accent1"/>
+          </a:fillRef>
+          <a:effectRef idx="1">
+            <a:schemeClr val="accent1"/>
+          </a:effectRef>
+          <a:fontRef idx="minor">
+            <a:schemeClr val="tx1"/>
+          </a:fontRef>
+        </p:style>
+      </p:cxnSp>
+      <p:cxnSp>
+        <p:nvCxnSpPr>
+          <p:cNvPr id="47" name="Gerade Verbindung mit Pfeil 46">
+            <a:extLst>
+              <a:ext uri="{FF2B5EF4-FFF2-40B4-BE49-F238E27FC236}">
+                <a16:creationId xmlns:a16="http://schemas.microsoft.com/office/drawing/2014/main" id="{4F073551-05A0-6DAE-8555-7EB8971655C7}"/>
+              </a:ext>
+            </a:extLst>
+          </p:cNvPr>
+          <p:cNvCxnSpPr>
+            <a:cxnSpLocks/>
+            <a:stCxn id="20" idx="3"/>
+            <a:endCxn id="22" idx="1"/>
+          </p:cNvCxnSpPr>
+          <p:nvPr/>
+        </p:nvCxnSpPr>
+        <p:spPr>
+          <a:xfrm>
+            <a:off x="8898717" y="5633444"/>
+            <a:ext cx="461864" cy="0"/>
+          </a:xfrm>
+          <a:prstGeom prst="straightConnector1">
+            <a:avLst/>
+          </a:prstGeom>
+          <a:ln>
+            <a:tailEnd type="triangle"/>
+          </a:ln>
+        </p:spPr>
+        <p:style>
+          <a:lnRef idx="2">
+            <a:schemeClr val="accent1"/>
+          </a:lnRef>
+          <a:fillRef idx="0">
+            <a:schemeClr val="accent1"/>
+          </a:fillRef>
+          <a:effectRef idx="1">
+            <a:schemeClr val="accent1"/>
+          </a:effectRef>
+          <a:fontRef idx="minor">
+            <a:schemeClr val="tx1"/>
+          </a:fontRef>
+        </p:style>
+      </p:cxnSp>
+      <p:cxnSp>
+        <p:nvCxnSpPr>
+          <p:cNvPr id="48" name="Gerade Verbindung mit Pfeil 47">
+            <a:extLst>
+              <a:ext uri="{FF2B5EF4-FFF2-40B4-BE49-F238E27FC236}">
+                <a16:creationId xmlns:a16="http://schemas.microsoft.com/office/drawing/2014/main" id="{6777B593-A776-4619-C371-7A5AABA82858}"/>
+              </a:ext>
+            </a:extLst>
+          </p:cNvPr>
+          <p:cNvCxnSpPr>
+            <a:stCxn id="22" idx="3"/>
+            <a:endCxn id="23" idx="1"/>
+          </p:cNvCxnSpPr>
+          <p:nvPr/>
+        </p:nvCxnSpPr>
+        <p:spPr>
+          <a:xfrm>
+            <a:off x="9523419" y="5633444"/>
+            <a:ext cx="149513" cy="0"/>
+          </a:xfrm>
+          <a:prstGeom prst="straightConnector1">
+            <a:avLst/>
+          </a:prstGeom>
+          <a:ln>
+            <a:tailEnd type="triangle"/>
+          </a:ln>
+        </p:spPr>
+        <p:style>
+          <a:lnRef idx="2">
+            <a:schemeClr val="accent1"/>
+          </a:lnRef>
+          <a:fillRef idx="0">
+            <a:schemeClr val="accent1"/>
+          </a:fillRef>
+          <a:effectRef idx="1">
+            <a:schemeClr val="accent1"/>
+          </a:effectRef>
+          <a:fontRef idx="minor">
+            <a:schemeClr val="tx1"/>
+          </a:fontRef>
+        </p:style>
+      </p:cxnSp>
+      <p:cxnSp>
+        <p:nvCxnSpPr>
+          <p:cNvPr id="49" name="Gerade Verbindung mit Pfeil 48">
+            <a:extLst>
+              <a:ext uri="{FF2B5EF4-FFF2-40B4-BE49-F238E27FC236}">
+                <a16:creationId xmlns:a16="http://schemas.microsoft.com/office/drawing/2014/main" id="{FA4F13F0-86B5-43E9-F896-1C15D2A5AEBA}"/>
+              </a:ext>
+            </a:extLst>
+          </p:cNvPr>
+          <p:cNvCxnSpPr>
+            <a:stCxn id="23" idx="3"/>
+            <a:endCxn id="24" idx="1"/>
+          </p:cNvCxnSpPr>
+          <p:nvPr/>
+        </p:nvCxnSpPr>
+        <p:spPr>
+          <a:xfrm>
+            <a:off x="9835770" y="5633444"/>
+            <a:ext cx="149513" cy="0"/>
+          </a:xfrm>
+          <a:prstGeom prst="straightConnector1">
+            <a:avLst/>
+          </a:prstGeom>
+          <a:ln>
+            <a:tailEnd type="triangle"/>
+          </a:ln>
+        </p:spPr>
+        <p:style>
+          <a:lnRef idx="2">
+            <a:schemeClr val="accent1"/>
+          </a:lnRef>
+          <a:fillRef idx="0">
+            <a:schemeClr val="accent1"/>
+          </a:fillRef>
+          <a:effectRef idx="1">
+            <a:schemeClr val="accent1"/>
+          </a:effectRef>
+          <a:fontRef idx="minor">
+            <a:schemeClr val="tx1"/>
+          </a:fontRef>
+        </p:style>
+      </p:cxnSp>
+      <p:cxnSp>
+        <p:nvCxnSpPr>
+          <p:cNvPr id="50" name="Gerade Verbindung mit Pfeil 49">
+            <a:extLst>
+              <a:ext uri="{FF2B5EF4-FFF2-40B4-BE49-F238E27FC236}">
+                <a16:creationId xmlns:a16="http://schemas.microsoft.com/office/drawing/2014/main" id="{83101AE0-2002-92B0-34C3-A7C86F1BF5A2}"/>
+              </a:ext>
+            </a:extLst>
+          </p:cNvPr>
+          <p:cNvCxnSpPr>
+            <a:stCxn id="24" idx="3"/>
+            <a:endCxn id="25" idx="1"/>
+          </p:cNvCxnSpPr>
+          <p:nvPr/>
+        </p:nvCxnSpPr>
+        <p:spPr>
+          <a:xfrm>
+            <a:off x="10148121" y="5633444"/>
+            <a:ext cx="149513" cy="0"/>
+          </a:xfrm>
+          <a:prstGeom prst="straightConnector1">
+            <a:avLst/>
+          </a:prstGeom>
+          <a:ln>
+            <a:tailEnd type="triangle"/>
+          </a:ln>
+        </p:spPr>
+        <p:style>
+          <a:lnRef idx="2">
+            <a:schemeClr val="accent1"/>
+          </a:lnRef>
+          <a:fillRef idx="0">
+            <a:schemeClr val="accent1"/>
+          </a:fillRef>
+          <a:effectRef idx="1">
+            <a:schemeClr val="accent1"/>
+          </a:effectRef>
+          <a:fontRef idx="minor">
+            <a:schemeClr val="tx1"/>
+          </a:fontRef>
+        </p:style>
+      </p:cxnSp>
+      <p:cxnSp>
+        <p:nvCxnSpPr>
+          <p:cNvPr id="51" name="Gerade Verbindung mit Pfeil 50">
+            <a:extLst>
+              <a:ext uri="{FF2B5EF4-FFF2-40B4-BE49-F238E27FC236}">
+                <a16:creationId xmlns:a16="http://schemas.microsoft.com/office/drawing/2014/main" id="{A1F07BB7-04CD-C0AB-BDD0-5FEE00F34ED0}"/>
+              </a:ext>
+            </a:extLst>
+          </p:cNvPr>
+          <p:cNvCxnSpPr>
+            <a:stCxn id="25" idx="3"/>
+            <a:endCxn id="26" idx="1"/>
+          </p:cNvCxnSpPr>
+          <p:nvPr/>
+        </p:nvCxnSpPr>
+        <p:spPr>
+          <a:xfrm>
+            <a:off x="10460472" y="5633444"/>
+            <a:ext cx="149513" cy="0"/>
+          </a:xfrm>
+          <a:prstGeom prst="straightConnector1">
+            <a:avLst/>
+          </a:prstGeom>
+          <a:ln>
+            <a:tailEnd type="triangle"/>
+          </a:ln>
+        </p:spPr>
+        <p:style>
+          <a:lnRef idx="2">
+            <a:schemeClr val="accent1"/>
+          </a:lnRef>
+          <a:fillRef idx="0">
+            <a:schemeClr val="accent1"/>
+          </a:fillRef>
+          <a:effectRef idx="1">
+            <a:schemeClr val="accent1"/>
+          </a:effectRef>
+          <a:fontRef idx="minor">
+            <a:schemeClr val="tx1"/>
+          </a:fontRef>
+        </p:style>
+      </p:cxnSp>
+      <p:cxnSp>
+        <p:nvCxnSpPr>
+          <p:cNvPr id="52" name="Gerade Verbindung mit Pfeil 51">
+            <a:extLst>
+              <a:ext uri="{FF2B5EF4-FFF2-40B4-BE49-F238E27FC236}">
+                <a16:creationId xmlns:a16="http://schemas.microsoft.com/office/drawing/2014/main" id="{C5E3C4C8-4374-EC0B-5173-197083C199F2}"/>
+              </a:ext>
+            </a:extLst>
+          </p:cNvPr>
+          <p:cNvCxnSpPr>
+            <a:stCxn id="26" idx="3"/>
+            <a:endCxn id="30" idx="1"/>
+          </p:cNvCxnSpPr>
+          <p:nvPr/>
+        </p:nvCxnSpPr>
+        <p:spPr>
+          <a:xfrm>
+            <a:off x="10772823" y="5633444"/>
+            <a:ext cx="149513" cy="0"/>
+          </a:xfrm>
+          <a:prstGeom prst="straightConnector1">
+            <a:avLst/>
+          </a:prstGeom>
+          <a:ln>
+            <a:tailEnd type="triangle"/>
+          </a:ln>
+        </p:spPr>
+        <p:style>
+          <a:lnRef idx="2">
+            <a:schemeClr val="accent1"/>
+          </a:lnRef>
+          <a:fillRef idx="0">
+            <a:schemeClr val="accent1"/>
+          </a:fillRef>
+          <a:effectRef idx="1">
+            <a:schemeClr val="accent1"/>
+          </a:effectRef>
+          <a:fontRef idx="minor">
+            <a:schemeClr val="tx1"/>
+          </a:fontRef>
+        </p:style>
+      </p:cxnSp>
+      <p:cxnSp>
+        <p:nvCxnSpPr>
+          <p:cNvPr id="53" name="Gerade Verbindung mit Pfeil 52">
+            <a:extLst>
+              <a:ext uri="{FF2B5EF4-FFF2-40B4-BE49-F238E27FC236}">
+                <a16:creationId xmlns:a16="http://schemas.microsoft.com/office/drawing/2014/main" id="{4E9A3A4A-A148-DF74-215A-9F2376083FD4}"/>
+              </a:ext>
+            </a:extLst>
+          </p:cNvPr>
+          <p:cNvCxnSpPr>
+            <a:stCxn id="30" idx="3"/>
+            <a:endCxn id="31" idx="1"/>
+          </p:cNvCxnSpPr>
+          <p:nvPr/>
+        </p:nvCxnSpPr>
+        <p:spPr>
+          <a:xfrm>
+            <a:off x="11085174" y="5633444"/>
+            <a:ext cx="149513" cy="0"/>
+          </a:xfrm>
+          <a:prstGeom prst="straightConnector1">
+            <a:avLst/>
+          </a:prstGeom>
+          <a:ln>
+            <a:tailEnd type="triangle"/>
+          </a:ln>
+        </p:spPr>
+        <p:style>
+          <a:lnRef idx="2">
+            <a:schemeClr val="accent1"/>
+          </a:lnRef>
+          <a:fillRef idx="0">
+            <a:schemeClr val="accent1"/>
+          </a:fillRef>
+          <a:effectRef idx="1">
+            <a:schemeClr val="accent1"/>
+          </a:effectRef>
+          <a:fontRef idx="minor">
+            <a:schemeClr val="tx1"/>
+          </a:fontRef>
+        </p:style>
+      </p:cxnSp>
+      <p:cxnSp>
+        <p:nvCxnSpPr>
+          <p:cNvPr id="54" name="Gerade Verbindung mit Pfeil 53">
+            <a:extLst>
+              <a:ext uri="{FF2B5EF4-FFF2-40B4-BE49-F238E27FC236}">
+                <a16:creationId xmlns:a16="http://schemas.microsoft.com/office/drawing/2014/main" id="{011C24E3-81EC-6FB5-2C3A-726E38ED4D21}"/>
+              </a:ext>
+            </a:extLst>
+          </p:cNvPr>
+          <p:cNvCxnSpPr>
+            <a:stCxn id="31" idx="3"/>
+            <a:endCxn id="32" idx="1"/>
+          </p:cNvCxnSpPr>
+          <p:nvPr/>
+        </p:nvCxnSpPr>
+        <p:spPr>
+          <a:xfrm>
+            <a:off x="11397525" y="5633444"/>
+            <a:ext cx="149518" cy="0"/>
+          </a:xfrm>
+          <a:prstGeom prst="straightConnector1">
+            <a:avLst/>
+          </a:prstGeom>
+          <a:ln>
+            <a:tailEnd type="triangle"/>
+          </a:ln>
+        </p:spPr>
+        <p:style>
+          <a:lnRef idx="2">
+            <a:schemeClr val="accent1"/>
+          </a:lnRef>
+          <a:fillRef idx="0">
+            <a:schemeClr val="accent1"/>
+          </a:fillRef>
+          <a:effectRef idx="1">
+            <a:schemeClr val="accent1"/>
+          </a:effectRef>
+          <a:fontRef idx="minor">
+            <a:schemeClr val="tx1"/>
+          </a:fontRef>
+        </p:style>
+      </p:cxnSp>
+      <p:cxnSp>
+        <p:nvCxnSpPr>
+          <p:cNvPr id="55" name="Gerade Verbindung mit Pfeil 54">
+            <a:extLst>
+              <a:ext uri="{FF2B5EF4-FFF2-40B4-BE49-F238E27FC236}">
+                <a16:creationId xmlns:a16="http://schemas.microsoft.com/office/drawing/2014/main" id="{E14253B2-0F7F-E4E8-FAD1-9E919BE5597E}"/>
+              </a:ext>
+            </a:extLst>
+          </p:cNvPr>
+          <p:cNvCxnSpPr>
+            <a:stCxn id="32" idx="3"/>
+          </p:cNvCxnSpPr>
+          <p:nvPr/>
+        </p:nvCxnSpPr>
+        <p:spPr>
+          <a:xfrm>
+            <a:off x="11709881" y="5633444"/>
+            <a:ext cx="723785" cy="0"/>
+          </a:xfrm>
+          <a:prstGeom prst="straightConnector1">
+            <a:avLst/>
+          </a:prstGeom>
+          <a:ln>
+            <a:tailEnd type="triangle"/>
+          </a:ln>
+        </p:spPr>
+        <p:style>
+          <a:lnRef idx="2">
+            <a:schemeClr val="accent1"/>
+          </a:lnRef>
+          <a:fillRef idx="0">
+            <a:schemeClr val="accent1"/>
+          </a:fillRef>
+          <a:effectRef idx="1">
+            <a:schemeClr val="accent1"/>
+          </a:effectRef>
+          <a:fontRef idx="minor">
+            <a:schemeClr val="tx1"/>
+          </a:fontRef>
+        </p:style>
+      </p:cxnSp>
+      <p:sp>
+        <p:nvSpPr>
+          <p:cNvPr id="79" name="Abgerundetes Rechteck 78">
+            <a:extLst>
+              <a:ext uri="{FF2B5EF4-FFF2-40B4-BE49-F238E27FC236}">
+                <a16:creationId xmlns:a16="http://schemas.microsoft.com/office/drawing/2014/main" id="{55DDB64F-F656-3672-AA1A-0D3A394ADD4B}"/>
+              </a:ext>
+            </a:extLst>
+          </p:cNvPr>
+          <p:cNvSpPr/>
+          <p:nvPr/>
+        </p:nvSpPr>
+        <p:spPr>
+          <a:xfrm>
+            <a:off x="2636523" y="8213235"/>
+            <a:ext cx="9622972" cy="1723264"/>
+          </a:xfrm>
+          <a:prstGeom prst="roundRect">
+            <a:avLst/>
+          </a:prstGeom>
+          <a:solidFill>
+            <a:schemeClr val="bg2"/>
+          </a:solidFill>
+        </p:spPr>
+        <p:style>
+          <a:lnRef idx="2">
+            <a:schemeClr val="accent1">
+              <a:shade val="15000"/>
+            </a:schemeClr>
+          </a:lnRef>
+          <a:fillRef idx="1">
+            <a:schemeClr val="accent1"/>
+          </a:fillRef>
+          <a:effectRef idx="0">
+            <a:schemeClr val="accent1"/>
+          </a:effectRef>
+          <a:fontRef idx="minor">
+            <a:schemeClr val="lt1"/>
+          </a:fontRef>
+        </p:style>
+        <p:txBody>
+          <a:bodyPr rtlCol="0" anchor="ctr"/>
+          <a:lstStyle/>
+          <a:p>
+            <a:pPr algn="ctr"/>
+            <a:endParaRPr lang="en-GB"/>
+          </a:p>
+        </p:txBody>
+      </p:sp>
+      <p:sp>
+        <p:nvSpPr>
+          <p:cNvPr id="80" name="Rechteck 79">
+            <a:extLst>
+              <a:ext uri="{FF2B5EF4-FFF2-40B4-BE49-F238E27FC236}">
+                <a16:creationId xmlns:a16="http://schemas.microsoft.com/office/drawing/2014/main" id="{44FC12BD-0D87-CFE7-4464-7D5E5AF2F188}"/>
+              </a:ext>
+            </a:extLst>
+          </p:cNvPr>
+          <p:cNvSpPr/>
+          <p:nvPr/>
+        </p:nvSpPr>
+        <p:spPr>
+          <a:xfrm>
+            <a:off x="4050614" y="8545801"/>
+            <a:ext cx="162838" cy="977030"/>
+          </a:xfrm>
+          <a:prstGeom prst="rect">
+            <a:avLst/>
+          </a:prstGeom>
+          <a:solidFill>
+            <a:schemeClr val="bg2">
+              <a:lumMod val="90000"/>
+            </a:schemeClr>
+          </a:solidFill>
+          <a:ln>
+            <a:solidFill>
+              <a:schemeClr val="bg2">
+                <a:lumMod val="50000"/>
+              </a:schemeClr>
+            </a:solidFill>
+          </a:ln>
+        </p:spPr>
+        <p:style>
+          <a:lnRef idx="2">
+            <a:schemeClr val="accent1">
+              <a:shade val="15000"/>
+            </a:schemeClr>
+          </a:lnRef>
+          <a:fillRef idx="1">
+            <a:schemeClr val="accent1"/>
+          </a:fillRef>
+          <a:effectRef idx="0">
+            <a:schemeClr val="accent1"/>
+          </a:effectRef>
+          <a:fontRef idx="minor">
+            <a:schemeClr val="lt1"/>
+          </a:fontRef>
+        </p:style>
+        <p:txBody>
+          <a:bodyPr rtlCol="0" anchor="ctr"/>
+          <a:lstStyle/>
+          <a:p>
+            <a:pPr algn="ctr"/>
+            <a:r>
+              <a:rPr lang="en-GB" dirty="0">
+                <a:solidFill>
+                  <a:schemeClr val="tx1"/>
+                </a:solidFill>
+              </a:rPr>
+              <a:t>4</a:t>
+            </a:r>
+          </a:p>
+        </p:txBody>
+      </p:sp>
+      <p:sp>
+        <p:nvSpPr>
+          <p:cNvPr id="81" name="Rechteck 80">
+            <a:extLst>
+              <a:ext uri="{FF2B5EF4-FFF2-40B4-BE49-F238E27FC236}">
+                <a16:creationId xmlns:a16="http://schemas.microsoft.com/office/drawing/2014/main" id="{F41C02B4-79A6-5139-F7EE-32E6A83C6B70}"/>
+              </a:ext>
+            </a:extLst>
+          </p:cNvPr>
+          <p:cNvSpPr/>
+          <p:nvPr/>
+        </p:nvSpPr>
+        <p:spPr>
+          <a:xfrm>
+            <a:off x="4362965" y="8545801"/>
+            <a:ext cx="162838" cy="977030"/>
+          </a:xfrm>
+          <a:prstGeom prst="rect">
+            <a:avLst/>
+          </a:prstGeom>
+          <a:solidFill>
+            <a:schemeClr val="bg2">
+              <a:lumMod val="90000"/>
+            </a:schemeClr>
+          </a:solidFill>
+          <a:ln>
+            <a:solidFill>
+              <a:schemeClr val="bg2">
+                <a:lumMod val="50000"/>
+              </a:schemeClr>
+            </a:solidFill>
+          </a:ln>
+        </p:spPr>
+        <p:style>
+          <a:lnRef idx="2">
+            <a:schemeClr val="accent1">
+              <a:shade val="15000"/>
+            </a:schemeClr>
+          </a:lnRef>
+          <a:fillRef idx="1">
+            <a:schemeClr val="accent1"/>
+          </a:fillRef>
+          <a:effectRef idx="0">
+            <a:schemeClr val="accent1"/>
+          </a:effectRef>
+          <a:fontRef idx="minor">
+            <a:schemeClr val="lt1"/>
+          </a:fontRef>
+        </p:style>
+        <p:txBody>
+          <a:bodyPr rtlCol="0" anchor="ctr"/>
+          <a:lstStyle/>
+          <a:p>
+            <a:pPr algn="ctr"/>
+            <a:r>
+              <a:rPr lang="en-GB" dirty="0">
+                <a:solidFill>
+                  <a:schemeClr val="tx1"/>
+                </a:solidFill>
+              </a:rPr>
+              <a:t>5</a:t>
+            </a:r>
+          </a:p>
+        </p:txBody>
+      </p:sp>
+      <p:sp>
+        <p:nvSpPr>
+          <p:cNvPr id="82" name="Rechteck 81">
+            <a:extLst>
+              <a:ext uri="{FF2B5EF4-FFF2-40B4-BE49-F238E27FC236}">
+                <a16:creationId xmlns:a16="http://schemas.microsoft.com/office/drawing/2014/main" id="{91AB220E-CF76-A208-6F4B-0CF9826187E8}"/>
+              </a:ext>
+            </a:extLst>
+          </p:cNvPr>
+          <p:cNvSpPr/>
+          <p:nvPr/>
+        </p:nvSpPr>
+        <p:spPr>
+          <a:xfrm>
+            <a:off x="4675316" y="8545801"/>
+            <a:ext cx="162838" cy="977030"/>
+          </a:xfrm>
+          <a:prstGeom prst="rect">
+            <a:avLst/>
+          </a:prstGeom>
+          <a:solidFill>
+            <a:schemeClr val="bg2">
+              <a:lumMod val="90000"/>
+            </a:schemeClr>
+          </a:solidFill>
+          <a:ln>
+            <a:solidFill>
+              <a:schemeClr val="bg2">
+                <a:lumMod val="50000"/>
+              </a:schemeClr>
+            </a:solidFill>
+          </a:ln>
+        </p:spPr>
+        <p:style>
+          <a:lnRef idx="2">
+            <a:schemeClr val="accent1">
+              <a:shade val="15000"/>
+            </a:schemeClr>
+          </a:lnRef>
+          <a:fillRef idx="1">
+            <a:schemeClr val="accent1"/>
+          </a:fillRef>
+          <a:effectRef idx="0">
+            <a:schemeClr val="accent1"/>
+          </a:effectRef>
+          <a:fontRef idx="minor">
+            <a:schemeClr val="lt1"/>
+          </a:fontRef>
+        </p:style>
+        <p:txBody>
+          <a:bodyPr rtlCol="0" anchor="ctr"/>
+          <a:lstStyle/>
+          <a:p>
+            <a:pPr algn="ctr"/>
+            <a:r>
+              <a:rPr lang="en-GB" dirty="0">
+                <a:solidFill>
+                  <a:schemeClr val="tx1"/>
+                </a:solidFill>
+              </a:rPr>
+              <a:t>6</a:t>
+            </a:r>
+          </a:p>
+        </p:txBody>
+      </p:sp>
+      <p:sp>
+        <p:nvSpPr>
+          <p:cNvPr id="83" name="Rechteck 82">
+            <a:extLst>
+              <a:ext uri="{FF2B5EF4-FFF2-40B4-BE49-F238E27FC236}">
+                <a16:creationId xmlns:a16="http://schemas.microsoft.com/office/drawing/2014/main" id="{D7C429A1-86F2-572C-305A-F4C6084598BD}"/>
+              </a:ext>
+            </a:extLst>
+          </p:cNvPr>
+          <p:cNvSpPr/>
+          <p:nvPr/>
+        </p:nvSpPr>
+        <p:spPr>
+          <a:xfrm>
+            <a:off x="4987667" y="8545801"/>
+            <a:ext cx="162838" cy="977030"/>
+          </a:xfrm>
+          <a:prstGeom prst="rect">
+            <a:avLst/>
+          </a:prstGeom>
+          <a:solidFill>
+            <a:schemeClr val="bg2">
+              <a:lumMod val="90000"/>
+            </a:schemeClr>
+          </a:solidFill>
+          <a:ln>
+            <a:solidFill>
+              <a:schemeClr val="bg2">
+                <a:lumMod val="50000"/>
+              </a:schemeClr>
+            </a:solidFill>
+          </a:ln>
+        </p:spPr>
+        <p:style>
+          <a:lnRef idx="2">
+            <a:schemeClr val="accent1">
+              <a:shade val="15000"/>
+            </a:schemeClr>
+          </a:lnRef>
+          <a:fillRef idx="1">
+            <a:schemeClr val="accent1"/>
+          </a:fillRef>
+          <a:effectRef idx="0">
+            <a:schemeClr val="accent1"/>
+          </a:effectRef>
+          <a:fontRef idx="minor">
+            <a:schemeClr val="lt1"/>
+          </a:fontRef>
+        </p:style>
+        <p:txBody>
+          <a:bodyPr rtlCol="0" anchor="ctr"/>
+          <a:lstStyle/>
+          <a:p>
+            <a:pPr algn="ctr"/>
+            <a:r>
+              <a:rPr lang="en-GB" dirty="0">
+                <a:solidFill>
+                  <a:schemeClr val="tx1"/>
+                </a:solidFill>
+              </a:rPr>
+              <a:t>7</a:t>
+            </a:r>
+          </a:p>
+        </p:txBody>
+      </p:sp>
+      <p:sp>
+        <p:nvSpPr>
+          <p:cNvPr id="84" name="Rechteck 83">
+            <a:extLst>
+              <a:ext uri="{FF2B5EF4-FFF2-40B4-BE49-F238E27FC236}">
+                <a16:creationId xmlns:a16="http://schemas.microsoft.com/office/drawing/2014/main" id="{6A6AD0BA-BD10-5E1D-71DB-D43A16C67975}"/>
+              </a:ext>
+            </a:extLst>
+          </p:cNvPr>
+          <p:cNvSpPr/>
+          <p:nvPr/>
+        </p:nvSpPr>
+        <p:spPr>
+          <a:xfrm>
+            <a:off x="5300018" y="8545801"/>
+            <a:ext cx="162838" cy="977030"/>
+          </a:xfrm>
+          <a:prstGeom prst="rect">
+            <a:avLst/>
+          </a:prstGeom>
+          <a:solidFill>
+            <a:schemeClr val="accent2">
+              <a:lumMod val="20000"/>
+              <a:lumOff val="80000"/>
+            </a:schemeClr>
+          </a:solidFill>
+          <a:ln>
+            <a:solidFill>
+              <a:schemeClr val="accent2">
+                <a:alpha val="69000"/>
+              </a:schemeClr>
+            </a:solidFill>
+          </a:ln>
+        </p:spPr>
+        <p:style>
+          <a:lnRef idx="2">
+            <a:schemeClr val="accent1">
+              <a:shade val="15000"/>
+            </a:schemeClr>
+          </a:lnRef>
+          <a:fillRef idx="1">
+            <a:schemeClr val="accent1"/>
+          </a:fillRef>
+          <a:effectRef idx="0">
+            <a:schemeClr val="accent1"/>
+          </a:effectRef>
+          <a:fontRef idx="minor">
+            <a:schemeClr val="lt1"/>
+          </a:fontRef>
+        </p:style>
+        <p:txBody>
+          <a:bodyPr rtlCol="0" anchor="ctr"/>
+          <a:lstStyle/>
+          <a:p>
+            <a:pPr algn="ctr"/>
+            <a:r>
+              <a:rPr lang="en-GB" dirty="0">
+                <a:solidFill>
+                  <a:schemeClr val="tx1">
+                    <a:alpha val="20000"/>
+                  </a:schemeClr>
+                </a:solidFill>
+              </a:rPr>
+              <a:t>8</a:t>
+            </a:r>
+          </a:p>
+        </p:txBody>
+      </p:sp>
+      <p:sp>
+        <p:nvSpPr>
+          <p:cNvPr id="85" name="Rechteck 84">
+            <a:extLst>
+              <a:ext uri="{FF2B5EF4-FFF2-40B4-BE49-F238E27FC236}">
+                <a16:creationId xmlns:a16="http://schemas.microsoft.com/office/drawing/2014/main" id="{F1BDE2D4-39E1-ECFC-4406-F812337B72B7}"/>
+              </a:ext>
+            </a:extLst>
+          </p:cNvPr>
+          <p:cNvSpPr/>
+          <p:nvPr/>
+        </p:nvSpPr>
+        <p:spPr>
+          <a:xfrm>
+            <a:off x="5612369" y="8545801"/>
+            <a:ext cx="162838" cy="977030"/>
+          </a:xfrm>
+          <a:prstGeom prst="rect">
+            <a:avLst/>
+          </a:prstGeom>
+          <a:solidFill>
+            <a:schemeClr val="bg2">
+              <a:lumMod val="90000"/>
+            </a:schemeClr>
+          </a:solidFill>
+          <a:ln>
+            <a:solidFill>
+              <a:schemeClr val="bg2">
+                <a:lumMod val="50000"/>
+              </a:schemeClr>
+            </a:solidFill>
+          </a:ln>
+        </p:spPr>
+        <p:style>
+          <a:lnRef idx="2">
+            <a:schemeClr val="accent1">
+              <a:shade val="15000"/>
+            </a:schemeClr>
+          </a:lnRef>
+          <a:fillRef idx="1">
+            <a:schemeClr val="accent1"/>
+          </a:fillRef>
+          <a:effectRef idx="0">
+            <a:schemeClr val="accent1"/>
+          </a:effectRef>
+          <a:fontRef idx="minor">
+            <a:schemeClr val="lt1"/>
+          </a:fontRef>
+        </p:style>
+        <p:txBody>
+          <a:bodyPr rtlCol="0" anchor="ctr"/>
+          <a:lstStyle/>
+          <a:p>
+            <a:pPr algn="ctr"/>
+            <a:r>
+              <a:rPr lang="en-GB" dirty="0">
+                <a:solidFill>
+                  <a:schemeClr val="tx1"/>
+                </a:solidFill>
+              </a:rPr>
+              <a:t>9</a:t>
+            </a:r>
+          </a:p>
+        </p:txBody>
+      </p:sp>
+      <p:sp>
+        <p:nvSpPr>
+          <p:cNvPr id="86" name="Rechteck 85">
+            <a:extLst>
+              <a:ext uri="{FF2B5EF4-FFF2-40B4-BE49-F238E27FC236}">
+                <a16:creationId xmlns:a16="http://schemas.microsoft.com/office/drawing/2014/main" id="{E6C6745B-5302-76DC-1C21-CF2DEBE2924E}"/>
+              </a:ext>
+            </a:extLst>
+          </p:cNvPr>
+          <p:cNvSpPr/>
+          <p:nvPr/>
+        </p:nvSpPr>
+        <p:spPr>
+          <a:xfrm>
+            <a:off x="5924720" y="8545801"/>
+            <a:ext cx="162838" cy="977030"/>
+          </a:xfrm>
+          <a:prstGeom prst="rect">
+            <a:avLst/>
+          </a:prstGeom>
+          <a:solidFill>
+            <a:schemeClr val="bg2">
+              <a:lumMod val="90000"/>
+            </a:schemeClr>
+          </a:solidFill>
+          <a:ln>
+            <a:solidFill>
+              <a:schemeClr val="bg2">
+                <a:lumMod val="50000"/>
+              </a:schemeClr>
+            </a:solidFill>
+          </a:ln>
+        </p:spPr>
+        <p:style>
+          <a:lnRef idx="2">
+            <a:schemeClr val="accent1">
+              <a:shade val="15000"/>
+            </a:schemeClr>
+          </a:lnRef>
+          <a:fillRef idx="1">
+            <a:schemeClr val="accent1"/>
+          </a:fillRef>
+          <a:effectRef idx="0">
+            <a:schemeClr val="accent1"/>
+          </a:effectRef>
+          <a:fontRef idx="minor">
+            <a:schemeClr val="lt1"/>
+          </a:fontRef>
+        </p:style>
+        <p:txBody>
+          <a:bodyPr rtlCol="0" anchor="ctr"/>
+          <a:lstStyle/>
+          <a:p>
+            <a:pPr algn="ctr"/>
+            <a:r>
+              <a:rPr lang="en-GB" dirty="0">
+                <a:solidFill>
+                  <a:schemeClr val="tx1"/>
+                </a:solidFill>
+              </a:rPr>
+              <a:t>10</a:t>
+            </a:r>
+          </a:p>
+        </p:txBody>
+      </p:sp>
+      <p:sp>
+        <p:nvSpPr>
+          <p:cNvPr id="87" name="Rechteck 86">
+            <a:extLst>
+              <a:ext uri="{FF2B5EF4-FFF2-40B4-BE49-F238E27FC236}">
+                <a16:creationId xmlns:a16="http://schemas.microsoft.com/office/drawing/2014/main" id="{832545B4-8D4B-A22A-BD61-71CAFC157426}"/>
+              </a:ext>
+            </a:extLst>
+          </p:cNvPr>
+          <p:cNvSpPr/>
+          <p:nvPr/>
+        </p:nvSpPr>
+        <p:spPr>
+          <a:xfrm>
+            <a:off x="6237071" y="8545801"/>
+            <a:ext cx="162838" cy="977030"/>
+          </a:xfrm>
+          <a:prstGeom prst="rect">
+            <a:avLst/>
+          </a:prstGeom>
+          <a:solidFill>
+            <a:schemeClr val="accent2">
+              <a:lumMod val="20000"/>
+              <a:lumOff val="80000"/>
+            </a:schemeClr>
+          </a:solidFill>
+          <a:ln>
+            <a:solidFill>
+              <a:schemeClr val="accent2">
+                <a:alpha val="69000"/>
+              </a:schemeClr>
+            </a:solidFill>
+          </a:ln>
+        </p:spPr>
+        <p:style>
+          <a:lnRef idx="2">
+            <a:schemeClr val="accent1">
+              <a:shade val="15000"/>
+            </a:schemeClr>
+          </a:lnRef>
+          <a:fillRef idx="1">
+            <a:schemeClr val="accent1"/>
+          </a:fillRef>
+          <a:effectRef idx="0">
+            <a:schemeClr val="accent1"/>
+          </a:effectRef>
+          <a:fontRef idx="minor">
+            <a:schemeClr val="lt1"/>
+          </a:fontRef>
+        </p:style>
+        <p:txBody>
+          <a:bodyPr rtlCol="0" anchor="ctr"/>
+          <a:lstStyle/>
+          <a:p>
+            <a:pPr algn="ctr"/>
+            <a:r>
+              <a:rPr lang="en-GB" dirty="0">
+                <a:solidFill>
+                  <a:schemeClr val="tx1">
+                    <a:alpha val="19000"/>
+                  </a:schemeClr>
+                </a:solidFill>
+              </a:rPr>
+              <a:t>11</a:t>
+            </a:r>
+          </a:p>
+        </p:txBody>
+      </p:sp>
+      <p:sp>
+        <p:nvSpPr>
+          <p:cNvPr id="88" name="Rechteck 87">
+            <a:extLst>
+              <a:ext uri="{FF2B5EF4-FFF2-40B4-BE49-F238E27FC236}">
+                <a16:creationId xmlns:a16="http://schemas.microsoft.com/office/drawing/2014/main" id="{4A64887C-53AD-DF81-E704-80882DB4CA39}"/>
+              </a:ext>
+            </a:extLst>
+          </p:cNvPr>
+          <p:cNvSpPr/>
+          <p:nvPr/>
+        </p:nvSpPr>
+        <p:spPr>
+          <a:xfrm>
+            <a:off x="6549422" y="8545801"/>
+            <a:ext cx="162838" cy="977030"/>
+          </a:xfrm>
+          <a:prstGeom prst="rect">
+            <a:avLst/>
+          </a:prstGeom>
+          <a:solidFill>
+            <a:schemeClr val="bg2">
+              <a:lumMod val="90000"/>
+            </a:schemeClr>
+          </a:solidFill>
+          <a:ln>
+            <a:solidFill>
+              <a:schemeClr val="bg2">
+                <a:lumMod val="50000"/>
+              </a:schemeClr>
+            </a:solidFill>
+          </a:ln>
+        </p:spPr>
+        <p:style>
+          <a:lnRef idx="2">
+            <a:schemeClr val="accent1">
+              <a:shade val="15000"/>
+            </a:schemeClr>
+          </a:lnRef>
+          <a:fillRef idx="1">
+            <a:schemeClr val="accent1"/>
+          </a:fillRef>
+          <a:effectRef idx="0">
+            <a:schemeClr val="accent1"/>
+          </a:effectRef>
+          <a:fontRef idx="minor">
+            <a:schemeClr val="lt1"/>
+          </a:fontRef>
+        </p:style>
+        <p:txBody>
+          <a:bodyPr rtlCol="0" anchor="ctr"/>
+          <a:lstStyle/>
+          <a:p>
+            <a:pPr algn="ctr"/>
+            <a:r>
+              <a:rPr lang="en-GB" dirty="0">
+                <a:solidFill>
+                  <a:schemeClr val="tx1"/>
+                </a:solidFill>
+              </a:rPr>
+              <a:t>12</a:t>
+            </a:r>
+          </a:p>
+        </p:txBody>
+      </p:sp>
+      <p:sp>
+        <p:nvSpPr>
+          <p:cNvPr id="89" name="Rechteck 88">
+            <a:extLst>
+              <a:ext uri="{FF2B5EF4-FFF2-40B4-BE49-F238E27FC236}">
+                <a16:creationId xmlns:a16="http://schemas.microsoft.com/office/drawing/2014/main" id="{2338472E-1F63-59B3-7A30-5DBE4801D077}"/>
+              </a:ext>
+            </a:extLst>
+          </p:cNvPr>
+          <p:cNvSpPr/>
+          <p:nvPr/>
+        </p:nvSpPr>
+        <p:spPr>
+          <a:xfrm>
+            <a:off x="6861773" y="8545801"/>
+            <a:ext cx="162838" cy="977030"/>
+          </a:xfrm>
+          <a:prstGeom prst="rect">
+            <a:avLst/>
+          </a:prstGeom>
+          <a:solidFill>
+            <a:schemeClr val="bg2">
+              <a:lumMod val="90000"/>
+            </a:schemeClr>
+          </a:solidFill>
+          <a:ln>
+            <a:solidFill>
+              <a:schemeClr val="bg2">
+                <a:lumMod val="50000"/>
+              </a:schemeClr>
+            </a:solidFill>
+          </a:ln>
+        </p:spPr>
+        <p:style>
+          <a:lnRef idx="2">
+            <a:schemeClr val="accent1">
+              <a:shade val="15000"/>
+            </a:schemeClr>
+          </a:lnRef>
+          <a:fillRef idx="1">
+            <a:schemeClr val="accent1"/>
+          </a:fillRef>
+          <a:effectRef idx="0">
+            <a:schemeClr val="accent1"/>
+          </a:effectRef>
+          <a:fontRef idx="minor">
+            <a:schemeClr val="lt1"/>
+          </a:fontRef>
+        </p:style>
+        <p:txBody>
+          <a:bodyPr rtlCol="0" anchor="ctr"/>
+          <a:lstStyle/>
+          <a:p>
+            <a:pPr algn="ctr"/>
+            <a:r>
+              <a:rPr lang="en-GB" dirty="0">
+                <a:solidFill>
+                  <a:schemeClr val="tx1"/>
+                </a:solidFill>
+              </a:rPr>
+              <a:t>13</a:t>
+            </a:r>
+          </a:p>
+        </p:txBody>
+      </p:sp>
+      <p:sp>
+        <p:nvSpPr>
+          <p:cNvPr id="90" name="Rechteck 89">
+            <a:extLst>
+              <a:ext uri="{FF2B5EF4-FFF2-40B4-BE49-F238E27FC236}">
+                <a16:creationId xmlns:a16="http://schemas.microsoft.com/office/drawing/2014/main" id="{CCF0F876-0FFC-37DB-9E2A-6FFA4E82972D}"/>
+              </a:ext>
+            </a:extLst>
+          </p:cNvPr>
+          <p:cNvSpPr/>
+          <p:nvPr/>
+        </p:nvSpPr>
+        <p:spPr>
+          <a:xfrm>
+            <a:off x="7174124" y="8545801"/>
+            <a:ext cx="162838" cy="977030"/>
+          </a:xfrm>
+          <a:prstGeom prst="rect">
+            <a:avLst/>
+          </a:prstGeom>
+          <a:solidFill>
+            <a:schemeClr val="bg2">
+              <a:lumMod val="90000"/>
+            </a:schemeClr>
+          </a:solidFill>
+          <a:ln>
+            <a:solidFill>
+              <a:schemeClr val="bg2">
+                <a:lumMod val="50000"/>
+              </a:schemeClr>
+            </a:solidFill>
+          </a:ln>
+        </p:spPr>
+        <p:style>
+          <a:lnRef idx="2">
+            <a:schemeClr val="accent1">
+              <a:shade val="15000"/>
+            </a:schemeClr>
+          </a:lnRef>
+          <a:fillRef idx="1">
+            <a:schemeClr val="accent1"/>
+          </a:fillRef>
+          <a:effectRef idx="0">
+            <a:schemeClr val="accent1"/>
+          </a:effectRef>
+          <a:fontRef idx="minor">
+            <a:schemeClr val="lt1"/>
+          </a:fontRef>
+        </p:style>
+        <p:txBody>
+          <a:bodyPr rtlCol="0" anchor="ctr"/>
+          <a:lstStyle/>
+          <a:p>
+            <a:pPr algn="ctr"/>
+            <a:r>
+              <a:rPr lang="en-GB" dirty="0">
+                <a:solidFill>
+                  <a:schemeClr val="tx1"/>
+                </a:solidFill>
+              </a:rPr>
+              <a:t>14</a:t>
+            </a:r>
+          </a:p>
+        </p:txBody>
+      </p:sp>
+      <p:sp>
+        <p:nvSpPr>
+          <p:cNvPr id="91" name="Rechteck 90">
+            <a:extLst>
+              <a:ext uri="{FF2B5EF4-FFF2-40B4-BE49-F238E27FC236}">
+                <a16:creationId xmlns:a16="http://schemas.microsoft.com/office/drawing/2014/main" id="{91517F1E-EFE1-F405-17A3-57E39607CEEF}"/>
+              </a:ext>
+            </a:extLst>
+          </p:cNvPr>
+          <p:cNvSpPr/>
+          <p:nvPr/>
+        </p:nvSpPr>
+        <p:spPr>
+          <a:xfrm>
+            <a:off x="7486475" y="8545801"/>
+            <a:ext cx="162838" cy="977030"/>
+          </a:xfrm>
+          <a:prstGeom prst="rect">
+            <a:avLst/>
+          </a:prstGeom>
+          <a:solidFill>
+            <a:schemeClr val="accent2">
+              <a:lumMod val="20000"/>
+              <a:lumOff val="80000"/>
+            </a:schemeClr>
+          </a:solidFill>
+          <a:ln>
+            <a:solidFill>
+              <a:schemeClr val="accent2">
+                <a:alpha val="69000"/>
+              </a:schemeClr>
+            </a:solidFill>
+          </a:ln>
+        </p:spPr>
+        <p:style>
+          <a:lnRef idx="2">
+            <a:schemeClr val="accent1">
+              <a:shade val="15000"/>
+            </a:schemeClr>
+          </a:lnRef>
+          <a:fillRef idx="1">
+            <a:schemeClr val="accent1"/>
+          </a:fillRef>
+          <a:effectRef idx="0">
+            <a:schemeClr val="accent1"/>
+          </a:effectRef>
+          <a:fontRef idx="minor">
+            <a:schemeClr val="lt1"/>
+          </a:fontRef>
+        </p:style>
+        <p:txBody>
+          <a:bodyPr rtlCol="0" anchor="ctr"/>
+          <a:lstStyle/>
+          <a:p>
+            <a:pPr algn="ctr"/>
+            <a:r>
+              <a:rPr lang="en-GB" dirty="0">
+                <a:solidFill>
+                  <a:schemeClr val="tx1">
+                    <a:alpha val="20000"/>
+                  </a:schemeClr>
+                </a:solidFill>
+              </a:rPr>
+              <a:t>15</a:t>
+            </a:r>
+          </a:p>
+        </p:txBody>
+      </p:sp>
+      <p:sp>
+        <p:nvSpPr>
+          <p:cNvPr id="92" name="Rechteck 91">
+            <a:extLst>
+              <a:ext uri="{FF2B5EF4-FFF2-40B4-BE49-F238E27FC236}">
+                <a16:creationId xmlns:a16="http://schemas.microsoft.com/office/drawing/2014/main" id="{14EFA0C9-A9E5-F200-A14D-5E177FFA052D}"/>
+              </a:ext>
+            </a:extLst>
+          </p:cNvPr>
+          <p:cNvSpPr/>
+          <p:nvPr/>
+        </p:nvSpPr>
+        <p:spPr>
+          <a:xfrm>
+            <a:off x="7798826" y="8545801"/>
+            <a:ext cx="162838" cy="977030"/>
+          </a:xfrm>
+          <a:prstGeom prst="rect">
+            <a:avLst/>
+          </a:prstGeom>
+          <a:solidFill>
+            <a:schemeClr val="bg2">
+              <a:lumMod val="90000"/>
+            </a:schemeClr>
+          </a:solidFill>
+          <a:ln>
+            <a:solidFill>
+              <a:schemeClr val="bg2">
+                <a:lumMod val="50000"/>
+              </a:schemeClr>
+            </a:solidFill>
+          </a:ln>
+        </p:spPr>
+        <p:style>
+          <a:lnRef idx="2">
+            <a:schemeClr val="accent1">
+              <a:shade val="15000"/>
+            </a:schemeClr>
+          </a:lnRef>
+          <a:fillRef idx="1">
+            <a:schemeClr val="accent1"/>
+          </a:fillRef>
+          <a:effectRef idx="0">
+            <a:schemeClr val="accent1"/>
+          </a:effectRef>
+          <a:fontRef idx="minor">
+            <a:schemeClr val="lt1"/>
+          </a:fontRef>
+        </p:style>
+        <p:txBody>
+          <a:bodyPr rtlCol="0" anchor="ctr"/>
+          <a:lstStyle/>
+          <a:p>
+            <a:pPr algn="ctr"/>
+            <a:r>
+              <a:rPr lang="en-GB" dirty="0">
+                <a:solidFill>
+                  <a:schemeClr val="tx1">
+                    <a:alpha val="60000"/>
+                  </a:schemeClr>
+                </a:solidFill>
+              </a:rPr>
+              <a:t>16</a:t>
+            </a:r>
+          </a:p>
+        </p:txBody>
+      </p:sp>
+      <p:sp>
+        <p:nvSpPr>
+          <p:cNvPr id="93" name="Rechteck 92">
+            <a:extLst>
+              <a:ext uri="{FF2B5EF4-FFF2-40B4-BE49-F238E27FC236}">
+                <a16:creationId xmlns:a16="http://schemas.microsoft.com/office/drawing/2014/main" id="{708AEEE9-B658-B081-03BC-BC328ADA4E78}"/>
+              </a:ext>
+            </a:extLst>
+          </p:cNvPr>
+          <p:cNvSpPr/>
+          <p:nvPr/>
+        </p:nvSpPr>
+        <p:spPr>
+          <a:xfrm>
+            <a:off x="8111177" y="8545801"/>
+            <a:ext cx="162838" cy="977030"/>
+          </a:xfrm>
+          <a:prstGeom prst="rect">
+            <a:avLst/>
+          </a:prstGeom>
+          <a:solidFill>
+            <a:schemeClr val="accent2">
+              <a:lumMod val="20000"/>
+              <a:lumOff val="80000"/>
+            </a:schemeClr>
+          </a:solidFill>
+          <a:ln>
+            <a:solidFill>
+              <a:schemeClr val="accent2">
+                <a:alpha val="69000"/>
+              </a:schemeClr>
+            </a:solidFill>
+          </a:ln>
+        </p:spPr>
+        <p:style>
+          <a:lnRef idx="2">
+            <a:schemeClr val="accent1">
+              <a:shade val="15000"/>
+            </a:schemeClr>
+          </a:lnRef>
+          <a:fillRef idx="1">
+            <a:schemeClr val="accent1"/>
+          </a:fillRef>
+          <a:effectRef idx="0">
+            <a:schemeClr val="accent1"/>
+          </a:effectRef>
+          <a:fontRef idx="minor">
+            <a:schemeClr val="lt1"/>
+          </a:fontRef>
+        </p:style>
+        <p:txBody>
+          <a:bodyPr rtlCol="0" anchor="ctr"/>
+          <a:lstStyle/>
+          <a:p>
+            <a:pPr algn="ctr"/>
+            <a:r>
+              <a:rPr lang="en-GB" dirty="0">
+                <a:solidFill>
+                  <a:schemeClr val="tx1">
+                    <a:alpha val="20000"/>
+                  </a:schemeClr>
+                </a:solidFill>
+              </a:rPr>
+              <a:t>17</a:t>
+            </a:r>
+          </a:p>
+        </p:txBody>
+      </p:sp>
+      <p:sp>
+        <p:nvSpPr>
+          <p:cNvPr id="94" name="Rechteck 93">
+            <a:extLst>
+              <a:ext uri="{FF2B5EF4-FFF2-40B4-BE49-F238E27FC236}">
+                <a16:creationId xmlns:a16="http://schemas.microsoft.com/office/drawing/2014/main" id="{45B0738C-9BDF-DF67-4748-1E1A00965CA8}"/>
+              </a:ext>
+            </a:extLst>
+          </p:cNvPr>
+          <p:cNvSpPr/>
+          <p:nvPr/>
+        </p:nvSpPr>
+        <p:spPr>
+          <a:xfrm>
+            <a:off x="8423528" y="8545801"/>
+            <a:ext cx="162838" cy="977030"/>
+          </a:xfrm>
+          <a:prstGeom prst="rect">
+            <a:avLst/>
+          </a:prstGeom>
+          <a:solidFill>
+            <a:schemeClr val="bg2">
+              <a:lumMod val="90000"/>
+            </a:schemeClr>
+          </a:solidFill>
+          <a:ln>
+            <a:solidFill>
+              <a:schemeClr val="bg2">
+                <a:lumMod val="50000"/>
+              </a:schemeClr>
+            </a:solidFill>
+          </a:ln>
+        </p:spPr>
+        <p:style>
+          <a:lnRef idx="2">
+            <a:schemeClr val="accent1">
+              <a:shade val="15000"/>
+            </a:schemeClr>
+          </a:lnRef>
+          <a:fillRef idx="1">
+            <a:schemeClr val="accent1"/>
+          </a:fillRef>
+          <a:effectRef idx="0">
+            <a:schemeClr val="accent1"/>
+          </a:effectRef>
+          <a:fontRef idx="minor">
+            <a:schemeClr val="lt1"/>
+          </a:fontRef>
+        </p:style>
+        <p:txBody>
+          <a:bodyPr rtlCol="0" anchor="ctr"/>
+          <a:lstStyle/>
+          <a:p>
+            <a:pPr algn="ctr"/>
+            <a:r>
+              <a:rPr lang="en-GB" dirty="0">
+                <a:solidFill>
+                  <a:schemeClr val="tx1"/>
+                </a:solidFill>
+              </a:rPr>
+              <a:t>18</a:t>
+            </a:r>
+          </a:p>
+        </p:txBody>
+      </p:sp>
+      <p:sp>
+        <p:nvSpPr>
+          <p:cNvPr id="95" name="Rechteck 94">
+            <a:extLst>
+              <a:ext uri="{FF2B5EF4-FFF2-40B4-BE49-F238E27FC236}">
+                <a16:creationId xmlns:a16="http://schemas.microsoft.com/office/drawing/2014/main" id="{1DF766C2-9A70-21DA-E3D5-460454C54EA3}"/>
+              </a:ext>
+            </a:extLst>
+          </p:cNvPr>
+          <p:cNvSpPr/>
+          <p:nvPr/>
+        </p:nvSpPr>
+        <p:spPr>
+          <a:xfrm>
+            <a:off x="8735879" y="8545801"/>
+            <a:ext cx="162838" cy="977030"/>
+          </a:xfrm>
+          <a:prstGeom prst="rect">
+            <a:avLst/>
+          </a:prstGeom>
+          <a:solidFill>
+            <a:schemeClr val="bg2">
+              <a:lumMod val="90000"/>
+            </a:schemeClr>
+          </a:solidFill>
+          <a:ln>
+            <a:solidFill>
+              <a:schemeClr val="bg2">
+                <a:lumMod val="50000"/>
+              </a:schemeClr>
+            </a:solidFill>
+          </a:ln>
+        </p:spPr>
+        <p:style>
+          <a:lnRef idx="2">
+            <a:schemeClr val="accent1">
+              <a:shade val="15000"/>
+            </a:schemeClr>
+          </a:lnRef>
+          <a:fillRef idx="1">
+            <a:schemeClr val="accent1"/>
+          </a:fillRef>
+          <a:effectRef idx="0">
+            <a:schemeClr val="accent1"/>
+          </a:effectRef>
+          <a:fontRef idx="minor">
+            <a:schemeClr val="lt1"/>
+          </a:fontRef>
+        </p:style>
+        <p:txBody>
+          <a:bodyPr rtlCol="0" anchor="ctr"/>
+          <a:lstStyle/>
+          <a:p>
+            <a:pPr algn="ctr"/>
+            <a:r>
+              <a:rPr lang="en-GB" dirty="0">
+                <a:solidFill>
+                  <a:schemeClr val="tx1"/>
+                </a:solidFill>
+              </a:rPr>
+              <a:t>19</a:t>
+            </a:r>
+          </a:p>
+        </p:txBody>
+      </p:sp>
+      <p:sp>
+        <p:nvSpPr>
+          <p:cNvPr id="96" name="Rechteck 95">
+            <a:extLst>
+              <a:ext uri="{FF2B5EF4-FFF2-40B4-BE49-F238E27FC236}">
+                <a16:creationId xmlns:a16="http://schemas.microsoft.com/office/drawing/2014/main" id="{85F55106-3609-63EB-B477-217FB41036AC}"/>
+              </a:ext>
+            </a:extLst>
+          </p:cNvPr>
+          <p:cNvSpPr/>
+          <p:nvPr/>
+        </p:nvSpPr>
+        <p:spPr>
+          <a:xfrm>
+            <a:off x="9048230" y="8545801"/>
+            <a:ext cx="162838" cy="977030"/>
+          </a:xfrm>
+          <a:prstGeom prst="rect">
+            <a:avLst/>
+          </a:prstGeom>
+          <a:solidFill>
+            <a:schemeClr val="accent2">
+              <a:lumMod val="20000"/>
+              <a:lumOff val="80000"/>
+            </a:schemeClr>
+          </a:solidFill>
+          <a:ln>
+            <a:solidFill>
+              <a:schemeClr val="accent2">
+                <a:alpha val="69000"/>
+              </a:schemeClr>
+            </a:solidFill>
+          </a:ln>
+        </p:spPr>
+        <p:style>
+          <a:lnRef idx="2">
+            <a:schemeClr val="accent1">
+              <a:shade val="15000"/>
+            </a:schemeClr>
+          </a:lnRef>
+          <a:fillRef idx="1">
+            <a:schemeClr val="accent1"/>
+          </a:fillRef>
+          <a:effectRef idx="0">
+            <a:schemeClr val="accent1"/>
+          </a:effectRef>
+          <a:fontRef idx="minor">
+            <a:schemeClr val="lt1"/>
+          </a:fontRef>
+        </p:style>
+        <p:txBody>
+          <a:bodyPr rtlCol="0" anchor="ctr"/>
+          <a:lstStyle/>
+          <a:p>
+            <a:pPr algn="ctr"/>
+            <a:r>
+              <a:rPr lang="en-GB" dirty="0">
+                <a:solidFill>
+                  <a:schemeClr val="tx1">
+                    <a:alpha val="20000"/>
+                  </a:schemeClr>
+                </a:solidFill>
+              </a:rPr>
+              <a:t>20</a:t>
+            </a:r>
+          </a:p>
+        </p:txBody>
+      </p:sp>
+      <p:sp>
+        <p:nvSpPr>
+          <p:cNvPr id="97" name="Rechteck 96">
+            <a:extLst>
+              <a:ext uri="{FF2B5EF4-FFF2-40B4-BE49-F238E27FC236}">
+                <a16:creationId xmlns:a16="http://schemas.microsoft.com/office/drawing/2014/main" id="{34DB92D6-764E-966E-3D79-88199B4870C2}"/>
+              </a:ext>
+            </a:extLst>
+          </p:cNvPr>
+          <p:cNvSpPr/>
+          <p:nvPr/>
+        </p:nvSpPr>
+        <p:spPr>
+          <a:xfrm>
+            <a:off x="9360581" y="8545801"/>
+            <a:ext cx="162838" cy="977030"/>
+          </a:xfrm>
+          <a:prstGeom prst="rect">
+            <a:avLst/>
+          </a:prstGeom>
+          <a:solidFill>
+            <a:schemeClr val="bg2">
+              <a:lumMod val="90000"/>
+            </a:schemeClr>
+          </a:solidFill>
+          <a:ln>
+            <a:solidFill>
+              <a:schemeClr val="bg2">
+                <a:lumMod val="50000"/>
+              </a:schemeClr>
+            </a:solidFill>
+          </a:ln>
+        </p:spPr>
+        <p:style>
+          <a:lnRef idx="2">
+            <a:schemeClr val="accent1">
+              <a:shade val="15000"/>
+            </a:schemeClr>
+          </a:lnRef>
+          <a:fillRef idx="1">
+            <a:schemeClr val="accent1"/>
+          </a:fillRef>
+          <a:effectRef idx="0">
+            <a:schemeClr val="accent1"/>
+          </a:effectRef>
+          <a:fontRef idx="minor">
+            <a:schemeClr val="lt1"/>
+          </a:fontRef>
+        </p:style>
+        <p:txBody>
+          <a:bodyPr rtlCol="0" anchor="ctr"/>
+          <a:lstStyle/>
+          <a:p>
+            <a:pPr algn="ctr"/>
+            <a:r>
+              <a:rPr lang="en-GB" dirty="0">
+                <a:solidFill>
+                  <a:schemeClr val="tx1"/>
+                </a:solidFill>
+              </a:rPr>
+              <a:t>21</a:t>
+            </a:r>
+          </a:p>
+        </p:txBody>
+      </p:sp>
+      <p:sp>
+        <p:nvSpPr>
+          <p:cNvPr id="98" name="Rechteck 97">
+            <a:extLst>
+              <a:ext uri="{FF2B5EF4-FFF2-40B4-BE49-F238E27FC236}">
+                <a16:creationId xmlns:a16="http://schemas.microsoft.com/office/drawing/2014/main" id="{44B0F238-5BAA-86D5-EE2F-A60D1AA3C1C8}"/>
+              </a:ext>
+            </a:extLst>
+          </p:cNvPr>
+          <p:cNvSpPr/>
+          <p:nvPr/>
+        </p:nvSpPr>
+        <p:spPr>
+          <a:xfrm>
+            <a:off x="9672932" y="8545801"/>
+            <a:ext cx="162838" cy="977030"/>
+          </a:xfrm>
+          <a:prstGeom prst="rect">
+            <a:avLst/>
+          </a:prstGeom>
+          <a:solidFill>
+            <a:schemeClr val="bg2">
+              <a:lumMod val="90000"/>
+            </a:schemeClr>
+          </a:solidFill>
+          <a:ln>
+            <a:solidFill>
+              <a:schemeClr val="bg2">
+                <a:lumMod val="50000"/>
+              </a:schemeClr>
+            </a:solidFill>
+          </a:ln>
+        </p:spPr>
+        <p:style>
+          <a:lnRef idx="2">
+            <a:schemeClr val="accent1">
+              <a:shade val="15000"/>
+            </a:schemeClr>
+          </a:lnRef>
+          <a:fillRef idx="1">
+            <a:schemeClr val="accent1"/>
+          </a:fillRef>
+          <a:effectRef idx="0">
+            <a:schemeClr val="accent1"/>
+          </a:effectRef>
+          <a:fontRef idx="minor">
+            <a:schemeClr val="lt1"/>
+          </a:fontRef>
+        </p:style>
+        <p:txBody>
+          <a:bodyPr rtlCol="0" anchor="ctr"/>
+          <a:lstStyle/>
+          <a:p>
+            <a:pPr algn="ctr"/>
+            <a:r>
+              <a:rPr lang="en-GB" dirty="0">
+                <a:solidFill>
+                  <a:schemeClr val="tx1"/>
+                </a:solidFill>
+              </a:rPr>
+              <a:t>22</a:t>
+            </a:r>
+          </a:p>
+        </p:txBody>
+      </p:sp>
+      <p:sp>
+        <p:nvSpPr>
+          <p:cNvPr id="99" name="Rechteck 98">
+            <a:extLst>
+              <a:ext uri="{FF2B5EF4-FFF2-40B4-BE49-F238E27FC236}">
+                <a16:creationId xmlns:a16="http://schemas.microsoft.com/office/drawing/2014/main" id="{A6A0AD7B-6013-06DD-DF79-4DA913D49AFF}"/>
+              </a:ext>
+            </a:extLst>
+          </p:cNvPr>
+          <p:cNvSpPr/>
+          <p:nvPr/>
+        </p:nvSpPr>
+        <p:spPr>
+          <a:xfrm>
+            <a:off x="9985283" y="8545801"/>
+            <a:ext cx="162838" cy="977030"/>
+          </a:xfrm>
+          <a:prstGeom prst="rect">
+            <a:avLst/>
+          </a:prstGeom>
+          <a:solidFill>
+            <a:schemeClr val="bg2">
+              <a:lumMod val="90000"/>
+            </a:schemeClr>
+          </a:solidFill>
+          <a:ln>
+            <a:solidFill>
+              <a:schemeClr val="bg2">
+                <a:lumMod val="50000"/>
+              </a:schemeClr>
+            </a:solidFill>
+          </a:ln>
+        </p:spPr>
+        <p:style>
+          <a:lnRef idx="2">
+            <a:schemeClr val="accent1">
+              <a:shade val="15000"/>
+            </a:schemeClr>
+          </a:lnRef>
+          <a:fillRef idx="1">
+            <a:schemeClr val="accent1"/>
+          </a:fillRef>
+          <a:effectRef idx="0">
+            <a:schemeClr val="accent1"/>
+          </a:effectRef>
+          <a:fontRef idx="minor">
+            <a:schemeClr val="lt1"/>
+          </a:fontRef>
+        </p:style>
+        <p:txBody>
+          <a:bodyPr rtlCol="0" anchor="ctr"/>
+          <a:lstStyle/>
+          <a:p>
+            <a:pPr algn="ctr"/>
+            <a:r>
+              <a:rPr lang="en-GB" dirty="0">
+                <a:solidFill>
+                  <a:schemeClr val="tx1"/>
+                </a:solidFill>
+              </a:rPr>
+              <a:t>23</a:t>
+            </a:r>
+          </a:p>
+        </p:txBody>
+      </p:sp>
+      <p:sp>
+        <p:nvSpPr>
+          <p:cNvPr id="100" name="Rechteck 99">
+            <a:extLst>
+              <a:ext uri="{FF2B5EF4-FFF2-40B4-BE49-F238E27FC236}">
+                <a16:creationId xmlns:a16="http://schemas.microsoft.com/office/drawing/2014/main" id="{0AEFAFD4-6DA2-68C2-98CF-FC23FA4D7122}"/>
+              </a:ext>
+            </a:extLst>
+          </p:cNvPr>
+          <p:cNvSpPr/>
+          <p:nvPr/>
+        </p:nvSpPr>
+        <p:spPr>
+          <a:xfrm>
+            <a:off x="10297634" y="8545801"/>
+            <a:ext cx="162838" cy="977030"/>
+          </a:xfrm>
+          <a:prstGeom prst="rect">
+            <a:avLst/>
+          </a:prstGeom>
+          <a:solidFill>
+            <a:schemeClr val="bg2">
+              <a:lumMod val="90000"/>
+            </a:schemeClr>
+          </a:solidFill>
+          <a:ln>
+            <a:solidFill>
+              <a:schemeClr val="bg2">
+                <a:lumMod val="50000"/>
+              </a:schemeClr>
+            </a:solidFill>
+          </a:ln>
+        </p:spPr>
+        <p:style>
+          <a:lnRef idx="2">
+            <a:schemeClr val="accent1">
+              <a:shade val="15000"/>
+            </a:schemeClr>
+          </a:lnRef>
+          <a:fillRef idx="1">
+            <a:schemeClr val="accent1"/>
+          </a:fillRef>
+          <a:effectRef idx="0">
+            <a:schemeClr val="accent1"/>
+          </a:effectRef>
+          <a:fontRef idx="minor">
+            <a:schemeClr val="lt1"/>
+          </a:fontRef>
+        </p:style>
+        <p:txBody>
+          <a:bodyPr rtlCol="0" anchor="ctr"/>
+          <a:lstStyle/>
+          <a:p>
+            <a:pPr algn="ctr"/>
+            <a:r>
+              <a:rPr lang="en-GB" dirty="0">
+                <a:solidFill>
+                  <a:schemeClr val="tx1"/>
+                </a:solidFill>
+              </a:rPr>
+              <a:t>24</a:t>
+            </a:r>
+          </a:p>
+        </p:txBody>
+      </p:sp>
+      <p:sp>
+        <p:nvSpPr>
+          <p:cNvPr id="101" name="Rechteck 100">
+            <a:extLst>
+              <a:ext uri="{FF2B5EF4-FFF2-40B4-BE49-F238E27FC236}">
+                <a16:creationId xmlns:a16="http://schemas.microsoft.com/office/drawing/2014/main" id="{C5A94745-8909-22D0-D929-20F2F42B0F95}"/>
+              </a:ext>
+            </a:extLst>
+          </p:cNvPr>
+          <p:cNvSpPr/>
+          <p:nvPr/>
+        </p:nvSpPr>
+        <p:spPr>
+          <a:xfrm>
+            <a:off x="10609985" y="8545801"/>
+            <a:ext cx="162838" cy="977030"/>
+          </a:xfrm>
+          <a:prstGeom prst="rect">
+            <a:avLst/>
+          </a:prstGeom>
+          <a:solidFill>
+            <a:schemeClr val="bg2">
+              <a:lumMod val="90000"/>
+            </a:schemeClr>
+          </a:solidFill>
+          <a:ln>
+            <a:solidFill>
+              <a:schemeClr val="bg2">
+                <a:lumMod val="50000"/>
+              </a:schemeClr>
+            </a:solidFill>
+          </a:ln>
+        </p:spPr>
+        <p:style>
+          <a:lnRef idx="2">
+            <a:schemeClr val="accent1">
+              <a:shade val="15000"/>
+            </a:schemeClr>
+          </a:lnRef>
+          <a:fillRef idx="1">
+            <a:schemeClr val="accent1"/>
+          </a:fillRef>
+          <a:effectRef idx="0">
+            <a:schemeClr val="accent1"/>
+          </a:effectRef>
+          <a:fontRef idx="minor">
+            <a:schemeClr val="lt1"/>
+          </a:fontRef>
+        </p:style>
+        <p:txBody>
+          <a:bodyPr rtlCol="0" anchor="ctr"/>
+          <a:lstStyle/>
+          <a:p>
+            <a:pPr algn="ctr"/>
+            <a:r>
+              <a:rPr lang="en-GB" dirty="0">
+                <a:solidFill>
+                  <a:schemeClr val="tx1"/>
+                </a:solidFill>
+              </a:rPr>
+              <a:t>25</a:t>
+            </a:r>
+          </a:p>
+        </p:txBody>
+      </p:sp>
+      <p:sp>
+        <p:nvSpPr>
+          <p:cNvPr id="102" name="Rechteck 101">
+            <a:extLst>
+              <a:ext uri="{FF2B5EF4-FFF2-40B4-BE49-F238E27FC236}">
+                <a16:creationId xmlns:a16="http://schemas.microsoft.com/office/drawing/2014/main" id="{D9CA029A-B2EE-9FDD-634B-736F53C338C7}"/>
+              </a:ext>
+            </a:extLst>
+          </p:cNvPr>
+          <p:cNvSpPr/>
+          <p:nvPr/>
+        </p:nvSpPr>
+        <p:spPr>
+          <a:xfrm>
+            <a:off x="3113561" y="8545801"/>
+            <a:ext cx="162838" cy="977030"/>
+          </a:xfrm>
+          <a:prstGeom prst="rect">
+            <a:avLst/>
+          </a:prstGeom>
+          <a:solidFill>
+            <a:schemeClr val="bg2">
+              <a:lumMod val="90000"/>
+            </a:schemeClr>
+          </a:solidFill>
+          <a:ln>
+            <a:solidFill>
+              <a:schemeClr val="bg2">
+                <a:lumMod val="50000"/>
+              </a:schemeClr>
+            </a:solidFill>
+          </a:ln>
+        </p:spPr>
+        <p:style>
+          <a:lnRef idx="2">
+            <a:schemeClr val="accent1">
+              <a:shade val="15000"/>
+            </a:schemeClr>
+          </a:lnRef>
+          <a:fillRef idx="1">
+            <a:schemeClr val="accent1"/>
+          </a:fillRef>
+          <a:effectRef idx="0">
+            <a:schemeClr val="accent1"/>
+          </a:effectRef>
+          <a:fontRef idx="minor">
+            <a:schemeClr val="lt1"/>
+          </a:fontRef>
+        </p:style>
+        <p:txBody>
+          <a:bodyPr rtlCol="0" anchor="ctr"/>
+          <a:lstStyle/>
+          <a:p>
+            <a:pPr algn="ctr"/>
+            <a:r>
+              <a:rPr lang="en-GB" dirty="0">
+                <a:solidFill>
+                  <a:schemeClr val="tx1"/>
+                </a:solidFill>
+              </a:rPr>
+              <a:t>1</a:t>
+            </a:r>
+          </a:p>
+        </p:txBody>
+      </p:sp>
+      <p:sp>
+        <p:nvSpPr>
+          <p:cNvPr id="103" name="Rechteck 102">
+            <a:extLst>
+              <a:ext uri="{FF2B5EF4-FFF2-40B4-BE49-F238E27FC236}">
+                <a16:creationId xmlns:a16="http://schemas.microsoft.com/office/drawing/2014/main" id="{CE7BA0EB-F0FF-2DB1-F7DD-7D21F466FBAB}"/>
+              </a:ext>
+            </a:extLst>
+          </p:cNvPr>
+          <p:cNvSpPr/>
+          <p:nvPr/>
+        </p:nvSpPr>
+        <p:spPr>
+          <a:xfrm>
+            <a:off x="3425912" y="8545801"/>
+            <a:ext cx="162838" cy="977030"/>
+          </a:xfrm>
+          <a:prstGeom prst="rect">
+            <a:avLst/>
+          </a:prstGeom>
+          <a:solidFill>
+            <a:schemeClr val="bg2">
+              <a:lumMod val="90000"/>
+            </a:schemeClr>
+          </a:solidFill>
+          <a:ln>
+            <a:solidFill>
+              <a:schemeClr val="bg2">
+                <a:lumMod val="50000"/>
+              </a:schemeClr>
+            </a:solidFill>
+          </a:ln>
+        </p:spPr>
+        <p:style>
+          <a:lnRef idx="2">
+            <a:schemeClr val="accent1">
+              <a:shade val="15000"/>
+            </a:schemeClr>
+          </a:lnRef>
+          <a:fillRef idx="1">
+            <a:schemeClr val="accent1"/>
+          </a:fillRef>
+          <a:effectRef idx="0">
+            <a:schemeClr val="accent1"/>
+          </a:effectRef>
+          <a:fontRef idx="minor">
+            <a:schemeClr val="lt1"/>
+          </a:fontRef>
+        </p:style>
+        <p:txBody>
+          <a:bodyPr rtlCol="0" anchor="ctr"/>
+          <a:lstStyle/>
+          <a:p>
+            <a:pPr algn="ctr"/>
+            <a:r>
+              <a:rPr lang="en-GB" dirty="0">
+                <a:solidFill>
+                  <a:schemeClr val="tx1"/>
+                </a:solidFill>
+              </a:rPr>
+              <a:t>2</a:t>
+            </a:r>
+          </a:p>
+        </p:txBody>
+      </p:sp>
+      <p:sp>
+        <p:nvSpPr>
+          <p:cNvPr id="104" name="Rechteck 103">
+            <a:extLst>
+              <a:ext uri="{FF2B5EF4-FFF2-40B4-BE49-F238E27FC236}">
+                <a16:creationId xmlns:a16="http://schemas.microsoft.com/office/drawing/2014/main" id="{556832C8-311C-7AC3-8143-5B7BA8773590}"/>
+              </a:ext>
+            </a:extLst>
+          </p:cNvPr>
+          <p:cNvSpPr/>
+          <p:nvPr/>
+        </p:nvSpPr>
+        <p:spPr>
+          <a:xfrm>
+            <a:off x="3738263" y="8545801"/>
+            <a:ext cx="162838" cy="977030"/>
+          </a:xfrm>
+          <a:prstGeom prst="rect">
+            <a:avLst/>
+          </a:prstGeom>
+          <a:solidFill>
+            <a:schemeClr val="bg2">
+              <a:lumMod val="90000"/>
+            </a:schemeClr>
+          </a:solidFill>
+          <a:ln>
+            <a:solidFill>
+              <a:schemeClr val="bg2">
+                <a:lumMod val="50000"/>
+              </a:schemeClr>
+            </a:solidFill>
+          </a:ln>
+        </p:spPr>
+        <p:style>
+          <a:lnRef idx="2">
+            <a:schemeClr val="accent1">
+              <a:shade val="15000"/>
+            </a:schemeClr>
+          </a:lnRef>
+          <a:fillRef idx="1">
+            <a:schemeClr val="accent1"/>
+          </a:fillRef>
+          <a:effectRef idx="0">
+            <a:schemeClr val="accent1"/>
+          </a:effectRef>
+          <a:fontRef idx="minor">
+            <a:schemeClr val="lt1"/>
+          </a:fontRef>
+        </p:style>
+        <p:txBody>
+          <a:bodyPr rtlCol="0" anchor="ctr"/>
+          <a:lstStyle/>
+          <a:p>
+            <a:pPr algn="ctr"/>
+            <a:r>
+              <a:rPr lang="en-GB" dirty="0">
+                <a:solidFill>
+                  <a:schemeClr val="tx1"/>
+                </a:solidFill>
+              </a:rPr>
+              <a:t>3</a:t>
+            </a:r>
+          </a:p>
+        </p:txBody>
+      </p:sp>
+      <p:sp>
+        <p:nvSpPr>
+          <p:cNvPr id="105" name="Rechteck 104">
+            <a:extLst>
+              <a:ext uri="{FF2B5EF4-FFF2-40B4-BE49-F238E27FC236}">
+                <a16:creationId xmlns:a16="http://schemas.microsoft.com/office/drawing/2014/main" id="{7AEF0B18-774B-FD26-BAA8-FDBA9F43F8A8}"/>
+              </a:ext>
+            </a:extLst>
+          </p:cNvPr>
+          <p:cNvSpPr/>
+          <p:nvPr/>
+        </p:nvSpPr>
+        <p:spPr>
+          <a:xfrm>
+            <a:off x="10922336" y="8545801"/>
+            <a:ext cx="162838" cy="977030"/>
+          </a:xfrm>
+          <a:prstGeom prst="rect">
+            <a:avLst/>
+          </a:prstGeom>
+          <a:solidFill>
+            <a:schemeClr val="bg2">
+              <a:lumMod val="90000"/>
+            </a:schemeClr>
+          </a:solidFill>
+          <a:ln>
+            <a:solidFill>
+              <a:schemeClr val="bg2">
+                <a:lumMod val="50000"/>
+              </a:schemeClr>
+            </a:solidFill>
+          </a:ln>
+        </p:spPr>
+        <p:style>
+          <a:lnRef idx="2">
+            <a:schemeClr val="accent1">
+              <a:shade val="15000"/>
+            </a:schemeClr>
+          </a:lnRef>
+          <a:fillRef idx="1">
+            <a:schemeClr val="accent1"/>
+          </a:fillRef>
+          <a:effectRef idx="0">
+            <a:schemeClr val="accent1"/>
+          </a:effectRef>
+          <a:fontRef idx="minor">
+            <a:schemeClr val="lt1"/>
+          </a:fontRef>
+        </p:style>
+        <p:txBody>
+          <a:bodyPr rtlCol="0" anchor="ctr"/>
+          <a:lstStyle/>
+          <a:p>
+            <a:pPr algn="ctr"/>
+            <a:r>
+              <a:rPr lang="en-GB" dirty="0">
+                <a:solidFill>
+                  <a:schemeClr val="tx1"/>
+                </a:solidFill>
+              </a:rPr>
+              <a:t>26</a:t>
+            </a:r>
+          </a:p>
+        </p:txBody>
+      </p:sp>
+      <p:sp>
+        <p:nvSpPr>
+          <p:cNvPr id="106" name="Rechteck 105">
+            <a:extLst>
+              <a:ext uri="{FF2B5EF4-FFF2-40B4-BE49-F238E27FC236}">
+                <a16:creationId xmlns:a16="http://schemas.microsoft.com/office/drawing/2014/main" id="{CEBEC73A-402F-ADA6-8137-48A6E53204C4}"/>
+              </a:ext>
+            </a:extLst>
+          </p:cNvPr>
+          <p:cNvSpPr/>
+          <p:nvPr/>
+        </p:nvSpPr>
+        <p:spPr>
+          <a:xfrm>
+            <a:off x="11234687" y="8545801"/>
+            <a:ext cx="162838" cy="977030"/>
+          </a:xfrm>
+          <a:prstGeom prst="rect">
+            <a:avLst/>
+          </a:prstGeom>
+          <a:solidFill>
+            <a:schemeClr val="bg2">
+              <a:lumMod val="90000"/>
+            </a:schemeClr>
+          </a:solidFill>
+          <a:ln>
+            <a:solidFill>
+              <a:schemeClr val="bg2">
+                <a:lumMod val="50000"/>
+              </a:schemeClr>
+            </a:solidFill>
+          </a:ln>
+        </p:spPr>
+        <p:style>
+          <a:lnRef idx="2">
+            <a:schemeClr val="accent1">
+              <a:shade val="15000"/>
+            </a:schemeClr>
+          </a:lnRef>
+          <a:fillRef idx="1">
+            <a:schemeClr val="accent1"/>
+          </a:fillRef>
+          <a:effectRef idx="0">
+            <a:schemeClr val="accent1"/>
+          </a:effectRef>
+          <a:fontRef idx="minor">
+            <a:schemeClr val="lt1"/>
+          </a:fontRef>
+        </p:style>
+        <p:txBody>
+          <a:bodyPr rtlCol="0" anchor="ctr"/>
+          <a:lstStyle/>
+          <a:p>
+            <a:pPr algn="ctr"/>
+            <a:r>
+              <a:rPr lang="en-GB" dirty="0">
+                <a:solidFill>
+                  <a:schemeClr val="tx1"/>
+                </a:solidFill>
+              </a:rPr>
+              <a:t>27</a:t>
+            </a:r>
+          </a:p>
+        </p:txBody>
+      </p:sp>
+      <p:sp>
+        <p:nvSpPr>
+          <p:cNvPr id="107" name="Rechteck 106">
+            <a:extLst>
+              <a:ext uri="{FF2B5EF4-FFF2-40B4-BE49-F238E27FC236}">
+                <a16:creationId xmlns:a16="http://schemas.microsoft.com/office/drawing/2014/main" id="{845F334C-FFB4-6624-E8F1-569E327CEA59}"/>
+              </a:ext>
+            </a:extLst>
+          </p:cNvPr>
+          <p:cNvSpPr/>
+          <p:nvPr/>
+        </p:nvSpPr>
+        <p:spPr>
+          <a:xfrm>
+            <a:off x="11547043" y="8545801"/>
+            <a:ext cx="162838" cy="977030"/>
+          </a:xfrm>
+          <a:prstGeom prst="rect">
+            <a:avLst/>
+          </a:prstGeom>
+          <a:solidFill>
+            <a:schemeClr val="bg2">
+              <a:lumMod val="90000"/>
+            </a:schemeClr>
+          </a:solidFill>
+          <a:ln>
+            <a:solidFill>
+              <a:schemeClr val="bg2">
+                <a:lumMod val="50000"/>
+              </a:schemeClr>
+            </a:solidFill>
+          </a:ln>
+        </p:spPr>
+        <p:style>
+          <a:lnRef idx="2">
+            <a:schemeClr val="accent1">
+              <a:shade val="15000"/>
+            </a:schemeClr>
+          </a:lnRef>
+          <a:fillRef idx="1">
+            <a:schemeClr val="accent1"/>
+          </a:fillRef>
+          <a:effectRef idx="0">
+            <a:schemeClr val="accent1"/>
+          </a:effectRef>
+          <a:fontRef idx="minor">
+            <a:schemeClr val="lt1"/>
+          </a:fontRef>
+        </p:style>
+        <p:txBody>
+          <a:bodyPr rtlCol="0" anchor="ctr"/>
+          <a:lstStyle/>
+          <a:p>
+            <a:pPr algn="ctr"/>
+            <a:r>
+              <a:rPr lang="en-GB" dirty="0">
+                <a:solidFill>
+                  <a:schemeClr val="tx1"/>
+                </a:solidFill>
+              </a:rPr>
+              <a:t>28</a:t>
+            </a:r>
+          </a:p>
+        </p:txBody>
+      </p:sp>
+      <p:cxnSp>
+        <p:nvCxnSpPr>
+          <p:cNvPr id="108" name="Gerade Verbindung mit Pfeil 107">
+            <a:extLst>
+              <a:ext uri="{FF2B5EF4-FFF2-40B4-BE49-F238E27FC236}">
+                <a16:creationId xmlns:a16="http://schemas.microsoft.com/office/drawing/2014/main" id="{81F5DF8E-2FDA-CBFB-D04A-46B6CDC9C76A}"/>
+              </a:ext>
+            </a:extLst>
+          </p:cNvPr>
+          <p:cNvCxnSpPr>
+            <a:cxnSpLocks/>
+            <a:endCxn id="102" idx="1"/>
+          </p:cNvCxnSpPr>
+          <p:nvPr/>
+        </p:nvCxnSpPr>
+        <p:spPr>
+          <a:xfrm>
+            <a:off x="2217650" y="9034316"/>
+            <a:ext cx="895911" cy="0"/>
+          </a:xfrm>
+          <a:prstGeom prst="straightConnector1">
+            <a:avLst/>
+          </a:prstGeom>
+          <a:ln>
+            <a:tailEnd type="triangle"/>
+          </a:ln>
+        </p:spPr>
+        <p:style>
+          <a:lnRef idx="2">
+            <a:schemeClr val="accent1"/>
+          </a:lnRef>
+          <a:fillRef idx="0">
+            <a:schemeClr val="accent1"/>
+          </a:fillRef>
+          <a:effectRef idx="1">
+            <a:schemeClr val="accent1"/>
+          </a:effectRef>
+          <a:fontRef idx="minor">
+            <a:schemeClr val="tx1"/>
+          </a:fontRef>
+        </p:style>
+      </p:cxnSp>
+      <p:cxnSp>
+        <p:nvCxnSpPr>
+          <p:cNvPr id="109" name="Gerade Verbindung mit Pfeil 108">
+            <a:extLst>
+              <a:ext uri="{FF2B5EF4-FFF2-40B4-BE49-F238E27FC236}">
+                <a16:creationId xmlns:a16="http://schemas.microsoft.com/office/drawing/2014/main" id="{AE4F1458-B609-B749-E2D9-C572E27BA160}"/>
+              </a:ext>
+            </a:extLst>
+          </p:cNvPr>
+          <p:cNvCxnSpPr>
+            <a:endCxn id="103" idx="1"/>
+          </p:cNvCxnSpPr>
+          <p:nvPr/>
+        </p:nvCxnSpPr>
+        <p:spPr>
+          <a:xfrm>
+            <a:off x="3292639" y="9034316"/>
+            <a:ext cx="133273" cy="0"/>
+          </a:xfrm>
+          <a:prstGeom prst="straightConnector1">
+            <a:avLst/>
+          </a:prstGeom>
+          <a:ln>
+            <a:tailEnd type="triangle"/>
+          </a:ln>
+        </p:spPr>
+        <p:style>
+          <a:lnRef idx="2">
+            <a:schemeClr val="accent1"/>
+          </a:lnRef>
+          <a:fillRef idx="0">
+            <a:schemeClr val="accent1"/>
+          </a:fillRef>
+          <a:effectRef idx="1">
+            <a:schemeClr val="accent1"/>
+          </a:effectRef>
+          <a:fontRef idx="minor">
+            <a:schemeClr val="tx1"/>
+          </a:fontRef>
+        </p:style>
+      </p:cxnSp>
+      <p:cxnSp>
+        <p:nvCxnSpPr>
+          <p:cNvPr id="110" name="Gerade Verbindung mit Pfeil 109">
+            <a:extLst>
+              <a:ext uri="{FF2B5EF4-FFF2-40B4-BE49-F238E27FC236}">
+                <a16:creationId xmlns:a16="http://schemas.microsoft.com/office/drawing/2014/main" id="{204C0827-BBC7-2B6F-11B1-AE3B085FAB04}"/>
+              </a:ext>
+            </a:extLst>
+          </p:cNvPr>
+          <p:cNvCxnSpPr>
+            <a:stCxn id="103" idx="3"/>
+            <a:endCxn id="104" idx="1"/>
+          </p:cNvCxnSpPr>
+          <p:nvPr/>
+        </p:nvCxnSpPr>
+        <p:spPr>
+          <a:xfrm>
+            <a:off x="3588750" y="9034316"/>
+            <a:ext cx="149513" cy="0"/>
+          </a:xfrm>
+          <a:prstGeom prst="straightConnector1">
+            <a:avLst/>
+          </a:prstGeom>
+          <a:ln>
+            <a:tailEnd type="triangle"/>
+          </a:ln>
+        </p:spPr>
+        <p:style>
+          <a:lnRef idx="2">
+            <a:schemeClr val="accent1"/>
+          </a:lnRef>
+          <a:fillRef idx="0">
+            <a:schemeClr val="accent1"/>
+          </a:fillRef>
+          <a:effectRef idx="1">
+            <a:schemeClr val="accent1"/>
+          </a:effectRef>
+          <a:fontRef idx="minor">
+            <a:schemeClr val="tx1"/>
+          </a:fontRef>
+        </p:style>
+      </p:cxnSp>
+      <p:cxnSp>
+        <p:nvCxnSpPr>
+          <p:cNvPr id="111" name="Gerade Verbindung mit Pfeil 110">
+            <a:extLst>
+              <a:ext uri="{FF2B5EF4-FFF2-40B4-BE49-F238E27FC236}">
+                <a16:creationId xmlns:a16="http://schemas.microsoft.com/office/drawing/2014/main" id="{3F70C952-5F5D-1693-DE90-0154A9287F3D}"/>
+              </a:ext>
+            </a:extLst>
+          </p:cNvPr>
+          <p:cNvCxnSpPr>
+            <a:endCxn id="80" idx="1"/>
+          </p:cNvCxnSpPr>
+          <p:nvPr/>
+        </p:nvCxnSpPr>
+        <p:spPr>
+          <a:xfrm>
+            <a:off x="3901101" y="9034316"/>
+            <a:ext cx="149513" cy="0"/>
+          </a:xfrm>
+          <a:prstGeom prst="straightConnector1">
+            <a:avLst/>
+          </a:prstGeom>
+          <a:ln>
+            <a:tailEnd type="triangle"/>
+          </a:ln>
+        </p:spPr>
+        <p:style>
+          <a:lnRef idx="2">
+            <a:schemeClr val="accent1"/>
+          </a:lnRef>
+          <a:fillRef idx="0">
+            <a:schemeClr val="accent1"/>
+          </a:fillRef>
+          <a:effectRef idx="1">
+            <a:schemeClr val="accent1"/>
+          </a:effectRef>
+          <a:fontRef idx="minor">
+            <a:schemeClr val="tx1"/>
+          </a:fontRef>
+        </p:style>
+      </p:cxnSp>
+      <p:cxnSp>
+        <p:nvCxnSpPr>
+          <p:cNvPr id="112" name="Gerade Verbindung mit Pfeil 111">
+            <a:extLst>
+              <a:ext uri="{FF2B5EF4-FFF2-40B4-BE49-F238E27FC236}">
+                <a16:creationId xmlns:a16="http://schemas.microsoft.com/office/drawing/2014/main" id="{9644B19A-FA46-8BD7-3E5B-2A2C744FA613}"/>
+              </a:ext>
+            </a:extLst>
+          </p:cNvPr>
+          <p:cNvCxnSpPr>
+            <a:endCxn id="81" idx="1"/>
+          </p:cNvCxnSpPr>
+          <p:nvPr/>
+        </p:nvCxnSpPr>
+        <p:spPr>
+          <a:xfrm>
+            <a:off x="4213452" y="9034316"/>
+            <a:ext cx="149513" cy="0"/>
+          </a:xfrm>
+          <a:prstGeom prst="straightConnector1">
+            <a:avLst/>
+          </a:prstGeom>
+          <a:ln>
+            <a:tailEnd type="triangle"/>
+          </a:ln>
+        </p:spPr>
+        <p:style>
+          <a:lnRef idx="2">
+            <a:schemeClr val="accent1"/>
+          </a:lnRef>
+          <a:fillRef idx="0">
+            <a:schemeClr val="accent1"/>
+          </a:fillRef>
+          <a:effectRef idx="1">
+            <a:schemeClr val="accent1"/>
+          </a:effectRef>
+          <a:fontRef idx="minor">
+            <a:schemeClr val="tx1"/>
+          </a:fontRef>
+        </p:style>
+      </p:cxnSp>
+      <p:cxnSp>
+        <p:nvCxnSpPr>
+          <p:cNvPr id="113" name="Gerade Verbindung mit Pfeil 112">
+            <a:extLst>
+              <a:ext uri="{FF2B5EF4-FFF2-40B4-BE49-F238E27FC236}">
+                <a16:creationId xmlns:a16="http://schemas.microsoft.com/office/drawing/2014/main" id="{9D86980B-6CD1-AC50-979B-C167054883F7}"/>
+              </a:ext>
+            </a:extLst>
+          </p:cNvPr>
+          <p:cNvCxnSpPr>
+            <a:stCxn id="81" idx="3"/>
+            <a:endCxn id="82" idx="1"/>
+          </p:cNvCxnSpPr>
+          <p:nvPr/>
+        </p:nvCxnSpPr>
+        <p:spPr>
+          <a:xfrm>
+            <a:off x="4525803" y="9034316"/>
+            <a:ext cx="149513" cy="0"/>
+          </a:xfrm>
+          <a:prstGeom prst="straightConnector1">
+            <a:avLst/>
+          </a:prstGeom>
+          <a:ln>
+            <a:tailEnd type="triangle"/>
+          </a:ln>
+        </p:spPr>
+        <p:style>
+          <a:lnRef idx="2">
+            <a:schemeClr val="accent1"/>
+          </a:lnRef>
+          <a:fillRef idx="0">
+            <a:schemeClr val="accent1"/>
+          </a:fillRef>
+          <a:effectRef idx="1">
+            <a:schemeClr val="accent1"/>
+          </a:effectRef>
+          <a:fontRef idx="minor">
+            <a:schemeClr val="tx1"/>
+          </a:fontRef>
+        </p:style>
+      </p:cxnSp>
+      <p:cxnSp>
+        <p:nvCxnSpPr>
+          <p:cNvPr id="114" name="Gerade Verbindung mit Pfeil 113">
+            <a:extLst>
+              <a:ext uri="{FF2B5EF4-FFF2-40B4-BE49-F238E27FC236}">
+                <a16:creationId xmlns:a16="http://schemas.microsoft.com/office/drawing/2014/main" id="{BE0F7CAA-3C68-72CF-1694-6119B5E68B4A}"/>
+              </a:ext>
+            </a:extLst>
+          </p:cNvPr>
+          <p:cNvCxnSpPr>
+            <a:cxnSpLocks/>
+            <a:endCxn id="83" idx="1"/>
+          </p:cNvCxnSpPr>
+          <p:nvPr/>
+        </p:nvCxnSpPr>
+        <p:spPr>
+          <a:xfrm>
+            <a:off x="4850040" y="9034316"/>
+            <a:ext cx="137627" cy="0"/>
+          </a:xfrm>
+          <a:prstGeom prst="straightConnector1">
+            <a:avLst/>
+          </a:prstGeom>
+          <a:ln>
+            <a:tailEnd type="triangle"/>
+          </a:ln>
+        </p:spPr>
+        <p:style>
+          <a:lnRef idx="2">
+            <a:schemeClr val="accent1"/>
+          </a:lnRef>
+          <a:fillRef idx="0">
+            <a:schemeClr val="accent1"/>
+          </a:fillRef>
+          <a:effectRef idx="1">
+            <a:schemeClr val="accent1"/>
+          </a:effectRef>
+          <a:fontRef idx="minor">
+            <a:schemeClr val="tx1"/>
+          </a:fontRef>
+        </p:style>
+      </p:cxnSp>
+      <p:cxnSp>
+        <p:nvCxnSpPr>
+          <p:cNvPr id="115" name="Gerade Verbindung mit Pfeil 114">
+            <a:extLst>
+              <a:ext uri="{FF2B5EF4-FFF2-40B4-BE49-F238E27FC236}">
+                <a16:creationId xmlns:a16="http://schemas.microsoft.com/office/drawing/2014/main" id="{13B1C026-1113-E4B2-4E06-703E1CFF5733}"/>
+              </a:ext>
+            </a:extLst>
+          </p:cNvPr>
+          <p:cNvCxnSpPr>
+            <a:cxnSpLocks/>
+            <a:stCxn id="83" idx="3"/>
+            <a:endCxn id="84" idx="1"/>
+          </p:cNvCxnSpPr>
+          <p:nvPr/>
+        </p:nvCxnSpPr>
+        <p:spPr>
+          <a:xfrm>
+            <a:off x="5150505" y="9034316"/>
+            <a:ext cx="149513" cy="0"/>
+          </a:xfrm>
+          <a:prstGeom prst="straightConnector1">
+            <a:avLst/>
+          </a:prstGeom>
+          <a:ln>
+            <a:tailEnd type="triangle"/>
+          </a:ln>
+        </p:spPr>
+        <p:style>
+          <a:lnRef idx="2">
+            <a:schemeClr val="accent1"/>
+          </a:lnRef>
+          <a:fillRef idx="0">
+            <a:schemeClr val="accent1"/>
+          </a:fillRef>
+          <a:effectRef idx="1">
+            <a:schemeClr val="accent1"/>
+          </a:effectRef>
+          <a:fontRef idx="minor">
+            <a:schemeClr val="tx1"/>
+          </a:fontRef>
+        </p:style>
+      </p:cxnSp>
+      <p:cxnSp>
+        <p:nvCxnSpPr>
+          <p:cNvPr id="116" name="Gerade Verbindung mit Pfeil 115">
+            <a:extLst>
+              <a:ext uri="{FF2B5EF4-FFF2-40B4-BE49-F238E27FC236}">
+                <a16:creationId xmlns:a16="http://schemas.microsoft.com/office/drawing/2014/main" id="{B82BC968-3699-C844-7A6A-C9F27017038A}"/>
+              </a:ext>
+            </a:extLst>
+          </p:cNvPr>
+          <p:cNvCxnSpPr>
+            <a:stCxn id="85" idx="3"/>
+            <a:endCxn id="86" idx="1"/>
+          </p:cNvCxnSpPr>
+          <p:nvPr/>
+        </p:nvCxnSpPr>
+        <p:spPr>
+          <a:xfrm>
+            <a:off x="5775207" y="9034316"/>
+            <a:ext cx="149513" cy="0"/>
+          </a:xfrm>
+          <a:prstGeom prst="straightConnector1">
+            <a:avLst/>
+          </a:prstGeom>
+          <a:ln>
+            <a:tailEnd type="triangle"/>
+          </a:ln>
+        </p:spPr>
+        <p:style>
+          <a:lnRef idx="2">
+            <a:schemeClr val="accent1"/>
+          </a:lnRef>
+          <a:fillRef idx="0">
+            <a:schemeClr val="accent1"/>
+          </a:fillRef>
+          <a:effectRef idx="1">
+            <a:schemeClr val="accent1"/>
+          </a:effectRef>
+          <a:fontRef idx="minor">
+            <a:schemeClr val="tx1"/>
+          </a:fontRef>
+        </p:style>
+      </p:cxnSp>
+      <p:cxnSp>
+        <p:nvCxnSpPr>
+          <p:cNvPr id="117" name="Gerade Verbindung mit Pfeil 116">
+            <a:extLst>
+              <a:ext uri="{FF2B5EF4-FFF2-40B4-BE49-F238E27FC236}">
+                <a16:creationId xmlns:a16="http://schemas.microsoft.com/office/drawing/2014/main" id="{AADFF229-ECA1-3FDA-62E8-E8551DB11866}"/>
+              </a:ext>
+            </a:extLst>
+          </p:cNvPr>
+          <p:cNvCxnSpPr>
+            <a:cxnSpLocks/>
+            <a:stCxn id="86" idx="3"/>
+            <a:endCxn id="87" idx="1"/>
+          </p:cNvCxnSpPr>
+          <p:nvPr/>
+        </p:nvCxnSpPr>
+        <p:spPr>
+          <a:xfrm>
+            <a:off x="6087558" y="9034316"/>
+            <a:ext cx="149513" cy="0"/>
+          </a:xfrm>
+          <a:prstGeom prst="straightConnector1">
+            <a:avLst/>
+          </a:prstGeom>
+          <a:ln>
+            <a:tailEnd type="triangle"/>
+          </a:ln>
+        </p:spPr>
+        <p:style>
+          <a:lnRef idx="2">
+            <a:schemeClr val="accent1"/>
+          </a:lnRef>
+          <a:fillRef idx="0">
+            <a:schemeClr val="accent1"/>
+          </a:fillRef>
+          <a:effectRef idx="1">
+            <a:schemeClr val="accent1"/>
+          </a:effectRef>
+          <a:fontRef idx="minor">
+            <a:schemeClr val="tx1"/>
+          </a:fontRef>
+        </p:style>
+      </p:cxnSp>
+      <p:cxnSp>
+        <p:nvCxnSpPr>
+          <p:cNvPr id="118" name="Gerade Verbindung mit Pfeil 117">
+            <a:extLst>
+              <a:ext uri="{FF2B5EF4-FFF2-40B4-BE49-F238E27FC236}">
+                <a16:creationId xmlns:a16="http://schemas.microsoft.com/office/drawing/2014/main" id="{F11C9FA9-F064-5262-CA12-66786F291395}"/>
+              </a:ext>
+            </a:extLst>
+          </p:cNvPr>
+          <p:cNvCxnSpPr>
+            <a:stCxn id="88" idx="3"/>
+            <a:endCxn id="89" idx="1"/>
+          </p:cNvCxnSpPr>
+          <p:nvPr/>
+        </p:nvCxnSpPr>
+        <p:spPr>
+          <a:xfrm>
+            <a:off x="6712260" y="9034316"/>
+            <a:ext cx="149513" cy="0"/>
+          </a:xfrm>
+          <a:prstGeom prst="straightConnector1">
+            <a:avLst/>
+          </a:prstGeom>
+          <a:ln>
+            <a:tailEnd type="triangle"/>
+          </a:ln>
+        </p:spPr>
+        <p:style>
+          <a:lnRef idx="2">
+            <a:schemeClr val="accent1"/>
+          </a:lnRef>
+          <a:fillRef idx="0">
+            <a:schemeClr val="accent1"/>
+          </a:fillRef>
+          <a:effectRef idx="1">
+            <a:schemeClr val="accent1"/>
+          </a:effectRef>
+          <a:fontRef idx="minor">
+            <a:schemeClr val="tx1"/>
+          </a:fontRef>
+        </p:style>
+      </p:cxnSp>
+      <p:cxnSp>
+        <p:nvCxnSpPr>
+          <p:cNvPr id="119" name="Gerade Verbindung mit Pfeil 118">
+            <a:extLst>
+              <a:ext uri="{FF2B5EF4-FFF2-40B4-BE49-F238E27FC236}">
+                <a16:creationId xmlns:a16="http://schemas.microsoft.com/office/drawing/2014/main" id="{52BAF249-F1E9-E303-2BA9-2E70CB313109}"/>
+              </a:ext>
+            </a:extLst>
+          </p:cNvPr>
+          <p:cNvCxnSpPr>
+            <a:stCxn id="89" idx="3"/>
+            <a:endCxn id="90" idx="1"/>
+          </p:cNvCxnSpPr>
+          <p:nvPr/>
+        </p:nvCxnSpPr>
+        <p:spPr>
+          <a:xfrm>
+            <a:off x="7024611" y="9034316"/>
+            <a:ext cx="149513" cy="0"/>
+          </a:xfrm>
+          <a:prstGeom prst="straightConnector1">
+            <a:avLst/>
+          </a:prstGeom>
+          <a:ln>
+            <a:tailEnd type="triangle"/>
+          </a:ln>
+        </p:spPr>
+        <p:style>
+          <a:lnRef idx="2">
+            <a:schemeClr val="accent1"/>
+          </a:lnRef>
+          <a:fillRef idx="0">
+            <a:schemeClr val="accent1"/>
+          </a:fillRef>
+          <a:effectRef idx="1">
+            <a:schemeClr val="accent1"/>
+          </a:effectRef>
+          <a:fontRef idx="minor">
+            <a:schemeClr val="tx1"/>
+          </a:fontRef>
+        </p:style>
+      </p:cxnSp>
+      <p:cxnSp>
+        <p:nvCxnSpPr>
+          <p:cNvPr id="120" name="Gerade Verbindung mit Pfeil 119">
+            <a:extLst>
+              <a:ext uri="{FF2B5EF4-FFF2-40B4-BE49-F238E27FC236}">
+                <a16:creationId xmlns:a16="http://schemas.microsoft.com/office/drawing/2014/main" id="{05F01C38-0AA6-78A2-C2DF-71ED6775333E}"/>
+              </a:ext>
+            </a:extLst>
+          </p:cNvPr>
+          <p:cNvCxnSpPr>
+            <a:cxnSpLocks/>
+            <a:stCxn id="90" idx="3"/>
+            <a:endCxn id="91" idx="1"/>
+          </p:cNvCxnSpPr>
+          <p:nvPr/>
+        </p:nvCxnSpPr>
+        <p:spPr>
+          <a:xfrm>
+            <a:off x="7336962" y="9034316"/>
+            <a:ext cx="149513" cy="0"/>
+          </a:xfrm>
+          <a:prstGeom prst="straightConnector1">
+            <a:avLst/>
+          </a:prstGeom>
+          <a:ln>
+            <a:tailEnd type="triangle"/>
+          </a:ln>
+        </p:spPr>
+        <p:style>
+          <a:lnRef idx="2">
+            <a:schemeClr val="accent1"/>
+          </a:lnRef>
+          <a:fillRef idx="0">
+            <a:schemeClr val="accent1"/>
+          </a:fillRef>
+          <a:effectRef idx="1">
+            <a:schemeClr val="accent1"/>
+          </a:effectRef>
+          <a:fontRef idx="minor">
+            <a:schemeClr val="tx1"/>
+          </a:fontRef>
+        </p:style>
+      </p:cxnSp>
+      <p:cxnSp>
+        <p:nvCxnSpPr>
+          <p:cNvPr id="121" name="Gerade Verbindung mit Pfeil 120">
+            <a:extLst>
+              <a:ext uri="{FF2B5EF4-FFF2-40B4-BE49-F238E27FC236}">
+                <a16:creationId xmlns:a16="http://schemas.microsoft.com/office/drawing/2014/main" id="{D1D226D2-4E60-CF5E-1871-9B3B8579F6F6}"/>
+              </a:ext>
+            </a:extLst>
+          </p:cNvPr>
+          <p:cNvCxnSpPr>
+            <a:stCxn id="94" idx="3"/>
+            <a:endCxn id="95" idx="1"/>
+          </p:cNvCxnSpPr>
+          <p:nvPr/>
+        </p:nvCxnSpPr>
+        <p:spPr>
+          <a:xfrm>
+            <a:off x="8586366" y="9034316"/>
+            <a:ext cx="149513" cy="0"/>
+          </a:xfrm>
+          <a:prstGeom prst="straightConnector1">
+            <a:avLst/>
+          </a:prstGeom>
+          <a:ln>
+            <a:tailEnd type="triangle"/>
+          </a:ln>
+        </p:spPr>
+        <p:style>
+          <a:lnRef idx="2">
+            <a:schemeClr val="accent1"/>
+          </a:lnRef>
+          <a:fillRef idx="0">
+            <a:schemeClr val="accent1"/>
+          </a:fillRef>
+          <a:effectRef idx="1">
+            <a:schemeClr val="accent1"/>
+          </a:effectRef>
+          <a:fontRef idx="minor">
+            <a:schemeClr val="tx1"/>
+          </a:fontRef>
+        </p:style>
+      </p:cxnSp>
+      <p:cxnSp>
+        <p:nvCxnSpPr>
+          <p:cNvPr id="122" name="Gerade Verbindung mit Pfeil 121">
+            <a:extLst>
+              <a:ext uri="{FF2B5EF4-FFF2-40B4-BE49-F238E27FC236}">
+                <a16:creationId xmlns:a16="http://schemas.microsoft.com/office/drawing/2014/main" id="{142552C7-6D46-41C7-681B-B9559760AB14}"/>
+              </a:ext>
+            </a:extLst>
+          </p:cNvPr>
+          <p:cNvCxnSpPr>
+            <a:cxnSpLocks/>
+            <a:stCxn id="95" idx="3"/>
+            <a:endCxn id="96" idx="1"/>
+          </p:cNvCxnSpPr>
+          <p:nvPr/>
+        </p:nvCxnSpPr>
+        <p:spPr>
+          <a:xfrm>
+            <a:off x="8898717" y="9034316"/>
+            <a:ext cx="149513" cy="0"/>
+          </a:xfrm>
+          <a:prstGeom prst="straightConnector1">
+            <a:avLst/>
+          </a:prstGeom>
+          <a:ln>
+            <a:tailEnd type="triangle"/>
+          </a:ln>
+        </p:spPr>
+        <p:style>
+          <a:lnRef idx="2">
+            <a:schemeClr val="accent1"/>
+          </a:lnRef>
+          <a:fillRef idx="0">
+            <a:schemeClr val="accent1"/>
+          </a:fillRef>
+          <a:effectRef idx="1">
+            <a:schemeClr val="accent1"/>
+          </a:effectRef>
+          <a:fontRef idx="minor">
+            <a:schemeClr val="tx1"/>
+          </a:fontRef>
+        </p:style>
+      </p:cxnSp>
+      <p:cxnSp>
+        <p:nvCxnSpPr>
+          <p:cNvPr id="123" name="Gerade Verbindung mit Pfeil 122">
+            <a:extLst>
+              <a:ext uri="{FF2B5EF4-FFF2-40B4-BE49-F238E27FC236}">
+                <a16:creationId xmlns:a16="http://schemas.microsoft.com/office/drawing/2014/main" id="{886F2D9C-3DC5-614B-CA9F-24967CB6A4DD}"/>
+              </a:ext>
+            </a:extLst>
+          </p:cNvPr>
+          <p:cNvCxnSpPr>
+            <a:stCxn id="97" idx="3"/>
+            <a:endCxn id="98" idx="1"/>
+          </p:cNvCxnSpPr>
+          <p:nvPr/>
+        </p:nvCxnSpPr>
+        <p:spPr>
+          <a:xfrm>
+            <a:off x="9523419" y="9034316"/>
+            <a:ext cx="149513" cy="0"/>
+          </a:xfrm>
+          <a:prstGeom prst="straightConnector1">
+            <a:avLst/>
+          </a:prstGeom>
+          <a:ln>
+            <a:tailEnd type="triangle"/>
+          </a:ln>
+        </p:spPr>
+        <p:style>
+          <a:lnRef idx="2">
+            <a:schemeClr val="accent1"/>
+          </a:lnRef>
+          <a:fillRef idx="0">
+            <a:schemeClr val="accent1"/>
+          </a:fillRef>
+          <a:effectRef idx="1">
+            <a:schemeClr val="accent1"/>
+          </a:effectRef>
+          <a:fontRef idx="minor">
+            <a:schemeClr val="tx1"/>
+          </a:fontRef>
+        </p:style>
+      </p:cxnSp>
+      <p:cxnSp>
+        <p:nvCxnSpPr>
+          <p:cNvPr id="124" name="Gerade Verbindung mit Pfeil 123">
+            <a:extLst>
+              <a:ext uri="{FF2B5EF4-FFF2-40B4-BE49-F238E27FC236}">
+                <a16:creationId xmlns:a16="http://schemas.microsoft.com/office/drawing/2014/main" id="{1E4BE446-AD39-3EAB-0B0B-5373B43F6618}"/>
+              </a:ext>
+            </a:extLst>
+          </p:cNvPr>
+          <p:cNvCxnSpPr>
+            <a:stCxn id="98" idx="3"/>
+            <a:endCxn id="99" idx="1"/>
+          </p:cNvCxnSpPr>
+          <p:nvPr/>
+        </p:nvCxnSpPr>
+        <p:spPr>
+          <a:xfrm>
+            <a:off x="9835770" y="9034316"/>
+            <a:ext cx="149513" cy="0"/>
+          </a:xfrm>
+          <a:prstGeom prst="straightConnector1">
+            <a:avLst/>
+          </a:prstGeom>
+          <a:ln>
+            <a:tailEnd type="triangle"/>
+          </a:ln>
+        </p:spPr>
+        <p:style>
+          <a:lnRef idx="2">
+            <a:schemeClr val="accent1"/>
+          </a:lnRef>
+          <a:fillRef idx="0">
+            <a:schemeClr val="accent1"/>
+          </a:fillRef>
+          <a:effectRef idx="1">
+            <a:schemeClr val="accent1"/>
+          </a:effectRef>
+          <a:fontRef idx="minor">
+            <a:schemeClr val="tx1"/>
+          </a:fontRef>
+        </p:style>
+      </p:cxnSp>
+      <p:cxnSp>
+        <p:nvCxnSpPr>
+          <p:cNvPr id="125" name="Gerade Verbindung mit Pfeil 124">
+            <a:extLst>
+              <a:ext uri="{FF2B5EF4-FFF2-40B4-BE49-F238E27FC236}">
+                <a16:creationId xmlns:a16="http://schemas.microsoft.com/office/drawing/2014/main" id="{A9C34724-CB58-8796-3C2F-D0257CB534B5}"/>
+              </a:ext>
+            </a:extLst>
+          </p:cNvPr>
+          <p:cNvCxnSpPr>
+            <a:stCxn id="99" idx="3"/>
+            <a:endCxn id="100" idx="1"/>
+          </p:cNvCxnSpPr>
+          <p:nvPr/>
+        </p:nvCxnSpPr>
+        <p:spPr>
+          <a:xfrm>
+            <a:off x="10148121" y="9034316"/>
+            <a:ext cx="149513" cy="0"/>
+          </a:xfrm>
+          <a:prstGeom prst="straightConnector1">
+            <a:avLst/>
+          </a:prstGeom>
+          <a:ln>
+            <a:tailEnd type="triangle"/>
+          </a:ln>
+        </p:spPr>
+        <p:style>
+          <a:lnRef idx="2">
+            <a:schemeClr val="accent1"/>
+          </a:lnRef>
+          <a:fillRef idx="0">
+            <a:schemeClr val="accent1"/>
+          </a:fillRef>
+          <a:effectRef idx="1">
+            <a:schemeClr val="accent1"/>
+          </a:effectRef>
+          <a:fontRef idx="minor">
+            <a:schemeClr val="tx1"/>
+          </a:fontRef>
+        </p:style>
+      </p:cxnSp>
+      <p:cxnSp>
+        <p:nvCxnSpPr>
+          <p:cNvPr id="126" name="Gerade Verbindung mit Pfeil 125">
+            <a:extLst>
+              <a:ext uri="{FF2B5EF4-FFF2-40B4-BE49-F238E27FC236}">
+                <a16:creationId xmlns:a16="http://schemas.microsoft.com/office/drawing/2014/main" id="{5596E459-F576-382B-02F7-C6A6CF42AC82}"/>
+              </a:ext>
+            </a:extLst>
+          </p:cNvPr>
+          <p:cNvCxnSpPr>
+            <a:stCxn id="100" idx="3"/>
+            <a:endCxn id="101" idx="1"/>
+          </p:cNvCxnSpPr>
+          <p:nvPr/>
+        </p:nvCxnSpPr>
+        <p:spPr>
+          <a:xfrm>
+            <a:off x="10460472" y="9034316"/>
+            <a:ext cx="149513" cy="0"/>
+          </a:xfrm>
+          <a:prstGeom prst="straightConnector1">
+            <a:avLst/>
+          </a:prstGeom>
+          <a:ln>
+            <a:tailEnd type="triangle"/>
+          </a:ln>
+        </p:spPr>
+        <p:style>
+          <a:lnRef idx="2">
+            <a:schemeClr val="accent1"/>
+          </a:lnRef>
+          <a:fillRef idx="0">
+            <a:schemeClr val="accent1"/>
+          </a:fillRef>
+          <a:effectRef idx="1">
+            <a:schemeClr val="accent1"/>
+          </a:effectRef>
+          <a:fontRef idx="minor">
+            <a:schemeClr val="tx1"/>
+          </a:fontRef>
+        </p:style>
+      </p:cxnSp>
+      <p:cxnSp>
+        <p:nvCxnSpPr>
+          <p:cNvPr id="127" name="Gerade Verbindung mit Pfeil 126">
+            <a:extLst>
+              <a:ext uri="{FF2B5EF4-FFF2-40B4-BE49-F238E27FC236}">
+                <a16:creationId xmlns:a16="http://schemas.microsoft.com/office/drawing/2014/main" id="{3EF9F6D1-A487-BA41-12E0-22D5590DF970}"/>
+              </a:ext>
+            </a:extLst>
+          </p:cNvPr>
+          <p:cNvCxnSpPr>
+            <a:stCxn id="101" idx="3"/>
+            <a:endCxn id="105" idx="1"/>
+          </p:cNvCxnSpPr>
+          <p:nvPr/>
+        </p:nvCxnSpPr>
+        <p:spPr>
+          <a:xfrm>
+            <a:off x="10772823" y="9034316"/>
+            <a:ext cx="149513" cy="0"/>
+          </a:xfrm>
+          <a:prstGeom prst="straightConnector1">
+            <a:avLst/>
+          </a:prstGeom>
+          <a:ln>
+            <a:tailEnd type="triangle"/>
+          </a:ln>
+        </p:spPr>
+        <p:style>
+          <a:lnRef idx="2">
+            <a:schemeClr val="accent1"/>
+          </a:lnRef>
+          <a:fillRef idx="0">
+            <a:schemeClr val="accent1"/>
+          </a:fillRef>
+          <a:effectRef idx="1">
+            <a:schemeClr val="accent1"/>
+          </a:effectRef>
+          <a:fontRef idx="minor">
+            <a:schemeClr val="tx1"/>
+          </a:fontRef>
+        </p:style>
+      </p:cxnSp>
+      <p:cxnSp>
+        <p:nvCxnSpPr>
+          <p:cNvPr id="128" name="Gerade Verbindung mit Pfeil 127">
+            <a:extLst>
+              <a:ext uri="{FF2B5EF4-FFF2-40B4-BE49-F238E27FC236}">
+                <a16:creationId xmlns:a16="http://schemas.microsoft.com/office/drawing/2014/main" id="{FA25EC5E-0BA4-7430-9EC7-CB0E9A4ED396}"/>
+              </a:ext>
+            </a:extLst>
+          </p:cNvPr>
+          <p:cNvCxnSpPr>
+            <a:stCxn id="105" idx="3"/>
+            <a:endCxn id="106" idx="1"/>
+          </p:cNvCxnSpPr>
+          <p:nvPr/>
+        </p:nvCxnSpPr>
+        <p:spPr>
+          <a:xfrm>
+            <a:off x="11085174" y="9034316"/>
+            <a:ext cx="149513" cy="0"/>
+          </a:xfrm>
+          <a:prstGeom prst="straightConnector1">
+            <a:avLst/>
+          </a:prstGeom>
+          <a:ln>
+            <a:tailEnd type="triangle"/>
+          </a:ln>
+        </p:spPr>
+        <p:style>
+          <a:lnRef idx="2">
+            <a:schemeClr val="accent1"/>
+          </a:lnRef>
+          <a:fillRef idx="0">
+            <a:schemeClr val="accent1"/>
+          </a:fillRef>
+          <a:effectRef idx="1">
+            <a:schemeClr val="accent1"/>
+          </a:effectRef>
+          <a:fontRef idx="minor">
+            <a:schemeClr val="tx1"/>
+          </a:fontRef>
+        </p:style>
+      </p:cxnSp>
+      <p:cxnSp>
+        <p:nvCxnSpPr>
+          <p:cNvPr id="129" name="Gerade Verbindung mit Pfeil 128">
+            <a:extLst>
+              <a:ext uri="{FF2B5EF4-FFF2-40B4-BE49-F238E27FC236}">
+                <a16:creationId xmlns:a16="http://schemas.microsoft.com/office/drawing/2014/main" id="{573B337F-70F4-759C-8975-3B1611F53214}"/>
+              </a:ext>
+            </a:extLst>
+          </p:cNvPr>
+          <p:cNvCxnSpPr>
+            <a:stCxn id="106" idx="3"/>
+            <a:endCxn id="107" idx="1"/>
+          </p:cNvCxnSpPr>
+          <p:nvPr/>
+        </p:nvCxnSpPr>
+        <p:spPr>
+          <a:xfrm>
+            <a:off x="11397525" y="9034316"/>
+            <a:ext cx="149518" cy="0"/>
+          </a:xfrm>
+          <a:prstGeom prst="straightConnector1">
+            <a:avLst/>
+          </a:prstGeom>
+          <a:ln>
+            <a:tailEnd type="triangle"/>
+          </a:ln>
+        </p:spPr>
+        <p:style>
+          <a:lnRef idx="2">
+            <a:schemeClr val="accent1"/>
+          </a:lnRef>
+          <a:fillRef idx="0">
+            <a:schemeClr val="accent1"/>
+          </a:fillRef>
+          <a:effectRef idx="1">
+            <a:schemeClr val="accent1"/>
+          </a:effectRef>
+          <a:fontRef idx="minor">
+            <a:schemeClr val="tx1"/>
+          </a:fontRef>
+        </p:style>
+      </p:cxnSp>
+      <p:cxnSp>
+        <p:nvCxnSpPr>
+          <p:cNvPr id="130" name="Gerade Verbindung mit Pfeil 129">
+            <a:extLst>
+              <a:ext uri="{FF2B5EF4-FFF2-40B4-BE49-F238E27FC236}">
+                <a16:creationId xmlns:a16="http://schemas.microsoft.com/office/drawing/2014/main" id="{3B95C455-5CD8-2250-6CBF-2053A297E9DF}"/>
+              </a:ext>
+            </a:extLst>
+          </p:cNvPr>
+          <p:cNvCxnSpPr>
+            <a:stCxn id="107" idx="3"/>
+          </p:cNvCxnSpPr>
+          <p:nvPr/>
+        </p:nvCxnSpPr>
+        <p:spPr>
+          <a:xfrm>
+            <a:off x="11709881" y="9034316"/>
+            <a:ext cx="723785" cy="0"/>
+          </a:xfrm>
+          <a:prstGeom prst="straightConnector1">
+            <a:avLst/>
+          </a:prstGeom>
+          <a:ln>
+            <a:tailEnd type="triangle"/>
+          </a:ln>
+        </p:spPr>
+        <p:style>
+          <a:lnRef idx="2">
+            <a:schemeClr val="accent1"/>
+          </a:lnRef>
+          <a:fillRef idx="0">
+            <a:schemeClr val="accent1"/>
+          </a:fillRef>
+          <a:effectRef idx="1">
+            <a:schemeClr val="accent1"/>
+          </a:effectRef>
+          <a:fontRef idx="minor">
+            <a:schemeClr val="tx1"/>
+          </a:fontRef>
+        </p:style>
+      </p:cxnSp>
+      <p:cxnSp>
+        <p:nvCxnSpPr>
+          <p:cNvPr id="133" name="Gerade Verbindung mit Pfeil 132">
+            <a:extLst>
+              <a:ext uri="{FF2B5EF4-FFF2-40B4-BE49-F238E27FC236}">
+                <a16:creationId xmlns:a16="http://schemas.microsoft.com/office/drawing/2014/main" id="{1836F383-9AA0-73A9-82E6-F8D9929E89FF}"/>
+              </a:ext>
+            </a:extLst>
+          </p:cNvPr>
+          <p:cNvCxnSpPr>
+            <a:stCxn id="84" idx="3"/>
+            <a:endCxn id="85" idx="1"/>
+          </p:cNvCxnSpPr>
+          <p:nvPr/>
+        </p:nvCxnSpPr>
+        <p:spPr>
+          <a:xfrm>
+            <a:off x="5462856" y="9034316"/>
+            <a:ext cx="149513" cy="0"/>
+          </a:xfrm>
+          <a:prstGeom prst="straightConnector1">
+            <a:avLst/>
+          </a:prstGeom>
+          <a:ln>
+            <a:tailEnd type="triangle"/>
+          </a:ln>
+        </p:spPr>
+        <p:style>
+          <a:lnRef idx="2">
+            <a:schemeClr val="accent1"/>
+          </a:lnRef>
+          <a:fillRef idx="0">
+            <a:schemeClr val="accent1"/>
+          </a:fillRef>
+          <a:effectRef idx="1">
+            <a:schemeClr val="accent1"/>
+          </a:effectRef>
+          <a:fontRef idx="minor">
+            <a:schemeClr val="tx1"/>
+          </a:fontRef>
+        </p:style>
+      </p:cxnSp>
+      <p:cxnSp>
+        <p:nvCxnSpPr>
+          <p:cNvPr id="136" name="Gerade Verbindung mit Pfeil 135">
+            <a:extLst>
+              <a:ext uri="{FF2B5EF4-FFF2-40B4-BE49-F238E27FC236}">
+                <a16:creationId xmlns:a16="http://schemas.microsoft.com/office/drawing/2014/main" id="{1704303D-25E7-6F71-689A-024DD18FEDAC}"/>
+              </a:ext>
+            </a:extLst>
+          </p:cNvPr>
+          <p:cNvCxnSpPr>
+            <a:stCxn id="87" idx="3"/>
+            <a:endCxn id="88" idx="1"/>
+          </p:cNvCxnSpPr>
+          <p:nvPr/>
+        </p:nvCxnSpPr>
+        <p:spPr>
+          <a:xfrm>
+            <a:off x="6399909" y="9034316"/>
+            <a:ext cx="149513" cy="0"/>
+          </a:xfrm>
+          <a:prstGeom prst="straightConnector1">
+            <a:avLst/>
+          </a:prstGeom>
+          <a:ln>
+            <a:tailEnd type="triangle"/>
+          </a:ln>
+        </p:spPr>
+        <p:style>
+          <a:lnRef idx="2">
+            <a:schemeClr val="accent1"/>
+          </a:lnRef>
+          <a:fillRef idx="0">
+            <a:schemeClr val="accent1"/>
+          </a:fillRef>
+          <a:effectRef idx="1">
+            <a:schemeClr val="accent1"/>
+          </a:effectRef>
+          <a:fontRef idx="minor">
+            <a:schemeClr val="tx1"/>
+          </a:fontRef>
+        </p:style>
+      </p:cxnSp>
+      <p:cxnSp>
+        <p:nvCxnSpPr>
+          <p:cNvPr id="141" name="Gerade Verbindung mit Pfeil 140">
+            <a:extLst>
+              <a:ext uri="{FF2B5EF4-FFF2-40B4-BE49-F238E27FC236}">
+                <a16:creationId xmlns:a16="http://schemas.microsoft.com/office/drawing/2014/main" id="{98F88D46-95A7-EEF7-C198-A7CFBEB485A3}"/>
+              </a:ext>
+            </a:extLst>
+          </p:cNvPr>
+          <p:cNvCxnSpPr>
+            <a:cxnSpLocks/>
+            <a:stCxn id="91" idx="3"/>
+            <a:endCxn id="92" idx="1"/>
+          </p:cNvCxnSpPr>
+          <p:nvPr/>
+        </p:nvCxnSpPr>
+        <p:spPr>
+          <a:xfrm>
+            <a:off x="7649313" y="9034316"/>
+            <a:ext cx="149513" cy="0"/>
+          </a:xfrm>
+          <a:prstGeom prst="straightConnector1">
+            <a:avLst/>
+          </a:prstGeom>
+          <a:ln>
+            <a:tailEnd type="triangle"/>
+          </a:ln>
+        </p:spPr>
+        <p:style>
+          <a:lnRef idx="2">
+            <a:schemeClr val="accent1"/>
+          </a:lnRef>
+          <a:fillRef idx="0">
+            <a:schemeClr val="accent1"/>
+          </a:fillRef>
+          <a:effectRef idx="1">
+            <a:schemeClr val="accent1"/>
+          </a:effectRef>
+          <a:fontRef idx="minor">
+            <a:schemeClr val="tx1"/>
+          </a:fontRef>
+        </p:style>
+      </p:cxnSp>
+      <p:cxnSp>
+        <p:nvCxnSpPr>
+          <p:cNvPr id="144" name="Gerade Verbindung mit Pfeil 143">
+            <a:extLst>
+              <a:ext uri="{FF2B5EF4-FFF2-40B4-BE49-F238E27FC236}">
+                <a16:creationId xmlns:a16="http://schemas.microsoft.com/office/drawing/2014/main" id="{57EB083A-A08E-3333-CD1A-C313A9C833C6}"/>
+              </a:ext>
+            </a:extLst>
+          </p:cNvPr>
+          <p:cNvCxnSpPr>
+            <a:stCxn id="92" idx="3"/>
+            <a:endCxn id="93" idx="1"/>
+          </p:cNvCxnSpPr>
+          <p:nvPr/>
+        </p:nvCxnSpPr>
+        <p:spPr>
+          <a:xfrm>
+            <a:off x="7961664" y="9034316"/>
+            <a:ext cx="149513" cy="0"/>
+          </a:xfrm>
+          <a:prstGeom prst="straightConnector1">
+            <a:avLst/>
+          </a:prstGeom>
+          <a:ln>
+            <a:tailEnd type="triangle"/>
+          </a:ln>
+        </p:spPr>
+        <p:style>
+          <a:lnRef idx="2">
+            <a:schemeClr val="accent1"/>
+          </a:lnRef>
+          <a:fillRef idx="0">
+            <a:schemeClr val="accent1"/>
+          </a:fillRef>
+          <a:effectRef idx="1">
+            <a:schemeClr val="accent1"/>
+          </a:effectRef>
+          <a:fontRef idx="minor">
+            <a:schemeClr val="tx1"/>
+          </a:fontRef>
+        </p:style>
+      </p:cxnSp>
+      <p:cxnSp>
+        <p:nvCxnSpPr>
+          <p:cNvPr id="146" name="Gerade Verbindung mit Pfeil 145">
+            <a:extLst>
+              <a:ext uri="{FF2B5EF4-FFF2-40B4-BE49-F238E27FC236}">
+                <a16:creationId xmlns:a16="http://schemas.microsoft.com/office/drawing/2014/main" id="{5A3DF5D8-5A76-A73E-10C0-88B4654D687B}"/>
+              </a:ext>
+            </a:extLst>
+          </p:cNvPr>
+          <p:cNvCxnSpPr>
+            <a:stCxn id="93" idx="3"/>
+            <a:endCxn id="94" idx="1"/>
+          </p:cNvCxnSpPr>
+          <p:nvPr/>
+        </p:nvCxnSpPr>
+        <p:spPr>
+          <a:xfrm>
+            <a:off x="8274015" y="9034316"/>
+            <a:ext cx="149513" cy="0"/>
+          </a:xfrm>
+          <a:prstGeom prst="straightConnector1">
+            <a:avLst/>
+          </a:prstGeom>
+          <a:ln>
+            <a:tailEnd type="triangle"/>
+          </a:ln>
+        </p:spPr>
+        <p:style>
+          <a:lnRef idx="2">
+            <a:schemeClr val="accent1"/>
+          </a:lnRef>
+          <a:fillRef idx="0">
+            <a:schemeClr val="accent1"/>
+          </a:fillRef>
+          <a:effectRef idx="1">
+            <a:schemeClr val="accent1"/>
+          </a:effectRef>
+          <a:fontRef idx="minor">
+            <a:schemeClr val="tx1"/>
+          </a:fontRef>
+        </p:style>
+      </p:cxnSp>
+      <p:cxnSp>
+        <p:nvCxnSpPr>
+          <p:cNvPr id="149" name="Gerade Verbindung mit Pfeil 148">
+            <a:extLst>
+              <a:ext uri="{FF2B5EF4-FFF2-40B4-BE49-F238E27FC236}">
+                <a16:creationId xmlns:a16="http://schemas.microsoft.com/office/drawing/2014/main" id="{D7E33BE1-9FE5-671C-A8A6-535C2EDC55EA}"/>
+              </a:ext>
+            </a:extLst>
+          </p:cNvPr>
+          <p:cNvCxnSpPr>
+            <a:stCxn id="96" idx="3"/>
+            <a:endCxn id="97" idx="1"/>
+          </p:cNvCxnSpPr>
+          <p:nvPr/>
+        </p:nvCxnSpPr>
+        <p:spPr>
+          <a:xfrm>
+            <a:off x="9211068" y="9034316"/>
+            <a:ext cx="149513" cy="0"/>
+          </a:xfrm>
+          <a:prstGeom prst="straightConnector1">
+            <a:avLst/>
+          </a:prstGeom>
+          <a:ln>
+            <a:tailEnd type="triangle"/>
+          </a:ln>
+        </p:spPr>
+        <p:style>
+          <a:lnRef idx="2">
+            <a:schemeClr val="accent1"/>
+          </a:lnRef>
+          <a:fillRef idx="0">
+            <a:schemeClr val="accent1"/>
+          </a:fillRef>
+          <a:effectRef idx="1">
+            <a:schemeClr val="accent1"/>
+          </a:effectRef>
+          <a:fontRef idx="minor">
+            <a:schemeClr val="tx1"/>
+          </a:fontRef>
+        </p:style>
+      </p:cxnSp>
+      <p:cxnSp>
+        <p:nvCxnSpPr>
+          <p:cNvPr id="152" name="Gerade Verbindung mit Pfeil 151">
+            <a:extLst>
+              <a:ext uri="{FF2B5EF4-FFF2-40B4-BE49-F238E27FC236}">
+                <a16:creationId xmlns:a16="http://schemas.microsoft.com/office/drawing/2014/main" id="{9EA6AB4F-0A85-49DB-97D6-72E221D0502F}"/>
+              </a:ext>
+            </a:extLst>
+          </p:cNvPr>
+          <p:cNvCxnSpPr>
+            <a:stCxn id="17" idx="3"/>
+          </p:cNvCxnSpPr>
+          <p:nvPr/>
+        </p:nvCxnSpPr>
+        <p:spPr>
+          <a:xfrm>
+            <a:off x="7961664" y="5633444"/>
+            <a:ext cx="461864" cy="0"/>
+          </a:xfrm>
+          <a:prstGeom prst="straightConnector1">
+            <a:avLst/>
+          </a:prstGeom>
+          <a:ln>
+            <a:tailEnd type="triangle"/>
+          </a:ln>
+        </p:spPr>
+        <p:style>
+          <a:lnRef idx="2">
+            <a:schemeClr val="accent1"/>
+          </a:lnRef>
+          <a:fillRef idx="0">
+            <a:schemeClr val="accent1"/>
+          </a:fillRef>
+          <a:effectRef idx="1">
+            <a:schemeClr val="accent1"/>
+          </a:effectRef>
+          <a:fontRef idx="minor">
+            <a:schemeClr val="tx1"/>
+          </a:fontRef>
+        </p:style>
+      </p:cxnSp>
+      <p:sp>
+        <p:nvSpPr>
+          <p:cNvPr id="153" name="Rechteck 152">
+            <a:extLst>
+              <a:ext uri="{FF2B5EF4-FFF2-40B4-BE49-F238E27FC236}">
+                <a16:creationId xmlns:a16="http://schemas.microsoft.com/office/drawing/2014/main" id="{5CF7C708-CE80-75AF-60B4-C5578F80DA5D}"/>
+              </a:ext>
+            </a:extLst>
+          </p:cNvPr>
+          <p:cNvSpPr/>
+          <p:nvPr/>
+        </p:nvSpPr>
+        <p:spPr>
+          <a:xfrm>
+            <a:off x="2912400" y="10110313"/>
+            <a:ext cx="162838" cy="977030"/>
+          </a:xfrm>
+          <a:prstGeom prst="rect">
+            <a:avLst/>
+          </a:prstGeom>
+          <a:solidFill>
+            <a:schemeClr val="accent2">
+              <a:lumMod val="20000"/>
+              <a:lumOff val="80000"/>
+            </a:schemeClr>
+          </a:solidFill>
+          <a:ln>
+            <a:solidFill>
+              <a:schemeClr val="accent2">
+                <a:alpha val="69000"/>
+              </a:schemeClr>
+            </a:solidFill>
+          </a:ln>
+        </p:spPr>
+        <p:style>
+          <a:lnRef idx="2">
+            <a:schemeClr val="accent1">
+              <a:shade val="15000"/>
+            </a:schemeClr>
+          </a:lnRef>
+          <a:fillRef idx="1">
+            <a:schemeClr val="accent1"/>
+          </a:fillRef>
+          <a:effectRef idx="0">
+            <a:schemeClr val="accent1"/>
+          </a:effectRef>
+          <a:fontRef idx="minor">
+            <a:schemeClr val="lt1"/>
+          </a:fontRef>
+        </p:style>
+        <p:txBody>
+          <a:bodyPr rtlCol="0" anchor="ctr"/>
+          <a:lstStyle/>
+          <a:p>
+            <a:pPr algn="ctr"/>
+            <a:r>
+              <a:rPr lang="en-GB" dirty="0">
+                <a:solidFill>
+                  <a:schemeClr val="tx1">
+                    <a:alpha val="20000"/>
+                  </a:schemeClr>
+                </a:solidFill>
+              </a:rPr>
+              <a:t>i</a:t>
+            </a:r>
+          </a:p>
+        </p:txBody>
+      </p:sp>
+      <mc:AlternateContent xmlns:mc="http://schemas.openxmlformats.org/markup-compatibility/2006">
+        <mc:Choice xmlns:a14="http://schemas.microsoft.com/office/drawing/2010/main" Requires="a14">
+          <p:sp>
+            <p:nvSpPr>
+              <p:cNvPr id="154" name="Textfeld 153">
+                <a:extLst>
+                  <a:ext uri="{FF2B5EF4-FFF2-40B4-BE49-F238E27FC236}">
+                    <a16:creationId xmlns:a16="http://schemas.microsoft.com/office/drawing/2014/main" id="{648E57EF-012F-F70A-339C-96B63152D5AF}"/>
+                  </a:ext>
+                </a:extLst>
+              </p:cNvPr>
+              <p:cNvSpPr txBox="1"/>
+              <p:nvPr/>
+            </p:nvSpPr>
+            <p:spPr>
+              <a:xfrm>
+                <a:off x="2252588" y="11050197"/>
+                <a:ext cx="1906804" cy="276999"/>
+              </a:xfrm>
+              <a:prstGeom prst="rect">
+                <a:avLst/>
+              </a:prstGeom>
+              <a:noFill/>
+            </p:spPr>
+            <p:txBody>
+              <a:bodyPr wrap="none" rtlCol="0">
+                <a:spAutoFit/>
+              </a:bodyPr>
+              <a:lstStyle/>
+              <a:p>
+                <a:r>
+                  <a:rPr lang="en-GB" sz="1200" dirty="0"/>
+                  <a:t>SVD compressed block </a:t>
+                </a:r>
+                <a14:m>
+                  <m:oMath xmlns:m="http://schemas.openxmlformats.org/officeDocument/2006/math">
+                    <m:sSub>
+                      <m:sSubPr>
+                        <m:ctrlPr>
+                          <a:rPr lang="en-GB" sz="1200" i="1" smtClean="0">
+                            <a:latin typeface="Cambria Math" panose="02040503050406030204" pitchFamily="18" charset="0"/>
+                          </a:rPr>
+                        </m:ctrlPr>
+                      </m:sSubPr>
+                      <m:e>
+                        <m:r>
+                          <a:rPr lang="de-DE" sz="1200" b="0" i="1" smtClean="0">
+                            <a:latin typeface="Cambria Math" panose="02040503050406030204" pitchFamily="18" charset="0"/>
+                          </a:rPr>
+                          <m:t>𝐵</m:t>
+                        </m:r>
+                      </m:e>
+                      <m:sub>
+                        <m:r>
+                          <a:rPr lang="de-DE" sz="1200" b="0" i="1" smtClean="0">
+                            <a:latin typeface="Cambria Math" panose="02040503050406030204" pitchFamily="18" charset="0"/>
+                          </a:rPr>
+                          <m:t>𝑖</m:t>
+                        </m:r>
+                      </m:sub>
+                    </m:sSub>
+                  </m:oMath>
+                </a14:m>
+                <a:endParaRPr lang="en-GB" sz="1200" dirty="0"/>
+              </a:p>
+            </p:txBody>
+          </p:sp>
+        </mc:Choice>
+        <mc:Fallback>
+          <p:sp>
+            <p:nvSpPr>
+              <p:cNvPr id="154" name="Textfeld 153">
+                <a:extLst>
+                  <a:ext uri="{FF2B5EF4-FFF2-40B4-BE49-F238E27FC236}">
+                    <a16:creationId xmlns:a16="http://schemas.microsoft.com/office/drawing/2014/main" id="{648E57EF-012F-F70A-339C-96B63152D5AF}"/>
+                  </a:ext>
+                </a:extLst>
+              </p:cNvPr>
+              <p:cNvSpPr txBox="1">
+                <a:spLocks noRot="1" noChangeAspect="1" noMove="1" noResize="1" noEditPoints="1" noAdjustHandles="1" noChangeArrowheads="1" noChangeShapeType="1" noTextEdit="1"/>
+              </p:cNvSpPr>
+              <p:nvPr/>
+            </p:nvSpPr>
+            <p:spPr>
+              <a:xfrm>
+                <a:off x="2252588" y="11050197"/>
+                <a:ext cx="1906804" cy="276999"/>
+              </a:xfrm>
+              <a:prstGeom prst="rect">
+                <a:avLst/>
+              </a:prstGeom>
+              <a:blipFill>
+                <a:blip r:embed="rId3"/>
+                <a:stretch>
+                  <a:fillRect t="-4545" b="-13636"/>
+                </a:stretch>
+              </a:blipFill>
+            </p:spPr>
+            <p:txBody>
+              <a:bodyPr/>
+              <a:lstStyle/>
+              <a:p>
+                <a:r>
+                  <a:rPr lang="en-GB">
+                    <a:noFill/>
+                  </a:rPr>
+                  <a:t> </a:t>
+                </a:r>
+              </a:p>
+            </p:txBody>
+          </p:sp>
+        </mc:Fallback>
+      </mc:AlternateContent>
+      <p:sp>
+        <p:nvSpPr>
+          <p:cNvPr id="155" name="Rechteck 154">
+            <a:extLst>
+              <a:ext uri="{FF2B5EF4-FFF2-40B4-BE49-F238E27FC236}">
+                <a16:creationId xmlns:a16="http://schemas.microsoft.com/office/drawing/2014/main" id="{98160171-CB1D-4CEC-6AFB-546C3AB43260}"/>
+              </a:ext>
+            </a:extLst>
+          </p:cNvPr>
+          <p:cNvSpPr/>
+          <p:nvPr/>
+        </p:nvSpPr>
+        <p:spPr>
+          <a:xfrm>
+            <a:off x="2912400" y="6709592"/>
+            <a:ext cx="162838" cy="977030"/>
+          </a:xfrm>
+          <a:prstGeom prst="rect">
+            <a:avLst/>
+          </a:prstGeom>
+          <a:solidFill>
+            <a:schemeClr val="bg2">
+              <a:lumMod val="90000"/>
+              <a:alpha val="20000"/>
+            </a:schemeClr>
+          </a:solidFill>
+          <a:ln>
+            <a:solidFill>
+              <a:schemeClr val="bg2">
+                <a:lumMod val="50000"/>
+                <a:alpha val="20000"/>
+              </a:schemeClr>
+            </a:solidFill>
+          </a:ln>
+        </p:spPr>
+        <p:style>
+          <a:lnRef idx="2">
+            <a:schemeClr val="accent1">
+              <a:shade val="15000"/>
+            </a:schemeClr>
+          </a:lnRef>
+          <a:fillRef idx="1">
+            <a:schemeClr val="accent1"/>
+          </a:fillRef>
+          <a:effectRef idx="0">
+            <a:schemeClr val="accent1"/>
+          </a:effectRef>
+          <a:fontRef idx="minor">
+            <a:schemeClr val="lt1"/>
+          </a:fontRef>
+        </p:style>
+        <p:txBody>
+          <a:bodyPr rtlCol="0" anchor="ctr"/>
+          <a:lstStyle/>
+          <a:p>
+            <a:pPr algn="ctr"/>
+            <a:r>
+              <a:rPr lang="en-GB" dirty="0">
+                <a:solidFill>
+                  <a:schemeClr val="tx1">
+                    <a:alpha val="20000"/>
+                  </a:schemeClr>
+                </a:solidFill>
+              </a:rPr>
+              <a:t>i</a:t>
+            </a:r>
+          </a:p>
+        </p:txBody>
+      </p:sp>
+      <mc:AlternateContent xmlns:mc="http://schemas.openxmlformats.org/markup-compatibility/2006">
+        <mc:Choice xmlns:a14="http://schemas.microsoft.com/office/drawing/2010/main" Requires="a14">
+          <p:sp>
+            <p:nvSpPr>
+              <p:cNvPr id="156" name="Textfeld 155">
+                <a:extLst>
+                  <a:ext uri="{FF2B5EF4-FFF2-40B4-BE49-F238E27FC236}">
+                    <a16:creationId xmlns:a16="http://schemas.microsoft.com/office/drawing/2014/main" id="{25225E45-6E4C-7F78-5BB3-AFA0CB97AF1A}"/>
+                  </a:ext>
+                </a:extLst>
+              </p:cNvPr>
+              <p:cNvSpPr txBox="1"/>
+              <p:nvPr/>
+            </p:nvSpPr>
+            <p:spPr>
+              <a:xfrm>
+                <a:off x="2405274" y="7661067"/>
+                <a:ext cx="1385892" cy="276999"/>
+              </a:xfrm>
+              <a:prstGeom prst="rect">
+                <a:avLst/>
+              </a:prstGeom>
+              <a:noFill/>
+            </p:spPr>
+            <p:txBody>
+              <a:bodyPr wrap="none" rtlCol="0">
+                <a:spAutoFit/>
+              </a:bodyPr>
+              <a:lstStyle/>
+              <a:p>
+                <a:r>
+                  <a:rPr lang="en-GB" sz="1200" dirty="0"/>
+                  <a:t>Removed block </a:t>
+                </a:r>
+                <a14:m>
+                  <m:oMath xmlns:m="http://schemas.openxmlformats.org/officeDocument/2006/math">
+                    <m:sSub>
+                      <m:sSubPr>
+                        <m:ctrlPr>
+                          <a:rPr lang="en-GB" sz="1200" i="1" smtClean="0">
+                            <a:latin typeface="Cambria Math" panose="02040503050406030204" pitchFamily="18" charset="0"/>
+                          </a:rPr>
+                        </m:ctrlPr>
+                      </m:sSubPr>
+                      <m:e>
+                        <m:r>
+                          <a:rPr lang="de-DE" sz="1200" b="0" i="1" smtClean="0">
+                            <a:latin typeface="Cambria Math" panose="02040503050406030204" pitchFamily="18" charset="0"/>
+                          </a:rPr>
+                          <m:t>𝐵</m:t>
+                        </m:r>
+                      </m:e>
+                      <m:sub>
+                        <m:r>
+                          <a:rPr lang="de-DE" sz="1200" b="0" i="1" smtClean="0">
+                            <a:latin typeface="Cambria Math" panose="02040503050406030204" pitchFamily="18" charset="0"/>
+                          </a:rPr>
+                          <m:t>𝑖</m:t>
+                        </m:r>
+                      </m:sub>
+                    </m:sSub>
+                  </m:oMath>
+                </a14:m>
+                <a:endParaRPr lang="en-GB" sz="1200" dirty="0"/>
+              </a:p>
+            </p:txBody>
+          </p:sp>
+        </mc:Choice>
+        <mc:Fallback>
+          <p:sp>
+            <p:nvSpPr>
+              <p:cNvPr id="156" name="Textfeld 155">
+                <a:extLst>
+                  <a:ext uri="{FF2B5EF4-FFF2-40B4-BE49-F238E27FC236}">
+                    <a16:creationId xmlns:a16="http://schemas.microsoft.com/office/drawing/2014/main" id="{25225E45-6E4C-7F78-5BB3-AFA0CB97AF1A}"/>
+                  </a:ext>
+                </a:extLst>
+              </p:cNvPr>
+              <p:cNvSpPr txBox="1">
+                <a:spLocks noRot="1" noChangeAspect="1" noMove="1" noResize="1" noEditPoints="1" noAdjustHandles="1" noChangeArrowheads="1" noChangeShapeType="1" noTextEdit="1"/>
+              </p:cNvSpPr>
+              <p:nvPr/>
+            </p:nvSpPr>
+            <p:spPr>
+              <a:xfrm>
+                <a:off x="2405274" y="7661067"/>
+                <a:ext cx="1385892" cy="276999"/>
+              </a:xfrm>
+              <a:prstGeom prst="rect">
+                <a:avLst/>
+              </a:prstGeom>
+              <a:blipFill>
+                <a:blip r:embed="rId4"/>
+                <a:stretch>
+                  <a:fillRect t="-4545" b="-13636"/>
+                </a:stretch>
+              </a:blipFill>
+            </p:spPr>
+            <p:txBody>
+              <a:bodyPr/>
+              <a:lstStyle/>
+              <a:p>
+                <a:r>
+                  <a:rPr lang="en-GB">
+                    <a:noFill/>
+                  </a:rPr>
+                  <a:t> </a:t>
+                </a:r>
+              </a:p>
+            </p:txBody>
+          </p:sp>
+        </mc:Fallback>
+      </mc:AlternateContent>
+    </p:spTree>
+    <p:extLst>
+      <p:ext uri="{BB962C8B-B14F-4D97-AF65-F5344CB8AC3E}">
+        <p14:creationId xmlns:p14="http://schemas.microsoft.com/office/powerpoint/2010/main" val="524406593"/>
       </p:ext>
     </p:extLst>
   </p:cSld>
